--- a/Slides/Lesson 12.1 The Last Lecture.pptx
+++ b/Slides/Lesson 12.1 The Last Lecture.pptx
@@ -5,50 +5,38 @@
     <p:sldMasterId id="2147483660" r:id="rId1"/>
   </p:sldMasterIdLst>
   <p:notesMasterIdLst>
-    <p:notesMasterId r:id="rId43"/>
+    <p:notesMasterId r:id="rId31"/>
   </p:notesMasterIdLst>
   <p:sldIdLst>
     <p:sldId id="256" r:id="rId2"/>
-    <p:sldId id="306" r:id="rId3"/>
-    <p:sldId id="311" r:id="rId4"/>
-    <p:sldId id="312" r:id="rId5"/>
-    <p:sldId id="313" r:id="rId6"/>
-    <p:sldId id="314" r:id="rId7"/>
-    <p:sldId id="315" r:id="rId8"/>
-    <p:sldId id="316" r:id="rId9"/>
-    <p:sldId id="317" r:id="rId10"/>
-    <p:sldId id="302" r:id="rId11"/>
-    <p:sldId id="318" r:id="rId12"/>
-    <p:sldId id="257" r:id="rId13"/>
-    <p:sldId id="274" r:id="rId14"/>
-    <p:sldId id="273" r:id="rId15"/>
-    <p:sldId id="258" r:id="rId16"/>
-    <p:sldId id="305" r:id="rId17"/>
-    <p:sldId id="259" r:id="rId18"/>
-    <p:sldId id="260" r:id="rId19"/>
-    <p:sldId id="310" r:id="rId20"/>
-    <p:sldId id="262" r:id="rId21"/>
-    <p:sldId id="319" r:id="rId22"/>
-    <p:sldId id="303" r:id="rId23"/>
-    <p:sldId id="320" r:id="rId24"/>
-    <p:sldId id="264" r:id="rId25"/>
-    <p:sldId id="321" r:id="rId26"/>
-    <p:sldId id="294" r:id="rId27"/>
-    <p:sldId id="295" r:id="rId28"/>
-    <p:sldId id="266" r:id="rId29"/>
-    <p:sldId id="322" r:id="rId30"/>
-    <p:sldId id="323" r:id="rId31"/>
-    <p:sldId id="307" r:id="rId32"/>
-    <p:sldId id="308" r:id="rId33"/>
-    <p:sldId id="309" r:id="rId34"/>
-    <p:sldId id="285" r:id="rId35"/>
-    <p:sldId id="297" r:id="rId36"/>
-    <p:sldId id="299" r:id="rId37"/>
-    <p:sldId id="287" r:id="rId38"/>
-    <p:sldId id="268" r:id="rId39"/>
-    <p:sldId id="269" r:id="rId40"/>
-    <p:sldId id="270" r:id="rId41"/>
-    <p:sldId id="271" r:id="rId42"/>
+    <p:sldId id="311" r:id="rId3"/>
+    <p:sldId id="312" r:id="rId4"/>
+    <p:sldId id="313" r:id="rId5"/>
+    <p:sldId id="314" r:id="rId6"/>
+    <p:sldId id="315" r:id="rId7"/>
+    <p:sldId id="316" r:id="rId8"/>
+    <p:sldId id="317" r:id="rId9"/>
+    <p:sldId id="318" r:id="rId10"/>
+    <p:sldId id="257" r:id="rId11"/>
+    <p:sldId id="274" r:id="rId12"/>
+    <p:sldId id="259" r:id="rId13"/>
+    <p:sldId id="260" r:id="rId14"/>
+    <p:sldId id="310" r:id="rId15"/>
+    <p:sldId id="262" r:id="rId16"/>
+    <p:sldId id="319" r:id="rId17"/>
+    <p:sldId id="303" r:id="rId18"/>
+    <p:sldId id="320" r:id="rId19"/>
+    <p:sldId id="264" r:id="rId20"/>
+    <p:sldId id="321" r:id="rId21"/>
+    <p:sldId id="323" r:id="rId22"/>
+    <p:sldId id="295" r:id="rId23"/>
+    <p:sldId id="266" r:id="rId24"/>
+    <p:sldId id="307" r:id="rId25"/>
+    <p:sldId id="285" r:id="rId26"/>
+    <p:sldId id="268" r:id="rId27"/>
+    <p:sldId id="269" r:id="rId28"/>
+    <p:sldId id="270" r:id="rId29"/>
+    <p:sldId id="271" r:id="rId30"/>
   </p:sldIdLst>
   <p:sldSz cx="9144000" cy="6858000" type="screen4x3"/>
   <p:notesSz cx="7315200" cy="9601200"/>
@@ -263,7 +251,7 @@
             <a:fld id="{3AEE8EC1-C4AE-4A57-9A8B-A8BF77FA5568}" type="datetimeFigureOut">
               <a:rPr lang="en-US" smtClean="0"/>
               <a:pPr/>
-              <a:t>12/2/2015</a:t>
+              <a:t>12/9/2015</a:t>
             </a:fld>
             <a:endParaRPr lang="en-US"/>
           </a:p>
@@ -695,7 +683,7 @@
             <a:fld id="{6048B3DE-E9CD-4720-84B6-E24D30E64DE7}" type="slidenum">
               <a:rPr lang="en-US" smtClean="0"/>
               <a:pPr/>
-              <a:t>13</a:t>
+              <a:t>11</a:t>
             </a:fld>
             <a:endParaRPr lang="en-US"/>
           </a:p>
@@ -755,12 +743,10 @@
         </p:nvSpPr>
         <p:spPr/>
         <p:txBody>
-          <a:bodyPr>
-            <a:normAutofit/>
-          </a:bodyPr>
-          <a:lstStyle/>
-          <a:p>
-            <a:endParaRPr lang="en-US" baseline="0" dirty="0" smtClean="0"/>
+          <a:bodyPr/>
+          <a:lstStyle/>
+          <a:p>
+            <a:endParaRPr lang="en-US" dirty="0"/>
           </a:p>
         </p:txBody>
       </p:sp>
@@ -779,10 +765,10 @@
           <a:bodyPr/>
           <a:lstStyle/>
           <a:p>
-            <a:fld id="{6048B3DE-E9CD-4720-84B6-E24D30E64DE7}" type="slidenum">
+            <a:fld id="{35B728A6-6F57-4E84-A2C2-C78EE294E18B}" type="slidenum">
               <a:rPr lang="en-US" smtClean="0"/>
               <a:pPr/>
-              <a:t>14</a:t>
+              <a:t>12</a:t>
             </a:fld>
             <a:endParaRPr lang="en-US"/>
           </a:p>
@@ -791,7 +777,7 @@
     </p:spTree>
     <p:extLst>
       <p:ext uri="{BB962C8B-B14F-4D97-AF65-F5344CB8AC3E}">
-        <p14:creationId xmlns:p14="http://schemas.microsoft.com/office/powerpoint/2010/main" val="464550818"/>
+        <p14:creationId xmlns:p14="http://schemas.microsoft.com/office/powerpoint/2010/main" val="1992246410"/>
       </p:ext>
     </p:extLst>
   </p:cSld>
@@ -867,7 +853,7 @@
             <a:fld id="{35B728A6-6F57-4E84-A2C2-C78EE294E18B}" type="slidenum">
               <a:rPr lang="en-US" smtClean="0"/>
               <a:pPr/>
-              <a:t>15</a:t>
+              <a:t>13</a:t>
             </a:fld>
             <a:endParaRPr lang="en-US"/>
           </a:p>
@@ -876,7 +862,7 @@
     </p:spTree>
     <p:extLst>
       <p:ext uri="{BB962C8B-B14F-4D97-AF65-F5344CB8AC3E}">
-        <p14:creationId xmlns:p14="http://schemas.microsoft.com/office/powerpoint/2010/main" val="1536923735"/>
+        <p14:creationId xmlns:p14="http://schemas.microsoft.com/office/powerpoint/2010/main" val="380861967"/>
       </p:ext>
     </p:extLst>
   </p:cSld>
@@ -930,11 +916,7 @@
           <a:bodyPr/>
           <a:lstStyle/>
           <a:p>
-            <a:r>
-              <a:rPr lang="en-US" dirty="0" smtClean="0"/>
-              <a:t>Here is the function design recipe.  </a:t>
-            </a:r>
-            <a:endParaRPr lang="en-US" dirty="0"/>
+            <a:endParaRPr lang="en-US"/>
           </a:p>
         </p:txBody>
       </p:sp>
@@ -953,10 +935,10 @@
           <a:bodyPr/>
           <a:lstStyle/>
           <a:p>
-            <a:fld id="{6048B3DE-E9CD-4720-84B6-E24D30E64DE7}" type="slidenum">
+            <a:fld id="{35B728A6-6F57-4E84-A2C2-C78EE294E18B}" type="slidenum">
               <a:rPr lang="en-US" smtClean="0"/>
               <a:pPr/>
-              <a:t>16</a:t>
+              <a:t>15</a:t>
             </a:fld>
             <a:endParaRPr lang="en-US"/>
           </a:p>
@@ -965,7 +947,7 @@
     </p:spTree>
     <p:extLst>
       <p:ext uri="{BB962C8B-B14F-4D97-AF65-F5344CB8AC3E}">
-        <p14:creationId xmlns:p14="http://schemas.microsoft.com/office/powerpoint/2010/main" val="587995438"/>
+        <p14:creationId xmlns:p14="http://schemas.microsoft.com/office/powerpoint/2010/main" val="1531129417"/>
       </p:ext>
     </p:extLst>
   </p:cSld>
@@ -1019,6 +1001,10 @@
           <a:bodyPr/>
           <a:lstStyle/>
           <a:p>
+            <a:r>
+              <a:rPr lang="en-US" dirty="0" smtClean="0"/>
+              <a:t>Here is the function design recipe.  </a:t>
+            </a:r>
             <a:endParaRPr lang="en-US" dirty="0"/>
           </a:p>
         </p:txBody>
@@ -1038,7 +1024,7 @@
           <a:bodyPr/>
           <a:lstStyle/>
           <a:p>
-            <a:fld id="{35B728A6-6F57-4E84-A2C2-C78EE294E18B}" type="slidenum">
+            <a:fld id="{6048B3DE-E9CD-4720-84B6-E24D30E64DE7}" type="slidenum">
               <a:rPr lang="en-US" smtClean="0"/>
               <a:pPr/>
               <a:t>17</a:t>
@@ -1050,7 +1036,7 @@
     </p:spTree>
     <p:extLst>
       <p:ext uri="{BB962C8B-B14F-4D97-AF65-F5344CB8AC3E}">
-        <p14:creationId xmlns:p14="http://schemas.microsoft.com/office/powerpoint/2010/main" val="1992246410"/>
+        <p14:creationId xmlns:p14="http://schemas.microsoft.com/office/powerpoint/2010/main" val="1154262079"/>
       </p:ext>
     </p:extLst>
   </p:cSld>
@@ -1104,6 +1090,10 @@
           <a:bodyPr/>
           <a:lstStyle/>
           <a:p>
+            <a:r>
+              <a:rPr lang="en-US" dirty="0" smtClean="0"/>
+              <a:t>Here is the function design recipe.  </a:t>
+            </a:r>
             <a:endParaRPr lang="en-US" dirty="0"/>
           </a:p>
         </p:txBody>
@@ -1123,7 +1113,7 @@
           <a:bodyPr/>
           <a:lstStyle/>
           <a:p>
-            <a:fld id="{35B728A6-6F57-4E84-A2C2-C78EE294E18B}" type="slidenum">
+            <a:fld id="{6048B3DE-E9CD-4720-84B6-E24D30E64DE7}" type="slidenum">
               <a:rPr lang="en-US" smtClean="0"/>
               <a:pPr/>
               <a:t>18</a:t>
@@ -1135,7 +1125,7 @@
     </p:spTree>
     <p:extLst>
       <p:ext uri="{BB962C8B-B14F-4D97-AF65-F5344CB8AC3E}">
-        <p14:creationId xmlns:p14="http://schemas.microsoft.com/office/powerpoint/2010/main" val="380861967"/>
+        <p14:creationId xmlns:p14="http://schemas.microsoft.com/office/powerpoint/2010/main" val="3780029653"/>
       </p:ext>
     </p:extLst>
   </p:cSld>
@@ -1189,7 +1179,7 @@
           <a:bodyPr/>
           <a:lstStyle/>
           <a:p>
-            <a:endParaRPr lang="en-US"/>
+            <a:endParaRPr lang="en-US" dirty="0"/>
           </a:p>
         </p:txBody>
       </p:sp>
@@ -1211,7 +1201,7 @@
             <a:fld id="{35B728A6-6F57-4E84-A2C2-C78EE294E18B}" type="slidenum">
               <a:rPr lang="en-US" smtClean="0"/>
               <a:pPr/>
-              <a:t>20</a:t>
+              <a:t>19</a:t>
             </a:fld>
             <a:endParaRPr lang="en-US"/>
           </a:p>
@@ -1220,7 +1210,7 @@
     </p:spTree>
     <p:extLst>
       <p:ext uri="{BB962C8B-B14F-4D97-AF65-F5344CB8AC3E}">
-        <p14:creationId xmlns:p14="http://schemas.microsoft.com/office/powerpoint/2010/main" val="1531129417"/>
+        <p14:creationId xmlns:p14="http://schemas.microsoft.com/office/powerpoint/2010/main" val="3382277095"/>
       </p:ext>
     </p:extLst>
   </p:cSld>
@@ -1274,10 +1264,6 @@
           <a:bodyPr/>
           <a:lstStyle/>
           <a:p>
-            <a:r>
-              <a:rPr lang="en-US" dirty="0" smtClean="0"/>
-              <a:t>Here is the function design recipe.  </a:t>
-            </a:r>
             <a:endParaRPr lang="en-US" dirty="0"/>
           </a:p>
         </p:txBody>
@@ -1297,10 +1283,10 @@
           <a:bodyPr/>
           <a:lstStyle/>
           <a:p>
-            <a:fld id="{6048B3DE-E9CD-4720-84B6-E24D30E64DE7}" type="slidenum">
+            <a:fld id="{35B728A6-6F57-4E84-A2C2-C78EE294E18B}" type="slidenum">
               <a:rPr lang="en-US" smtClean="0"/>
               <a:pPr/>
-              <a:t>22</a:t>
+              <a:t>23</a:t>
             </a:fld>
             <a:endParaRPr lang="en-US"/>
           </a:p>
@@ -1309,7 +1295,7 @@
     </p:spTree>
     <p:extLst>
       <p:ext uri="{BB962C8B-B14F-4D97-AF65-F5344CB8AC3E}">
-        <p14:creationId xmlns:p14="http://schemas.microsoft.com/office/powerpoint/2010/main" val="1154262079"/>
+        <p14:creationId xmlns:p14="http://schemas.microsoft.com/office/powerpoint/2010/main" val="3008092058"/>
       </p:ext>
     </p:extLst>
   </p:cSld>
@@ -1363,10 +1349,6 @@
           <a:bodyPr/>
           <a:lstStyle/>
           <a:p>
-            <a:r>
-              <a:rPr lang="en-US" dirty="0" smtClean="0"/>
-              <a:t>Here is the function design recipe.  </a:t>
-            </a:r>
             <a:endParaRPr lang="en-US" dirty="0"/>
           </a:p>
         </p:txBody>
@@ -1386,10 +1368,10 @@
           <a:bodyPr/>
           <a:lstStyle/>
           <a:p>
-            <a:fld id="{6048B3DE-E9CD-4720-84B6-E24D30E64DE7}" type="slidenum">
+            <a:fld id="{35B728A6-6F57-4E84-A2C2-C78EE294E18B}" type="slidenum">
               <a:rPr lang="en-US" smtClean="0"/>
               <a:pPr/>
-              <a:t>23</a:t>
+              <a:t>24</a:t>
             </a:fld>
             <a:endParaRPr lang="en-US"/>
           </a:p>
@@ -1398,7 +1380,7 @@
     </p:spTree>
     <p:extLst>
       <p:ext uri="{BB962C8B-B14F-4D97-AF65-F5344CB8AC3E}">
-        <p14:creationId xmlns:p14="http://schemas.microsoft.com/office/powerpoint/2010/main" val="3780029653"/>
+        <p14:creationId xmlns:p14="http://schemas.microsoft.com/office/powerpoint/2010/main" val="985671960"/>
       </p:ext>
     </p:extLst>
   </p:cSld>
@@ -1474,7 +1456,7 @@
             <a:fld id="{35B728A6-6F57-4E84-A2C2-C78EE294E18B}" type="slidenum">
               <a:rPr lang="en-US" smtClean="0"/>
               <a:pPr/>
-              <a:t>24</a:t>
+              <a:t>25</a:t>
             </a:fld>
             <a:endParaRPr lang="en-US"/>
           </a:p>
@@ -1483,7 +1465,7 @@
     </p:spTree>
     <p:extLst>
       <p:ext uri="{BB962C8B-B14F-4D97-AF65-F5344CB8AC3E}">
-        <p14:creationId xmlns:p14="http://schemas.microsoft.com/office/powerpoint/2010/main" val="3382277095"/>
+        <p14:creationId xmlns:p14="http://schemas.microsoft.com/office/powerpoint/2010/main" val="3950318737"/>
       </p:ext>
     </p:extLst>
   </p:cSld>
@@ -1559,7 +1541,7 @@
             <a:fld id="{6048B3DE-E9CD-4720-84B6-E24D30E64DE7}" type="slidenum">
               <a:rPr lang="en-US" smtClean="0"/>
               <a:pPr/>
-              <a:t>4</a:t>
+              <a:t>3</a:t>
             </a:fld>
             <a:endParaRPr lang="en-US"/>
           </a:p>
@@ -1644,7 +1626,7 @@
             <a:fld id="{35B728A6-6F57-4E84-A2C2-C78EE294E18B}" type="slidenum">
               <a:rPr lang="en-US" smtClean="0"/>
               <a:pPr/>
-              <a:t>28</a:t>
+              <a:t>26</a:t>
             </a:fld>
             <a:endParaRPr lang="en-US"/>
           </a:p>
@@ -1653,7 +1635,7 @@
     </p:spTree>
     <p:extLst>
       <p:ext uri="{BB962C8B-B14F-4D97-AF65-F5344CB8AC3E}">
-        <p14:creationId xmlns:p14="http://schemas.microsoft.com/office/powerpoint/2010/main" val="3008092058"/>
+        <p14:creationId xmlns:p14="http://schemas.microsoft.com/office/powerpoint/2010/main" val="1996035949"/>
       </p:ext>
     </p:extLst>
   </p:cSld>
@@ -1707,7 +1689,7 @@
           <a:bodyPr/>
           <a:lstStyle/>
           <a:p>
-            <a:endParaRPr lang="en-US" dirty="0"/>
+            <a:endParaRPr lang="en-US"/>
           </a:p>
         </p:txBody>
       </p:sp>
@@ -1729,7 +1711,7 @@
             <a:fld id="{35B728A6-6F57-4E84-A2C2-C78EE294E18B}" type="slidenum">
               <a:rPr lang="en-US" smtClean="0"/>
               <a:pPr/>
-              <a:t>31</a:t>
+              <a:t>27</a:t>
             </a:fld>
             <a:endParaRPr lang="en-US"/>
           </a:p>
@@ -1738,7 +1720,7 @@
     </p:spTree>
     <p:extLst>
       <p:ext uri="{BB962C8B-B14F-4D97-AF65-F5344CB8AC3E}">
-        <p14:creationId xmlns:p14="http://schemas.microsoft.com/office/powerpoint/2010/main" val="985671960"/>
+        <p14:creationId xmlns:p14="http://schemas.microsoft.com/office/powerpoint/2010/main" val="2191203412"/>
       </p:ext>
     </p:extLst>
   </p:cSld>
@@ -1792,7 +1774,7 @@
           <a:bodyPr/>
           <a:lstStyle/>
           <a:p>
-            <a:endParaRPr lang="en-US"/>
+            <a:endParaRPr lang="en-US" dirty="0"/>
           </a:p>
         </p:txBody>
       </p:sp>
@@ -1814,7 +1796,7 @@
             <a:fld id="{35B728A6-6F57-4E84-A2C2-C78EE294E18B}" type="slidenum">
               <a:rPr lang="en-US" smtClean="0"/>
               <a:pPr/>
-              <a:t>32</a:t>
+              <a:t>28</a:t>
             </a:fld>
             <a:endParaRPr lang="en-US"/>
           </a:p>
@@ -1823,7 +1805,7 @@
     </p:spTree>
     <p:extLst>
       <p:ext uri="{BB962C8B-B14F-4D97-AF65-F5344CB8AC3E}">
-        <p14:creationId xmlns:p14="http://schemas.microsoft.com/office/powerpoint/2010/main" val="3201483772"/>
+        <p14:creationId xmlns:p14="http://schemas.microsoft.com/office/powerpoint/2010/main" val="753692657"/>
       </p:ext>
     </p:extLst>
   </p:cSld>
@@ -1877,7 +1859,7 @@
           <a:bodyPr/>
           <a:lstStyle/>
           <a:p>
-            <a:endParaRPr lang="en-US" dirty="0"/>
+            <a:endParaRPr lang="en-US"/>
           </a:p>
         </p:txBody>
       </p:sp>
@@ -1899,520 +1881,7 @@
             <a:fld id="{35B728A6-6F57-4E84-A2C2-C78EE294E18B}" type="slidenum">
               <a:rPr lang="en-US" smtClean="0"/>
               <a:pPr/>
-              <a:t>34</a:t>
-            </a:fld>
-            <a:endParaRPr lang="en-US"/>
-          </a:p>
-        </p:txBody>
-      </p:sp>
-    </p:spTree>
-    <p:extLst>
-      <p:ext uri="{BB962C8B-B14F-4D97-AF65-F5344CB8AC3E}">
-        <p14:creationId xmlns:p14="http://schemas.microsoft.com/office/powerpoint/2010/main" val="3950318737"/>
-      </p:ext>
-    </p:extLst>
-  </p:cSld>
-  <p:clrMapOvr>
-    <a:masterClrMapping/>
-  </p:clrMapOvr>
-</p:notes>
-</file>
-
-<file path=ppt/notesSlides/notesSlide24.xml><?xml version="1.0" encoding="utf-8"?>
-<p:notes xmlns:a="http://schemas.openxmlformats.org/drawingml/2006/main" xmlns:r="http://schemas.openxmlformats.org/officeDocument/2006/relationships" xmlns:p="http://schemas.openxmlformats.org/presentationml/2006/main">
-  <p:cSld>
-    <p:spTree>
-      <p:nvGrpSpPr>
-        <p:cNvPr id="1" name=""/>
-        <p:cNvGrpSpPr/>
-        <p:nvPr/>
-      </p:nvGrpSpPr>
-      <p:grpSpPr>
-        <a:xfrm>
-          <a:off x="0" y="0"/>
-          <a:ext cx="0" cy="0"/>
-          <a:chOff x="0" y="0"/>
-          <a:chExt cx="0" cy="0"/>
-        </a:xfrm>
-      </p:grpSpPr>
-      <p:sp>
-        <p:nvSpPr>
-          <p:cNvPr id="2" name="Slide Image Placeholder 1"/>
-          <p:cNvSpPr>
-            <a:spLocks noGrp="1" noRot="1" noChangeAspect="1"/>
-          </p:cNvSpPr>
-          <p:nvPr>
-            <p:ph type="sldImg"/>
-          </p:nvPr>
-        </p:nvSpPr>
-        <p:spPr/>
-      </p:sp>
-      <p:sp>
-        <p:nvSpPr>
-          <p:cNvPr id="3" name="Notes Placeholder 2"/>
-          <p:cNvSpPr>
-            <a:spLocks noGrp="1"/>
-          </p:cNvSpPr>
-          <p:nvPr>
-            <p:ph type="body" idx="1"/>
-          </p:nvPr>
-        </p:nvSpPr>
-        <p:spPr/>
-        <p:txBody>
-          <a:bodyPr/>
-          <a:lstStyle/>
-          <a:p>
-            <a:r>
-              <a:rPr lang="en-US" dirty="0" smtClean="0"/>
-              <a:t>// must capture this animation!! //</a:t>
-            </a:r>
-            <a:endParaRPr lang="en-US" dirty="0"/>
-          </a:p>
-        </p:txBody>
-      </p:sp>
-      <p:sp>
-        <p:nvSpPr>
-          <p:cNvPr id="4" name="Slide Number Placeholder 3"/>
-          <p:cNvSpPr>
-            <a:spLocks noGrp="1"/>
-          </p:cNvSpPr>
-          <p:nvPr>
-            <p:ph type="sldNum" sz="quarter" idx="10"/>
-          </p:nvPr>
-        </p:nvSpPr>
-        <p:spPr/>
-        <p:txBody>
-          <a:bodyPr/>
-          <a:lstStyle/>
-          <a:p>
-            <a:fld id="{60B49AC6-3CFC-42D1-9952-6A976BC29859}" type="slidenum">
-              <a:rPr lang="en-US" smtClean="0"/>
-              <a:t>36</a:t>
-            </a:fld>
-            <a:endParaRPr lang="en-US"/>
-          </a:p>
-        </p:txBody>
-      </p:sp>
-    </p:spTree>
-    <p:extLst>
-      <p:ext uri="{BB962C8B-B14F-4D97-AF65-F5344CB8AC3E}">
-        <p14:creationId xmlns:p14="http://schemas.microsoft.com/office/powerpoint/2010/main" val="1613774848"/>
-      </p:ext>
-    </p:extLst>
-  </p:cSld>
-  <p:clrMapOvr>
-    <a:masterClrMapping/>
-  </p:clrMapOvr>
-</p:notes>
-</file>
-
-<file path=ppt/notesSlides/notesSlide25.xml><?xml version="1.0" encoding="utf-8"?>
-<p:notes xmlns:a="http://schemas.openxmlformats.org/drawingml/2006/main" xmlns:r="http://schemas.openxmlformats.org/officeDocument/2006/relationships" xmlns:p="http://schemas.openxmlformats.org/presentationml/2006/main">
-  <p:cSld>
-    <p:spTree>
-      <p:nvGrpSpPr>
-        <p:cNvPr id="1" name=""/>
-        <p:cNvGrpSpPr/>
-        <p:nvPr/>
-      </p:nvGrpSpPr>
-      <p:grpSpPr>
-        <a:xfrm>
-          <a:off x="0" y="0"/>
-          <a:ext cx="0" cy="0"/>
-          <a:chOff x="0" y="0"/>
-          <a:chExt cx="0" cy="0"/>
-        </a:xfrm>
-      </p:grpSpPr>
-      <p:sp>
-        <p:nvSpPr>
-          <p:cNvPr id="2" name="Slide Image Placeholder 1"/>
-          <p:cNvSpPr>
-            <a:spLocks noGrp="1" noRot="1" noChangeAspect="1"/>
-          </p:cNvSpPr>
-          <p:nvPr>
-            <p:ph type="sldImg"/>
-          </p:nvPr>
-        </p:nvSpPr>
-        <p:spPr/>
-      </p:sp>
-      <p:sp>
-        <p:nvSpPr>
-          <p:cNvPr id="3" name="Notes Placeholder 2"/>
-          <p:cNvSpPr>
-            <a:spLocks noGrp="1"/>
-          </p:cNvSpPr>
-          <p:nvPr>
-            <p:ph type="body" idx="1"/>
-          </p:nvPr>
-        </p:nvSpPr>
-        <p:spPr/>
-        <p:txBody>
-          <a:bodyPr/>
-          <a:lstStyle/>
-          <a:p>
-            <a:endParaRPr lang="en-US" dirty="0"/>
-          </a:p>
-        </p:txBody>
-      </p:sp>
-      <p:sp>
-        <p:nvSpPr>
-          <p:cNvPr id="4" name="Slide Number Placeholder 3"/>
-          <p:cNvSpPr>
-            <a:spLocks noGrp="1"/>
-          </p:cNvSpPr>
-          <p:nvPr>
-            <p:ph type="sldNum" sz="quarter" idx="10"/>
-          </p:nvPr>
-        </p:nvSpPr>
-        <p:spPr/>
-        <p:txBody>
-          <a:bodyPr/>
-          <a:lstStyle/>
-          <a:p>
-            <a:fld id="{35B728A6-6F57-4E84-A2C2-C78EE294E18B}" type="slidenum">
-              <a:rPr lang="en-US" smtClean="0"/>
-              <a:pPr/>
-              <a:t>37</a:t>
-            </a:fld>
-            <a:endParaRPr lang="en-US"/>
-          </a:p>
-        </p:txBody>
-      </p:sp>
-    </p:spTree>
-    <p:extLst>
-      <p:ext uri="{BB962C8B-B14F-4D97-AF65-F5344CB8AC3E}">
-        <p14:creationId xmlns:p14="http://schemas.microsoft.com/office/powerpoint/2010/main" val="3233571486"/>
-      </p:ext>
-    </p:extLst>
-  </p:cSld>
-  <p:clrMapOvr>
-    <a:masterClrMapping/>
-  </p:clrMapOvr>
-</p:notes>
-</file>
-
-<file path=ppt/notesSlides/notesSlide26.xml><?xml version="1.0" encoding="utf-8"?>
-<p:notes xmlns:a="http://schemas.openxmlformats.org/drawingml/2006/main" xmlns:r="http://schemas.openxmlformats.org/officeDocument/2006/relationships" xmlns:p="http://schemas.openxmlformats.org/presentationml/2006/main">
-  <p:cSld>
-    <p:spTree>
-      <p:nvGrpSpPr>
-        <p:cNvPr id="1" name=""/>
-        <p:cNvGrpSpPr/>
-        <p:nvPr/>
-      </p:nvGrpSpPr>
-      <p:grpSpPr>
-        <a:xfrm>
-          <a:off x="0" y="0"/>
-          <a:ext cx="0" cy="0"/>
-          <a:chOff x="0" y="0"/>
-          <a:chExt cx="0" cy="0"/>
-        </a:xfrm>
-      </p:grpSpPr>
-      <p:sp>
-        <p:nvSpPr>
-          <p:cNvPr id="2" name="Slide Image Placeholder 1"/>
-          <p:cNvSpPr>
-            <a:spLocks noGrp="1" noRot="1" noChangeAspect="1"/>
-          </p:cNvSpPr>
-          <p:nvPr>
-            <p:ph type="sldImg"/>
-          </p:nvPr>
-        </p:nvSpPr>
-        <p:spPr/>
-      </p:sp>
-      <p:sp>
-        <p:nvSpPr>
-          <p:cNvPr id="3" name="Notes Placeholder 2"/>
-          <p:cNvSpPr>
-            <a:spLocks noGrp="1"/>
-          </p:cNvSpPr>
-          <p:nvPr>
-            <p:ph type="body" idx="1"/>
-          </p:nvPr>
-        </p:nvSpPr>
-        <p:spPr/>
-        <p:txBody>
-          <a:bodyPr/>
-          <a:lstStyle/>
-          <a:p>
-            <a:endParaRPr lang="en-US" dirty="0"/>
-          </a:p>
-        </p:txBody>
-      </p:sp>
-      <p:sp>
-        <p:nvSpPr>
-          <p:cNvPr id="4" name="Slide Number Placeholder 3"/>
-          <p:cNvSpPr>
-            <a:spLocks noGrp="1"/>
-          </p:cNvSpPr>
-          <p:nvPr>
-            <p:ph type="sldNum" sz="quarter" idx="10"/>
-          </p:nvPr>
-        </p:nvSpPr>
-        <p:spPr/>
-        <p:txBody>
-          <a:bodyPr/>
-          <a:lstStyle/>
-          <a:p>
-            <a:fld id="{35B728A6-6F57-4E84-A2C2-C78EE294E18B}" type="slidenum">
-              <a:rPr lang="en-US" smtClean="0"/>
-              <a:pPr/>
-              <a:t>38</a:t>
-            </a:fld>
-            <a:endParaRPr lang="en-US"/>
-          </a:p>
-        </p:txBody>
-      </p:sp>
-    </p:spTree>
-    <p:extLst>
-      <p:ext uri="{BB962C8B-B14F-4D97-AF65-F5344CB8AC3E}">
-        <p14:creationId xmlns:p14="http://schemas.microsoft.com/office/powerpoint/2010/main" val="1996035949"/>
-      </p:ext>
-    </p:extLst>
-  </p:cSld>
-  <p:clrMapOvr>
-    <a:masterClrMapping/>
-  </p:clrMapOvr>
-</p:notes>
-</file>
-
-<file path=ppt/notesSlides/notesSlide27.xml><?xml version="1.0" encoding="utf-8"?>
-<p:notes xmlns:a="http://schemas.openxmlformats.org/drawingml/2006/main" xmlns:r="http://schemas.openxmlformats.org/officeDocument/2006/relationships" xmlns:p="http://schemas.openxmlformats.org/presentationml/2006/main">
-  <p:cSld>
-    <p:spTree>
-      <p:nvGrpSpPr>
-        <p:cNvPr id="1" name=""/>
-        <p:cNvGrpSpPr/>
-        <p:nvPr/>
-      </p:nvGrpSpPr>
-      <p:grpSpPr>
-        <a:xfrm>
-          <a:off x="0" y="0"/>
-          <a:ext cx="0" cy="0"/>
-          <a:chOff x="0" y="0"/>
-          <a:chExt cx="0" cy="0"/>
-        </a:xfrm>
-      </p:grpSpPr>
-      <p:sp>
-        <p:nvSpPr>
-          <p:cNvPr id="2" name="Slide Image Placeholder 1"/>
-          <p:cNvSpPr>
-            <a:spLocks noGrp="1" noRot="1" noChangeAspect="1"/>
-          </p:cNvSpPr>
-          <p:nvPr>
-            <p:ph type="sldImg"/>
-          </p:nvPr>
-        </p:nvSpPr>
-        <p:spPr/>
-      </p:sp>
-      <p:sp>
-        <p:nvSpPr>
-          <p:cNvPr id="3" name="Notes Placeholder 2"/>
-          <p:cNvSpPr>
-            <a:spLocks noGrp="1"/>
-          </p:cNvSpPr>
-          <p:nvPr>
-            <p:ph type="body" idx="1"/>
-          </p:nvPr>
-        </p:nvSpPr>
-        <p:spPr/>
-        <p:txBody>
-          <a:bodyPr/>
-          <a:lstStyle/>
-          <a:p>
-            <a:endParaRPr lang="en-US"/>
-          </a:p>
-        </p:txBody>
-      </p:sp>
-      <p:sp>
-        <p:nvSpPr>
-          <p:cNvPr id="4" name="Slide Number Placeholder 3"/>
-          <p:cNvSpPr>
-            <a:spLocks noGrp="1"/>
-          </p:cNvSpPr>
-          <p:nvPr>
-            <p:ph type="sldNum" sz="quarter" idx="10"/>
-          </p:nvPr>
-        </p:nvSpPr>
-        <p:spPr/>
-        <p:txBody>
-          <a:bodyPr/>
-          <a:lstStyle/>
-          <a:p>
-            <a:fld id="{35B728A6-6F57-4E84-A2C2-C78EE294E18B}" type="slidenum">
-              <a:rPr lang="en-US" smtClean="0"/>
-              <a:pPr/>
-              <a:t>39</a:t>
-            </a:fld>
-            <a:endParaRPr lang="en-US"/>
-          </a:p>
-        </p:txBody>
-      </p:sp>
-    </p:spTree>
-    <p:extLst>
-      <p:ext uri="{BB962C8B-B14F-4D97-AF65-F5344CB8AC3E}">
-        <p14:creationId xmlns:p14="http://schemas.microsoft.com/office/powerpoint/2010/main" val="2191203412"/>
-      </p:ext>
-    </p:extLst>
-  </p:cSld>
-  <p:clrMapOvr>
-    <a:masterClrMapping/>
-  </p:clrMapOvr>
-</p:notes>
-</file>
-
-<file path=ppt/notesSlides/notesSlide28.xml><?xml version="1.0" encoding="utf-8"?>
-<p:notes xmlns:a="http://schemas.openxmlformats.org/drawingml/2006/main" xmlns:r="http://schemas.openxmlformats.org/officeDocument/2006/relationships" xmlns:p="http://schemas.openxmlformats.org/presentationml/2006/main">
-  <p:cSld>
-    <p:spTree>
-      <p:nvGrpSpPr>
-        <p:cNvPr id="1" name=""/>
-        <p:cNvGrpSpPr/>
-        <p:nvPr/>
-      </p:nvGrpSpPr>
-      <p:grpSpPr>
-        <a:xfrm>
-          <a:off x="0" y="0"/>
-          <a:ext cx="0" cy="0"/>
-          <a:chOff x="0" y="0"/>
-          <a:chExt cx="0" cy="0"/>
-        </a:xfrm>
-      </p:grpSpPr>
-      <p:sp>
-        <p:nvSpPr>
-          <p:cNvPr id="2" name="Slide Image Placeholder 1"/>
-          <p:cNvSpPr>
-            <a:spLocks noGrp="1" noRot="1" noChangeAspect="1"/>
-          </p:cNvSpPr>
-          <p:nvPr>
-            <p:ph type="sldImg"/>
-          </p:nvPr>
-        </p:nvSpPr>
-        <p:spPr/>
-      </p:sp>
-      <p:sp>
-        <p:nvSpPr>
-          <p:cNvPr id="3" name="Notes Placeholder 2"/>
-          <p:cNvSpPr>
-            <a:spLocks noGrp="1"/>
-          </p:cNvSpPr>
-          <p:nvPr>
-            <p:ph type="body" idx="1"/>
-          </p:nvPr>
-        </p:nvSpPr>
-        <p:spPr/>
-        <p:txBody>
-          <a:bodyPr/>
-          <a:lstStyle/>
-          <a:p>
-            <a:endParaRPr lang="en-US" dirty="0"/>
-          </a:p>
-        </p:txBody>
-      </p:sp>
-      <p:sp>
-        <p:nvSpPr>
-          <p:cNvPr id="4" name="Slide Number Placeholder 3"/>
-          <p:cNvSpPr>
-            <a:spLocks noGrp="1"/>
-          </p:cNvSpPr>
-          <p:nvPr>
-            <p:ph type="sldNum" sz="quarter" idx="10"/>
-          </p:nvPr>
-        </p:nvSpPr>
-        <p:spPr/>
-        <p:txBody>
-          <a:bodyPr/>
-          <a:lstStyle/>
-          <a:p>
-            <a:fld id="{35B728A6-6F57-4E84-A2C2-C78EE294E18B}" type="slidenum">
-              <a:rPr lang="en-US" smtClean="0"/>
-              <a:pPr/>
-              <a:t>40</a:t>
-            </a:fld>
-            <a:endParaRPr lang="en-US"/>
-          </a:p>
-        </p:txBody>
-      </p:sp>
-    </p:spTree>
-    <p:extLst>
-      <p:ext uri="{BB962C8B-B14F-4D97-AF65-F5344CB8AC3E}">
-        <p14:creationId xmlns:p14="http://schemas.microsoft.com/office/powerpoint/2010/main" val="753692657"/>
-      </p:ext>
-    </p:extLst>
-  </p:cSld>
-  <p:clrMapOvr>
-    <a:masterClrMapping/>
-  </p:clrMapOvr>
-</p:notes>
-</file>
-
-<file path=ppt/notesSlides/notesSlide29.xml><?xml version="1.0" encoding="utf-8"?>
-<p:notes xmlns:a="http://schemas.openxmlformats.org/drawingml/2006/main" xmlns:r="http://schemas.openxmlformats.org/officeDocument/2006/relationships" xmlns:p="http://schemas.openxmlformats.org/presentationml/2006/main">
-  <p:cSld>
-    <p:spTree>
-      <p:nvGrpSpPr>
-        <p:cNvPr id="1" name=""/>
-        <p:cNvGrpSpPr/>
-        <p:nvPr/>
-      </p:nvGrpSpPr>
-      <p:grpSpPr>
-        <a:xfrm>
-          <a:off x="0" y="0"/>
-          <a:ext cx="0" cy="0"/>
-          <a:chOff x="0" y="0"/>
-          <a:chExt cx="0" cy="0"/>
-        </a:xfrm>
-      </p:grpSpPr>
-      <p:sp>
-        <p:nvSpPr>
-          <p:cNvPr id="2" name="Slide Image Placeholder 1"/>
-          <p:cNvSpPr>
-            <a:spLocks noGrp="1" noRot="1" noChangeAspect="1"/>
-          </p:cNvSpPr>
-          <p:nvPr>
-            <p:ph type="sldImg"/>
-          </p:nvPr>
-        </p:nvSpPr>
-        <p:spPr/>
-      </p:sp>
-      <p:sp>
-        <p:nvSpPr>
-          <p:cNvPr id="3" name="Notes Placeholder 2"/>
-          <p:cNvSpPr>
-            <a:spLocks noGrp="1"/>
-          </p:cNvSpPr>
-          <p:nvPr>
-            <p:ph type="body" idx="1"/>
-          </p:nvPr>
-        </p:nvSpPr>
-        <p:spPr/>
-        <p:txBody>
-          <a:bodyPr/>
-          <a:lstStyle/>
-          <a:p>
-            <a:endParaRPr lang="en-US"/>
-          </a:p>
-        </p:txBody>
-      </p:sp>
-      <p:sp>
-        <p:nvSpPr>
-          <p:cNvPr id="4" name="Slide Number Placeholder 3"/>
-          <p:cNvSpPr>
-            <a:spLocks noGrp="1"/>
-          </p:cNvSpPr>
-          <p:nvPr>
-            <p:ph type="sldNum" sz="quarter" idx="10"/>
-          </p:nvPr>
-        </p:nvSpPr>
-        <p:spPr/>
-        <p:txBody>
-          <a:bodyPr/>
-          <a:lstStyle/>
-          <a:p>
-            <a:fld id="{35B728A6-6F57-4E84-A2C2-C78EE294E18B}" type="slidenum">
-              <a:rPr lang="en-US" smtClean="0"/>
-              <a:pPr/>
-              <a:t>41</a:t>
+              <a:t>29</a:t>
             </a:fld>
             <a:endParaRPr lang="en-US"/>
           </a:p>
@@ -2496,7 +1965,7 @@
           <a:p>
             <a:fld id="{9680CC5F-B70A-4D86-BBBF-E132BC41B131}" type="slidenum">
               <a:rPr lang="en-US" smtClean="0"/>
-              <a:t>5</a:t>
+              <a:t>4</a:t>
             </a:fld>
             <a:endParaRPr lang="en-US"/>
           </a:p>
@@ -2580,7 +2049,7 @@
           <a:p>
             <a:fld id="{9680CC5F-B70A-4D86-BBBF-E132BC41B131}" type="slidenum">
               <a:rPr lang="en-US" smtClean="0"/>
-              <a:t>6</a:t>
+              <a:t>5</a:t>
             </a:fld>
             <a:endParaRPr lang="en-US"/>
           </a:p>
@@ -2664,7 +2133,7 @@
           <a:p>
             <a:fld id="{9680CC5F-B70A-4D86-BBBF-E132BC41B131}" type="slidenum">
               <a:rPr lang="en-US" smtClean="0"/>
-              <a:t>7</a:t>
+              <a:t>6</a:t>
             </a:fld>
             <a:endParaRPr lang="en-US"/>
           </a:p>
@@ -2748,7 +2217,7 @@
           <a:p>
             <a:fld id="{9680CC5F-B70A-4D86-BBBF-E132BC41B131}" type="slidenum">
               <a:rPr lang="en-US" smtClean="0"/>
-              <a:t>8</a:t>
+              <a:t>7</a:t>
             </a:fld>
             <a:endParaRPr lang="en-US"/>
           </a:p>
@@ -2832,7 +2301,7 @@
           <a:p>
             <a:fld id="{9680CC5F-B70A-4D86-BBBF-E132BC41B131}" type="slidenum">
               <a:rPr lang="en-US" smtClean="0"/>
-              <a:t>9</a:t>
+              <a:t>8</a:t>
             </a:fld>
             <a:endParaRPr lang="en-US"/>
           </a:p>
@@ -2917,7 +2386,7 @@
             <a:fld id="{6048B3DE-E9CD-4720-84B6-E24D30E64DE7}" type="slidenum">
               <a:rPr lang="en-US" smtClean="0"/>
               <a:pPr/>
-              <a:t>11</a:t>
+              <a:t>9</a:t>
             </a:fld>
             <a:endParaRPr lang="en-US"/>
           </a:p>
@@ -3002,7 +2471,7 @@
             <a:fld id="{35B728A6-6F57-4E84-A2C2-C78EE294E18B}" type="slidenum">
               <a:rPr lang="en-US" smtClean="0"/>
               <a:pPr/>
-              <a:t>12</a:t>
+              <a:t>10</a:t>
             </a:fld>
             <a:endParaRPr lang="en-US"/>
           </a:p>
@@ -3202,7 +2671,7 @@
           <a:p>
             <a:fld id="{2F1F79F5-7BEC-496A-AFC7-876E38F64D71}" type="datetime1">
               <a:rPr lang="en-US" smtClean="0"/>
-              <a:t>12/2/2015</a:t>
+              <a:t>12/9/2015</a:t>
             </a:fld>
             <a:endParaRPr lang="en-US"/>
           </a:p>
@@ -3327,7 +2796,7 @@
           <a:p>
             <a:fld id="{2F7B77F5-1464-4F6B-92A8-64FC8A508293}" type="datetime1">
               <a:rPr lang="en-US" smtClean="0"/>
-              <a:t>12/2/2015</a:t>
+              <a:t>12/9/2015</a:t>
             </a:fld>
             <a:endParaRPr lang="en-US"/>
           </a:p>
@@ -3429,7 +2898,7 @@
           <a:p>
             <a:fld id="{0A05703A-7669-4FEA-9056-25299B4D29D4}" type="datetime1">
               <a:rPr lang="en-US" smtClean="0"/>
-              <a:t>12/2/2015</a:t>
+              <a:t>12/9/2015</a:t>
             </a:fld>
             <a:endParaRPr lang="en-US"/>
           </a:p>
@@ -3706,7 +3175,7 @@
           <a:p>
             <a:fld id="{6E5077B5-BB57-49DB-88CA-226A139E5C01}" type="datetime1">
               <a:rPr lang="en-US" smtClean="0"/>
-              <a:t>12/2/2015</a:t>
+              <a:t>12/9/2015</a:t>
             </a:fld>
             <a:endParaRPr lang="en-US"/>
           </a:p>
@@ -3959,7 +3428,7 @@
           <a:p>
             <a:fld id="{C48D9447-CBD6-49A1-89FD-8512A8CF8999}" type="datetime1">
               <a:rPr lang="en-US" smtClean="0"/>
-              <a:t>12/2/2015</a:t>
+              <a:t>12/9/2015</a:t>
             </a:fld>
             <a:endParaRPr lang="en-US"/>
           </a:p>
@@ -4129,7 +3598,7 @@
           <a:p>
             <a:fld id="{A3639A2A-823D-48B7-9ACE-7FAF42870BA9}" type="datetime1">
               <a:rPr lang="en-US" smtClean="0"/>
-              <a:t>12/2/2015</a:t>
+              <a:t>12/9/2015</a:t>
             </a:fld>
             <a:endParaRPr lang="en-US"/>
           </a:p>
@@ -4309,7 +3778,7 @@
           <a:p>
             <a:fld id="{ED1B6996-82E9-463C-972C-7B56056E426C}" type="datetime1">
               <a:rPr lang="en-US" smtClean="0"/>
-              <a:t>12/2/2015</a:t>
+              <a:t>12/9/2015</a:t>
             </a:fld>
             <a:endParaRPr lang="en-US"/>
           </a:p>
@@ -4492,7 +3961,7 @@
           <a:p>
             <a:fld id="{E22ED4DA-448D-4BB1-B935-CC112220207B}" type="datetime1">
               <a:rPr lang="en-US" smtClean="0"/>
-              <a:t>12/2/2015</a:t>
+              <a:t>12/9/2015</a:t>
             </a:fld>
             <a:endParaRPr lang="en-US"/>
           </a:p>
@@ -4674,7 +4143,7 @@
           <a:p>
             <a:fld id="{E22ED4DA-448D-4BB1-B935-CC112220207B}" type="datetime1">
               <a:rPr lang="en-US" smtClean="0"/>
-              <a:t>12/2/2015</a:t>
+              <a:t>12/9/2015</a:t>
             </a:fld>
             <a:endParaRPr lang="en-US"/>
           </a:p>
@@ -4946,7 +4415,7 @@
           <a:p>
             <a:fld id="{FF5D65A6-AB94-4435-B0B7-3743215FA46C}" type="datetime1">
               <a:rPr lang="en-US" smtClean="0"/>
-              <a:t>12/2/2015</a:t>
+              <a:t>12/9/2015</a:t>
             </a:fld>
             <a:endParaRPr lang="en-US"/>
           </a:p>
@@ -5131,7 +4600,7 @@
           <a:p>
             <a:fld id="{FF5D65A6-AB94-4435-B0B7-3743215FA46C}" type="datetime1">
               <a:rPr lang="en-US" smtClean="0"/>
-              <a:t>12/2/2015</a:t>
+              <a:t>12/9/2015</a:t>
             </a:fld>
             <a:endParaRPr lang="en-US"/>
           </a:p>
@@ -5433,7 +4902,7 @@
           <a:p>
             <a:fld id="{7C193DC4-6EF0-48C9-B29C-616106A645E1}" type="datetime1">
               <a:rPr lang="en-US" smtClean="0"/>
-              <a:t>12/2/2015</a:t>
+              <a:t>12/9/2015</a:t>
             </a:fld>
             <a:endParaRPr lang="en-US"/>
           </a:p>
@@ -5721,7 +5190,7 @@
           <a:p>
             <a:fld id="{5D1846AD-9252-4647-9435-4C2AC365653A}" type="datetime1">
               <a:rPr lang="en-US" smtClean="0"/>
-              <a:t>12/2/2015</a:t>
+              <a:t>12/9/2015</a:t>
             </a:fld>
             <a:endParaRPr lang="en-US"/>
           </a:p>
@@ -6023,7 +5492,7 @@
           <a:p>
             <a:fld id="{5D1846AD-9252-4647-9435-4C2AC365653A}" type="datetime1">
               <a:rPr lang="en-US" smtClean="0"/>
-              <a:t>12/2/2015</a:t>
+              <a:t>12/9/2015</a:t>
             </a:fld>
             <a:endParaRPr lang="en-US"/>
           </a:p>
@@ -6445,7 +5914,7 @@
           <a:p>
             <a:fld id="{CE56DC10-3561-4063-A6AF-C1CC7A41040A}" type="datetime1">
               <a:rPr lang="en-US" smtClean="0"/>
-              <a:t>12/2/2015</a:t>
+              <a:t>12/9/2015</a:t>
             </a:fld>
             <a:endParaRPr lang="en-US"/>
           </a:p>
@@ -6670,7 +6139,7 @@
           <a:p>
             <a:fld id="{02B3F677-983B-48DB-ADFD-63FE6CBC7FB2}" type="datetime1">
               <a:rPr lang="en-US" smtClean="0"/>
-              <a:t>12/2/2015</a:t>
+              <a:t>12/9/2015</a:t>
             </a:fld>
             <a:endParaRPr lang="en-US"/>
           </a:p>
@@ -7117,11 +6586,7 @@
           <a:p>
             <a:r>
               <a:rPr lang="en-US" dirty="0" smtClean="0"/>
-              <a:t>Lesson </a:t>
-            </a:r>
-            <a:r>
-              <a:rPr lang="en-US" dirty="0" smtClean="0"/>
-              <a:t>12.1</a:t>
+              <a:t>Lesson 12.1</a:t>
             </a:r>
             <a:endParaRPr lang="en-US" dirty="0"/>
           </a:p>
@@ -7228,7 +6693,6 @@
                 <a:rPr lang="en-US" sz="1000" dirty="0" smtClean="0"/>
                 <a:t>2012-2015</a:t>
               </a:r>
-              <a:endParaRPr lang="en-US" sz="1000" dirty="0" smtClean="0"/>
             </a:p>
             <a:p>
               <a:r>
@@ -7316,241 +6780,17 @@
           <a:chExt cx="0" cy="0"/>
         </a:xfrm>
       </p:grpSpPr>
-      <p:graphicFrame>
-        <p:nvGraphicFramePr>
-          <p:cNvPr id="4" name="Content Placeholder 3"/>
-          <p:cNvGraphicFramePr>
-            <a:graphicFrameLocks noGrp="1"/>
-          </p:cNvGraphicFramePr>
-          <p:nvPr>
-            <p:ph idx="1"/>
-            <p:extLst/>
-          </p:nvPr>
-        </p:nvGraphicFramePr>
-        <p:xfrm>
-          <a:off x="457200" y="914400"/>
-          <a:ext cx="8229600" cy="4450080"/>
-        </p:xfrm>
-        <a:graphic>
-          <a:graphicData uri="http://schemas.openxmlformats.org/drawingml/2006/table">
-            <a:tbl>
-              <a:tblPr firstRow="1" bandRow="1">
-                <a:tableStyleId>{5C22544A-7EE6-4342-B048-85BDC9FD1C3A}</a:tableStyleId>
-              </a:tblPr>
-              <a:tblGrid>
-                <a:gridCol w="8229600"/>
-              </a:tblGrid>
-              <a:tr h="370840">
-                <a:tc>
-                  <a:txBody>
-                    <a:bodyPr/>
-                    <a:lstStyle/>
-                    <a:p>
-                      <a:pPr algn="ctr"/>
-                      <a:r>
-                        <a:rPr lang="en-US" sz="3200" dirty="0" smtClean="0"/>
-                        <a:t>Some Slogans</a:t>
-                      </a:r>
-                      <a:endParaRPr lang="en-US" sz="3200" dirty="0"/>
-                    </a:p>
-                  </a:txBody>
-                  <a:tcPr/>
-                </a:tc>
-              </a:tr>
-              <a:tr h="370840">
-                <a:tc>
-                  <a:txBody>
-                    <a:bodyPr/>
-                    <a:lstStyle/>
-                    <a:p>
-                      <a:r>
-                        <a:rPr lang="en-US" sz="3200" dirty="0" smtClean="0"/>
-                        <a:t>1. Stick to the recipe!</a:t>
-                      </a:r>
-                      <a:endParaRPr lang="en-US" sz="3200" dirty="0"/>
-                    </a:p>
-                  </a:txBody>
-                  <a:tcPr/>
-                </a:tc>
-              </a:tr>
-              <a:tr h="289560">
-                <a:tc>
-                  <a:txBody>
-                    <a:bodyPr/>
-                    <a:lstStyle/>
-                    <a:p>
-                      <a:pPr marL="0" marR="0" indent="0" algn="l" defTabSz="914400" rtl="0" eaLnBrk="1" fontAlgn="auto" latinLnBrk="0" hangingPunct="1">
-                        <a:lnSpc>
-                          <a:spcPct val="100000"/>
-                        </a:lnSpc>
-                        <a:spcBef>
-                          <a:spcPts val="0"/>
-                        </a:spcBef>
-                        <a:spcAft>
-                          <a:spcPts val="0"/>
-                        </a:spcAft>
-                        <a:buClrTx/>
-                        <a:buSzTx/>
-                        <a:buFontTx/>
-                        <a:buNone/>
-                        <a:tabLst/>
-                        <a:defRPr/>
-                      </a:pPr>
-                      <a:r>
-                        <a:rPr lang="en-US" sz="3200" dirty="0" smtClean="0"/>
-                        <a:t>2. You</a:t>
-                      </a:r>
-                      <a:r>
-                        <a:rPr lang="en-US" sz="3200" baseline="0" dirty="0" smtClean="0"/>
-                        <a:t> don't understand it until you can give an example.</a:t>
-                      </a:r>
-                      <a:endParaRPr lang="en-US" sz="3200" dirty="0" smtClean="0"/>
-                    </a:p>
-                  </a:txBody>
-                  <a:tcPr/>
-                </a:tc>
-              </a:tr>
-              <a:tr h="289560">
-                <a:tc>
-                  <a:txBody>
-                    <a:bodyPr/>
-                    <a:lstStyle/>
-                    <a:p>
-                      <a:pPr marL="0" marR="0" indent="0" algn="l" defTabSz="914400" rtl="0" eaLnBrk="1" fontAlgn="auto" latinLnBrk="0" hangingPunct="1">
-                        <a:lnSpc>
-                          <a:spcPct val="100000"/>
-                        </a:lnSpc>
-                        <a:spcBef>
-                          <a:spcPts val="0"/>
-                        </a:spcBef>
-                        <a:spcAft>
-                          <a:spcPts val="0"/>
-                        </a:spcAft>
-                        <a:buClrTx/>
-                        <a:buSzTx/>
-                        <a:buFontTx/>
-                        <a:buNone/>
-                        <a:tabLst/>
-                        <a:defRPr/>
-                      </a:pPr>
-                      <a:r>
-                        <a:rPr lang="en-US" sz="3200" dirty="0" smtClean="0"/>
-                        <a:t>3. One</a:t>
-                      </a:r>
-                      <a:r>
-                        <a:rPr lang="en-US" sz="3200" baseline="0" dirty="0" smtClean="0"/>
-                        <a:t> function, one task.</a:t>
-                      </a:r>
-                      <a:endParaRPr lang="en-US" sz="3200" dirty="0" smtClean="0"/>
-                    </a:p>
-                  </a:txBody>
-                  <a:tcPr/>
-                </a:tc>
-              </a:tr>
-              <a:tr h="370840">
-                <a:tc>
-                  <a:txBody>
-                    <a:bodyPr/>
-                    <a:lstStyle/>
-                    <a:p>
-                      <a:r>
-                        <a:rPr lang="en-US" sz="3200" dirty="0" smtClean="0"/>
-                        <a:t>4.</a:t>
-                      </a:r>
-                      <a:r>
-                        <a:rPr lang="en-US" sz="3200" baseline="0" dirty="0" smtClean="0"/>
-                        <a:t> The Shape of the Data Determines the Shape of the Program.</a:t>
-                      </a:r>
-                      <a:endParaRPr lang="en-US" sz="3200" dirty="0"/>
-                    </a:p>
-                  </a:txBody>
-                  <a:tcPr/>
-                </a:tc>
-              </a:tr>
-              <a:tr h="370840">
-                <a:tc>
-                  <a:txBody>
-                    <a:bodyPr/>
-                    <a:lstStyle/>
-                    <a:p>
-                      <a:pPr marL="0" marR="0" indent="0" algn="l" defTabSz="914400" rtl="0" eaLnBrk="1" fontAlgn="auto" latinLnBrk="0" hangingPunct="1">
-                        <a:lnSpc>
-                          <a:spcPct val="100000"/>
-                        </a:lnSpc>
-                        <a:spcBef>
-                          <a:spcPts val="0"/>
-                        </a:spcBef>
-                        <a:spcAft>
-                          <a:spcPts val="0"/>
-                        </a:spcAft>
-                        <a:buClrTx/>
-                        <a:buSzTx/>
-                        <a:buFontTx/>
-                        <a:buNone/>
-                        <a:tabLst/>
-                        <a:defRPr/>
-                      </a:pPr>
-                      <a:r>
-                        <a:rPr lang="en-US" sz="3200" dirty="0" smtClean="0"/>
-                        <a:t>5. Practice</a:t>
-                      </a:r>
-                      <a:r>
-                        <a:rPr lang="en-US" sz="3200" baseline="0" dirty="0" smtClean="0"/>
-                        <a:t> makes perfect.</a:t>
-                      </a:r>
-                      <a:endParaRPr lang="en-US" sz="3200" dirty="0" smtClean="0"/>
-                    </a:p>
-                  </a:txBody>
-                  <a:tcPr/>
-                </a:tc>
-              </a:tr>
-            </a:tbl>
-          </a:graphicData>
-        </a:graphic>
-      </p:graphicFrame>
-      <p:sp>
-        <p:nvSpPr>
-          <p:cNvPr id="2" name="Slide Number Placeholder 1"/>
-          <p:cNvSpPr>
-            <a:spLocks noGrp="1"/>
-          </p:cNvSpPr>
-          <p:nvPr>
-            <p:ph type="sldNum" sz="quarter" idx="12"/>
-          </p:nvPr>
-        </p:nvSpPr>
-        <p:spPr/>
-        <p:txBody>
-          <a:bodyPr/>
-          <a:lstStyle/>
-          <a:p>
-            <a:fld id="{2AF3B5EA-18B6-4040-9F78-6052AF49C681}" type="slidenum">
-              <a:rPr lang="en-US" smtClean="0"/>
-              <a:t>10</a:t>
-            </a:fld>
-            <a:endParaRPr lang="en-US"/>
-          </a:p>
-        </p:txBody>
-      </p:sp>
-      <p:sp>
-        <p:nvSpPr>
-          <p:cNvPr id="3" name="TextBox 2"/>
-          <p:cNvSpPr txBox="1"/>
-          <p:nvPr/>
+      <p:sp>
+        <p:nvSpPr>
+          <p:cNvPr id="2" name="Title 1"/>
+          <p:cNvSpPr>
+            <a:spLocks noGrp="1"/>
+          </p:cNvSpPr>
+          <p:nvPr>
+            <p:ph type="title"/>
+          </p:nvPr>
         </p:nvSpPr>
         <p:spPr>
-          <a:xfrm>
-            <a:off x="3048000" y="5791200"/>
-            <a:ext cx="4419600" cy="838200"/>
-          </a:xfrm>
-          <a:prstGeom prst="rect">
-            <a:avLst/>
-          </a:prstGeom>
-          <a:solidFill>
-            <a:schemeClr val="accent3">
-              <a:lumMod val="40000"/>
-              <a:lumOff val="60000"/>
-            </a:schemeClr>
-          </a:solidFill>
           <a:ln/>
         </p:spPr>
         <p:style>
@@ -7568,36 +6808,103 @@
           </a:fontRef>
         </p:style>
         <p:txBody>
-          <a:bodyPr rot="0" spcFirstLastPara="0" vertOverflow="overflow" horzOverflow="overflow" vert="horz" wrap="square" lIns="91440" tIns="45720" rIns="91440" bIns="45720" numCol="1" spcCol="0" rtlCol="0" fromWordArt="0" anchor="ctr" anchorCtr="0" forceAA="0" compatLnSpc="1">
-            <a:prstTxWarp prst="textNoShape">
-              <a:avLst/>
-            </a:prstTxWarp>
-            <a:noAutofit/>
+          <a:bodyPr>
+            <a:normAutofit fontScale="90000"/>
           </a:bodyPr>
           <a:lstStyle/>
           <a:p>
             <a:r>
               <a:rPr lang="en-US" dirty="0" smtClean="0"/>
-              <a:t>Here are some slogans we had in Lesson </a:t>
-            </a:r>
+              <a:t>1. Programming is a People Discipline</a:t>
+            </a:r>
+            <a:endParaRPr lang="en-US" dirty="0"/>
+          </a:p>
+        </p:txBody>
+      </p:sp>
+      <p:sp>
+        <p:nvSpPr>
+          <p:cNvPr id="3" name="Content Placeholder 2"/>
+          <p:cNvSpPr>
+            <a:spLocks noGrp="1"/>
+          </p:cNvSpPr>
+          <p:nvPr>
+            <p:ph idx="1"/>
+          </p:nvPr>
+        </p:nvSpPr>
+        <p:spPr/>
+        <p:txBody>
+          <a:bodyPr>
+            <a:normAutofit lnSpcReduction="10000"/>
+          </a:bodyPr>
+          <a:lstStyle/>
+          <a:p>
             <a:r>
               <a:rPr lang="en-US" dirty="0" smtClean="0"/>
-              <a:t>0.1.  </a:t>
-            </a:r>
+              <a:t>You write programs so others can read them</a:t>
+            </a:r>
+          </a:p>
+          <a:p>
+            <a:pPr lvl="1"/>
             <a:r>
               <a:rPr lang="en-US" dirty="0" smtClean="0"/>
-              <a:t>See if they sound familiar now.</a:t>
+              <a:t>Bosses, customers, maintainers, etc.</a:t>
+            </a:r>
+          </a:p>
+          <a:p>
+            <a:pPr lvl="1"/>
+            <a:r>
+              <a:rPr lang="en-US" dirty="0" smtClean="0"/>
+              <a:t>This means an older version of you, too</a:t>
+            </a:r>
+          </a:p>
+          <a:p>
+            <a:r>
+              <a:rPr lang="en-US" dirty="0" smtClean="0"/>
+              <a:t>You work with others as you develop programs</a:t>
+            </a:r>
+          </a:p>
+          <a:p>
+            <a:pPr lvl="1"/>
+            <a:r>
+              <a:rPr lang="en-US" dirty="0" smtClean="0"/>
+              <a:t>The earlier you articulate your thinking, the earlier you can catch flaws</a:t>
+            </a:r>
+          </a:p>
+          <a:p>
+            <a:pPr lvl="1"/>
+            <a:r>
+              <a:rPr lang="en-US" dirty="0" smtClean="0"/>
+              <a:t>The earlier you catch flaws, the easier/cheaper they are to fix</a:t>
             </a:r>
             <a:endParaRPr lang="en-US" dirty="0"/>
           </a:p>
         </p:txBody>
       </p:sp>
+      <p:sp>
+        <p:nvSpPr>
+          <p:cNvPr id="4" name="Slide Number Placeholder 3"/>
+          <p:cNvSpPr>
+            <a:spLocks noGrp="1"/>
+          </p:cNvSpPr>
+          <p:nvPr>
+            <p:ph type="sldNum" sz="quarter" idx="12"/>
+          </p:nvPr>
+        </p:nvSpPr>
+        <p:spPr/>
+        <p:txBody>
+          <a:bodyPr/>
+          <a:lstStyle/>
+          <a:p>
+            <a:fld id="{B6F15528-21DE-4FAA-801E-634DDDAF4B2B}" type="slidenum">
+              <a:rPr lang="en-US" smtClean="0"/>
+              <a:pPr/>
+              <a:t>10</a:t>
+            </a:fld>
+            <a:endParaRPr lang="en-US"/>
+          </a:p>
+        </p:txBody>
+      </p:sp>
     </p:spTree>
-    <p:extLst>
-      <p:ext uri="{BB962C8B-B14F-4D97-AF65-F5344CB8AC3E}">
-        <p14:creationId xmlns:p14="http://schemas.microsoft.com/office/powerpoint/2010/main" val="219832417"/>
-      </p:ext>
-    </p:extLst>
   </p:cSld>
   <p:clrMapOvr>
     <a:masterClrMapping/>
@@ -7629,243 +6936,17 @@
           <a:chExt cx="0" cy="0"/>
         </a:xfrm>
       </p:grpSpPr>
-      <p:graphicFrame>
-        <p:nvGraphicFramePr>
-          <p:cNvPr id="4" name="Content Placeholder 3"/>
-          <p:cNvGraphicFramePr>
-            <a:graphicFrameLocks noGrp="1"/>
-          </p:cNvGraphicFramePr>
-          <p:nvPr>
-            <p:ph idx="1"/>
-            <p:extLst>
-              <p:ext uri="{D42A27DB-BD31-4B8C-83A1-F6EECF244321}">
-                <p14:modId xmlns:p14="http://schemas.microsoft.com/office/powerpoint/2010/main" val="3156360529"/>
-              </p:ext>
-            </p:extLst>
-          </p:nvPr>
-        </p:nvGraphicFramePr>
-        <p:xfrm>
-          <a:off x="457200" y="426720"/>
-          <a:ext cx="8229600" cy="6004560"/>
-        </p:xfrm>
-        <a:graphic>
-          <a:graphicData uri="http://schemas.openxmlformats.org/drawingml/2006/table">
-            <a:tbl>
-              <a:tblPr firstRow="1" bandRow="1">
-                <a:tableStyleId>{5C22544A-7EE6-4342-B048-85BDC9FD1C3A}</a:tableStyleId>
-              </a:tblPr>
-              <a:tblGrid>
-                <a:gridCol w="8229600"/>
-              </a:tblGrid>
-              <a:tr h="370840">
-                <a:tc>
-                  <a:txBody>
-                    <a:bodyPr/>
-                    <a:lstStyle/>
-                    <a:p>
-                      <a:pPr algn="ctr"/>
-                      <a:r>
-                        <a:rPr lang="en-US" sz="3200" dirty="0" smtClean="0"/>
-                        <a:t>Principles for writing beautiful programs</a:t>
-                      </a:r>
-                      <a:endParaRPr lang="en-US" sz="3200" dirty="0"/>
-                    </a:p>
-                  </a:txBody>
-                  <a:tcPr/>
-                </a:tc>
-              </a:tr>
-              <a:tr h="370840">
-                <a:tc>
-                  <a:txBody>
-                    <a:bodyPr/>
-                    <a:lstStyle/>
-                    <a:p>
-                      <a:r>
-                        <a:rPr lang="en-US" sz="3200" dirty="0" smtClean="0"/>
-                        <a:t>1. Always</a:t>
-                      </a:r>
-                      <a:r>
-                        <a:rPr lang="en-US" sz="3200" baseline="0" dirty="0" smtClean="0"/>
-                        <a:t> remember: </a:t>
-                      </a:r>
-                      <a:r>
-                        <a:rPr lang="en-US" sz="3200" dirty="0" smtClean="0"/>
-                        <a:t>Programming is a People Discipline</a:t>
-                      </a:r>
-                      <a:endParaRPr lang="en-US" sz="3200" dirty="0"/>
-                    </a:p>
-                  </a:txBody>
-                  <a:tcPr/>
-                </a:tc>
-              </a:tr>
-              <a:tr h="370840">
-                <a:tc>
-                  <a:txBody>
-                    <a:bodyPr/>
-                    <a:lstStyle/>
-                    <a:p>
-                      <a:r>
-                        <a:rPr lang="en-US" sz="3200" dirty="0" smtClean="0"/>
-                        <a:t>2. Represent Information as Data; Interpret Data as Information</a:t>
-                      </a:r>
-                      <a:endParaRPr lang="en-US" sz="3200" dirty="0"/>
-                    </a:p>
-                  </a:txBody>
-                  <a:tcPr/>
-                </a:tc>
-              </a:tr>
-              <a:tr h="370840">
-                <a:tc>
-                  <a:txBody>
-                    <a:bodyPr/>
-                    <a:lstStyle/>
-                    <a:p>
-                      <a:pPr marL="0" marR="0" indent="0" algn="l" defTabSz="914400" rtl="0" eaLnBrk="1" fontAlgn="auto" latinLnBrk="0" hangingPunct="1">
-                        <a:lnSpc>
-                          <a:spcPct val="100000"/>
-                        </a:lnSpc>
-                        <a:spcBef>
-                          <a:spcPts val="0"/>
-                        </a:spcBef>
-                        <a:spcAft>
-                          <a:spcPts val="0"/>
-                        </a:spcAft>
-                        <a:buClrTx/>
-                        <a:buSzTx/>
-                        <a:buFontTx/>
-                        <a:buNone/>
-                        <a:tabLst/>
-                        <a:defRPr/>
-                      </a:pPr>
-                      <a:r>
-                        <a:rPr lang="en-US" sz="3200" dirty="0" smtClean="0"/>
-                        <a:t>3.</a:t>
-                      </a:r>
-                      <a:r>
-                        <a:rPr lang="en-US" sz="3200" baseline="0" dirty="0" smtClean="0"/>
-                        <a:t> Programs should consist of functions and methods that consume and produce values</a:t>
-                      </a:r>
-                      <a:endParaRPr lang="en-US" sz="3200" dirty="0"/>
-                    </a:p>
-                  </a:txBody>
-                  <a:tcPr/>
-                </a:tc>
-              </a:tr>
-              <a:tr h="370840">
-                <a:tc>
-                  <a:txBody>
-                    <a:bodyPr/>
-                    <a:lstStyle/>
-                    <a:p>
-                      <a:r>
-                        <a:rPr lang="en-US" sz="3200" dirty="0" smtClean="0"/>
-                        <a:t>4. Design Functions</a:t>
-                      </a:r>
-                      <a:r>
-                        <a:rPr lang="en-US" sz="3200" baseline="0" dirty="0" smtClean="0"/>
-                        <a:t> Systematically</a:t>
-                      </a:r>
-                      <a:endParaRPr lang="en-US" sz="3200" dirty="0" smtClean="0"/>
-                    </a:p>
-                  </a:txBody>
-                  <a:tcPr/>
-                </a:tc>
-              </a:tr>
-              <a:tr h="370840">
-                <a:tc>
-                  <a:txBody>
-                    <a:bodyPr/>
-                    <a:lstStyle/>
-                    <a:p>
-                      <a:r>
-                        <a:rPr lang="en-US" sz="3200" dirty="0" smtClean="0"/>
-                        <a:t>5. Design Systems Iteratively</a:t>
-                      </a:r>
-                      <a:endParaRPr lang="en-US" sz="3200" dirty="0"/>
-                    </a:p>
-                  </a:txBody>
-                  <a:tcPr/>
-                </a:tc>
-              </a:tr>
-              <a:tr h="370840">
-                <a:tc>
-                  <a:txBody>
-                    <a:bodyPr/>
-                    <a:lstStyle/>
-                    <a:p>
-                      <a:r>
-                        <a:rPr lang="en-US" sz="3200" dirty="0" smtClean="0"/>
-                        <a:t>6. Pass values when you can, </a:t>
-                      </a:r>
-                      <a:r>
-                        <a:rPr lang="en-US" sz="3200" dirty="0" smtClean="0"/>
-                        <a:t>share</a:t>
-                      </a:r>
-                    </a:p>
-                    <a:p>
-                      <a:r>
-                        <a:rPr lang="en-US" sz="3200" dirty="0" smtClean="0"/>
-                        <a:t>state </a:t>
-                      </a:r>
-                      <a:r>
-                        <a:rPr lang="en-US" sz="3200" dirty="0" smtClean="0"/>
-                        <a:t>only when you must.</a:t>
-                      </a:r>
-                      <a:endParaRPr lang="en-US" sz="3200" dirty="0"/>
-                    </a:p>
-                  </a:txBody>
-                  <a:tcPr/>
-                </a:tc>
-              </a:tr>
-            </a:tbl>
-          </a:graphicData>
-        </a:graphic>
-      </p:graphicFrame>
-      <p:sp>
-        <p:nvSpPr>
-          <p:cNvPr id="2" name="Slide Number Placeholder 1"/>
-          <p:cNvSpPr>
-            <a:spLocks noGrp="1"/>
-          </p:cNvSpPr>
-          <p:nvPr>
-            <p:ph type="sldNum" sz="quarter" idx="12"/>
-          </p:nvPr>
-        </p:nvSpPr>
-        <p:spPr/>
-        <p:txBody>
-          <a:bodyPr/>
-          <a:lstStyle/>
-          <a:p>
-            <a:fld id="{2AF3B5EA-18B6-4040-9F78-6052AF49C681}" type="slidenum">
-              <a:rPr lang="en-US" smtClean="0"/>
-              <a:t>11</a:t>
-            </a:fld>
-            <a:endParaRPr lang="en-US"/>
-          </a:p>
-        </p:txBody>
-      </p:sp>
-      <p:sp>
-        <p:nvSpPr>
-          <p:cNvPr id="5" name="Rectangle 4"/>
-          <p:cNvSpPr/>
-          <p:nvPr/>
-        </p:nvSpPr>
-        <p:spPr>
-          <a:xfrm>
-            <a:off x="6781800" y="4574865"/>
-            <a:ext cx="2171700" cy="2133600"/>
-          </a:xfrm>
-          <a:prstGeom prst="rect">
-            <a:avLst/>
-          </a:prstGeom>
-          <a:solidFill>
-            <a:schemeClr val="accent3">
-              <a:lumMod val="40000"/>
-              <a:lumOff val="60000"/>
-            </a:schemeClr>
-          </a:solidFill>
-          <a:ln/>
-        </p:spPr>
+      <p:sp>
+        <p:nvSpPr>
+          <p:cNvPr id="2" name="Title 1"/>
+          <p:cNvSpPr>
+            <a:spLocks noGrp="1"/>
+          </p:cNvSpPr>
+          <p:nvPr>
+            <p:ph type="title"/>
+          </p:nvPr>
+        </p:nvSpPr>
+        <p:spPr/>
         <p:style>
           <a:lnRef idx="2">
             <a:schemeClr val="accent1"/>
@@ -7881,261 +6962,11 @@
           </a:fontRef>
         </p:style>
         <p:txBody>
-          <a:bodyPr rot="0" spcFirstLastPara="0" vertOverflow="overflow" horzOverflow="overflow" vert="horz" wrap="square" lIns="91440" tIns="45720" rIns="91440" bIns="45720" numCol="1" spcCol="0" rtlCol="0" fromWordArt="0" anchor="ctr" anchorCtr="0" forceAA="0" compatLnSpc="1">
-            <a:prstTxWarp prst="textNoShape">
-              <a:avLst/>
-            </a:prstTxWarp>
-            <a:noAutofit/>
-          </a:bodyPr>
-          <a:lstStyle/>
-          <a:p>
-            <a:r>
-              <a:rPr lang="en-US" dirty="0"/>
-              <a:t>Here are </a:t>
-            </a:r>
-            <a:r>
-              <a:rPr lang="en-US" dirty="0" smtClean="0"/>
-              <a:t>the six principles from Lesson </a:t>
-            </a:r>
-            <a:r>
-              <a:rPr lang="en-US" dirty="0" smtClean="0"/>
-              <a:t>0.1.  </a:t>
-            </a:r>
-            <a:r>
-              <a:rPr lang="en-US" dirty="0" smtClean="0"/>
-              <a:t>They </a:t>
-            </a:r>
-            <a:r>
-              <a:rPr lang="en-US" dirty="0"/>
-              <a:t>summarize what we hope you have learned from this course.</a:t>
-            </a:r>
-          </a:p>
-        </p:txBody>
-      </p:sp>
-    </p:spTree>
-    <p:extLst>
-      <p:ext uri="{BB962C8B-B14F-4D97-AF65-F5344CB8AC3E}">
-        <p14:creationId xmlns:p14="http://schemas.microsoft.com/office/powerpoint/2010/main" val="109477886"/>
-      </p:ext>
-    </p:extLst>
-  </p:cSld>
-  <p:clrMapOvr>
-    <a:masterClrMapping/>
-  </p:clrMapOvr>
-  <p:timing>
-    <p:tnLst>
-      <p:par>
-        <p:cTn id="1" dur="indefinite" restart="never" nodeType="tmRoot"/>
-      </p:par>
-    </p:tnLst>
-  </p:timing>
-</p:sld>
-</file>
-
-<file path=ppt/slides/slide12.xml><?xml version="1.0" encoding="utf-8"?>
-<p:sld xmlns:a="http://schemas.openxmlformats.org/drawingml/2006/main" xmlns:r="http://schemas.openxmlformats.org/officeDocument/2006/relationships" xmlns:p="http://schemas.openxmlformats.org/presentationml/2006/main">
-  <p:cSld>
-    <p:spTree>
-      <p:nvGrpSpPr>
-        <p:cNvPr id="1" name=""/>
-        <p:cNvGrpSpPr/>
-        <p:nvPr/>
-      </p:nvGrpSpPr>
-      <p:grpSpPr>
-        <a:xfrm>
-          <a:off x="0" y="0"/>
-          <a:ext cx="0" cy="0"/>
-          <a:chOff x="0" y="0"/>
-          <a:chExt cx="0" cy="0"/>
-        </a:xfrm>
-      </p:grpSpPr>
-      <p:sp>
-        <p:nvSpPr>
-          <p:cNvPr id="2" name="Title 1"/>
-          <p:cNvSpPr>
-            <a:spLocks noGrp="1"/>
-          </p:cNvSpPr>
-          <p:nvPr>
-            <p:ph type="title"/>
-          </p:nvPr>
-        </p:nvSpPr>
-        <p:spPr>
-          <a:ln/>
-        </p:spPr>
-        <p:style>
-          <a:lnRef idx="2">
-            <a:schemeClr val="accent1"/>
-          </a:lnRef>
-          <a:fillRef idx="1">
-            <a:schemeClr val="lt1"/>
-          </a:fillRef>
-          <a:effectRef idx="0">
-            <a:schemeClr val="accent1"/>
-          </a:effectRef>
-          <a:fontRef idx="minor">
-            <a:schemeClr val="dk1"/>
-          </a:fontRef>
-        </p:style>
-        <p:txBody>
           <a:bodyPr>
             <a:normAutofit fontScale="90000"/>
           </a:bodyPr>
           <a:lstStyle/>
           <a:p>
-            <a:r>
-              <a:rPr lang="en-US" dirty="0" smtClean="0"/>
-              <a:t>1. Programming is a People Discipline</a:t>
-            </a:r>
-            <a:endParaRPr lang="en-US" dirty="0"/>
-          </a:p>
-        </p:txBody>
-      </p:sp>
-      <p:sp>
-        <p:nvSpPr>
-          <p:cNvPr id="3" name="Content Placeholder 2"/>
-          <p:cNvSpPr>
-            <a:spLocks noGrp="1"/>
-          </p:cNvSpPr>
-          <p:nvPr>
-            <p:ph idx="1"/>
-          </p:nvPr>
-        </p:nvSpPr>
-        <p:spPr/>
-        <p:txBody>
-          <a:bodyPr>
-            <a:normAutofit lnSpcReduction="10000"/>
-          </a:bodyPr>
-          <a:lstStyle/>
-          <a:p>
-            <a:r>
-              <a:rPr lang="en-US" dirty="0" smtClean="0"/>
-              <a:t>You write programs so others can read them</a:t>
-            </a:r>
-          </a:p>
-          <a:p>
-            <a:pPr lvl="1"/>
-            <a:r>
-              <a:rPr lang="en-US" dirty="0" smtClean="0"/>
-              <a:t>Bosses, customers, maintainers, etc.</a:t>
-            </a:r>
-          </a:p>
-          <a:p>
-            <a:pPr lvl="1"/>
-            <a:r>
-              <a:rPr lang="en-US" dirty="0" smtClean="0"/>
-              <a:t>This means an older version of you, too</a:t>
-            </a:r>
-          </a:p>
-          <a:p>
-            <a:r>
-              <a:rPr lang="en-US" dirty="0" smtClean="0"/>
-              <a:t>You work with others as you develop programs</a:t>
-            </a:r>
-          </a:p>
-          <a:p>
-            <a:pPr lvl="1"/>
-            <a:r>
-              <a:rPr lang="en-US" dirty="0" smtClean="0"/>
-              <a:t>The earlier you articulate your thinking, the earlier you can catch flaws</a:t>
-            </a:r>
-          </a:p>
-          <a:p>
-            <a:pPr lvl="1"/>
-            <a:r>
-              <a:rPr lang="en-US" dirty="0" smtClean="0"/>
-              <a:t>The earlier you catch flaws, the easier/cheaper they are to fix</a:t>
-            </a:r>
-            <a:endParaRPr lang="en-US" dirty="0"/>
-          </a:p>
-        </p:txBody>
-      </p:sp>
-      <p:sp>
-        <p:nvSpPr>
-          <p:cNvPr id="4" name="Slide Number Placeholder 3"/>
-          <p:cNvSpPr>
-            <a:spLocks noGrp="1"/>
-          </p:cNvSpPr>
-          <p:nvPr>
-            <p:ph type="sldNum" sz="quarter" idx="12"/>
-          </p:nvPr>
-        </p:nvSpPr>
-        <p:spPr/>
-        <p:txBody>
-          <a:bodyPr/>
-          <a:lstStyle/>
-          <a:p>
-            <a:fld id="{B6F15528-21DE-4FAA-801E-634DDDAF4B2B}" type="slidenum">
-              <a:rPr lang="en-US" smtClean="0"/>
-              <a:pPr/>
-              <a:t>12</a:t>
-            </a:fld>
-            <a:endParaRPr lang="en-US"/>
-          </a:p>
-        </p:txBody>
-      </p:sp>
-    </p:spTree>
-  </p:cSld>
-  <p:clrMapOvr>
-    <a:masterClrMapping/>
-  </p:clrMapOvr>
-  <p:timing>
-    <p:tnLst>
-      <p:par>
-        <p:cTn id="1" dur="indefinite" restart="never" nodeType="tmRoot"/>
-      </p:par>
-    </p:tnLst>
-  </p:timing>
-</p:sld>
-</file>
-
-<file path=ppt/slides/slide13.xml><?xml version="1.0" encoding="utf-8"?>
-<p:sld xmlns:a="http://schemas.openxmlformats.org/drawingml/2006/main" xmlns:r="http://schemas.openxmlformats.org/officeDocument/2006/relationships" xmlns:p="http://schemas.openxmlformats.org/presentationml/2006/main">
-  <p:cSld>
-    <p:spTree>
-      <p:nvGrpSpPr>
-        <p:cNvPr id="1" name=""/>
-        <p:cNvGrpSpPr/>
-        <p:nvPr/>
-      </p:nvGrpSpPr>
-      <p:grpSpPr>
-        <a:xfrm>
-          <a:off x="0" y="0"/>
-          <a:ext cx="0" cy="0"/>
-          <a:chOff x="0" y="0"/>
-          <a:chExt cx="0" cy="0"/>
-        </a:xfrm>
-      </p:grpSpPr>
-      <p:sp>
-        <p:nvSpPr>
-          <p:cNvPr id="2" name="Title 1"/>
-          <p:cNvSpPr>
-            <a:spLocks noGrp="1"/>
-          </p:cNvSpPr>
-          <p:nvPr>
-            <p:ph type="title"/>
-          </p:nvPr>
-        </p:nvSpPr>
-        <p:spPr/>
-        <p:style>
-          <a:lnRef idx="2">
-            <a:schemeClr val="accent1"/>
-          </a:lnRef>
-          <a:fillRef idx="1">
-            <a:schemeClr val="lt1"/>
-          </a:fillRef>
-          <a:effectRef idx="0">
-            <a:schemeClr val="accent1"/>
-          </a:effectRef>
-          <a:fontRef idx="minor">
-            <a:schemeClr val="dk1"/>
-          </a:fontRef>
-        </p:style>
-        <p:txBody>
-          <a:bodyPr>
-            <a:normAutofit fontScale="90000"/>
-          </a:bodyPr>
-          <a:lstStyle/>
-          <a:p>
             <a:pPr marL="514350" indent="-514350"/>
             <a:r>
               <a:rPr lang="en-US" dirty="0" smtClean="0"/>
@@ -8162,7 +6993,7 @@
             <a:fld id="{AB376464-0CAE-48CA-94A1-62F8E9374B4C}" type="slidenum">
               <a:rPr lang="en-US" smtClean="0"/>
               <a:pPr/>
-              <a:t>13</a:t>
+              <a:t>11</a:t>
             </a:fld>
             <a:endParaRPr lang="en-US"/>
           </a:p>
@@ -8451,6 +7282,289 @@
 </p:sld>
 </file>
 
+<file path=ppt/slides/slide12.xml><?xml version="1.0" encoding="utf-8"?>
+<p:sld xmlns:a="http://schemas.openxmlformats.org/drawingml/2006/main" xmlns:r="http://schemas.openxmlformats.org/officeDocument/2006/relationships" xmlns:p="http://schemas.openxmlformats.org/presentationml/2006/main">
+  <p:cSld>
+    <p:spTree>
+      <p:nvGrpSpPr>
+        <p:cNvPr id="1" name=""/>
+        <p:cNvGrpSpPr/>
+        <p:nvPr/>
+      </p:nvGrpSpPr>
+      <p:grpSpPr>
+        <a:xfrm>
+          <a:off x="0" y="0"/>
+          <a:ext cx="0" cy="0"/>
+          <a:chOff x="0" y="0"/>
+          <a:chExt cx="0" cy="0"/>
+        </a:xfrm>
+      </p:grpSpPr>
+      <p:sp>
+        <p:nvSpPr>
+          <p:cNvPr id="2" name="Title 1"/>
+          <p:cNvSpPr>
+            <a:spLocks noGrp="1"/>
+          </p:cNvSpPr>
+          <p:nvPr>
+            <p:ph type="title"/>
+          </p:nvPr>
+        </p:nvSpPr>
+        <p:spPr/>
+        <p:style>
+          <a:lnRef idx="2">
+            <a:schemeClr val="accent1"/>
+          </a:lnRef>
+          <a:fillRef idx="1">
+            <a:schemeClr val="lt1"/>
+          </a:fillRef>
+          <a:effectRef idx="0">
+            <a:schemeClr val="accent1"/>
+          </a:effectRef>
+          <a:fontRef idx="minor">
+            <a:schemeClr val="dk1"/>
+          </a:fontRef>
+        </p:style>
+        <p:txBody>
+          <a:bodyPr>
+            <a:normAutofit fontScale="90000"/>
+          </a:bodyPr>
+          <a:lstStyle/>
+          <a:p>
+            <a:pPr marL="514350" indent="-514350"/>
+            <a:r>
+              <a:rPr lang="en-US" dirty="0" smtClean="0"/>
+              <a:t>3. Functions and Methods Should Consume and Produce Data</a:t>
+            </a:r>
+          </a:p>
+        </p:txBody>
+      </p:sp>
+      <p:sp>
+        <p:nvSpPr>
+          <p:cNvPr id="3" name="Content Placeholder 2"/>
+          <p:cNvSpPr>
+            <a:spLocks noGrp="1"/>
+          </p:cNvSpPr>
+          <p:nvPr>
+            <p:ph idx="1"/>
+          </p:nvPr>
+        </p:nvSpPr>
+        <p:spPr/>
+        <p:txBody>
+          <a:bodyPr/>
+          <a:lstStyle/>
+          <a:p>
+            <a:r>
+              <a:rPr lang="en-US" dirty="0" smtClean="0"/>
+              <a:t>Functional model makes it easy to create examples and test data</a:t>
+            </a:r>
+          </a:p>
+          <a:p>
+            <a:pPr lvl="1"/>
+            <a:r>
+              <a:rPr lang="en-US" dirty="0" smtClean="0"/>
+              <a:t>Easier to understand</a:t>
+            </a:r>
+          </a:p>
+          <a:p>
+            <a:pPr lvl="1"/>
+            <a:r>
+              <a:rPr lang="en-US" dirty="0" smtClean="0"/>
+              <a:t>Easier to </a:t>
+            </a:r>
+            <a:r>
+              <a:rPr lang="en-US" dirty="0" smtClean="0"/>
+              <a:t>test</a:t>
+            </a:r>
+            <a:endParaRPr lang="en-US" dirty="0" smtClean="0"/>
+          </a:p>
+        </p:txBody>
+      </p:sp>
+      <p:sp>
+        <p:nvSpPr>
+          <p:cNvPr id="4" name="Slide Number Placeholder 3"/>
+          <p:cNvSpPr>
+            <a:spLocks noGrp="1"/>
+          </p:cNvSpPr>
+          <p:nvPr>
+            <p:ph type="sldNum" sz="quarter" idx="12"/>
+          </p:nvPr>
+        </p:nvSpPr>
+        <p:spPr/>
+        <p:txBody>
+          <a:bodyPr/>
+          <a:lstStyle/>
+          <a:p>
+            <a:fld id="{B6F15528-21DE-4FAA-801E-634DDDAF4B2B}" type="slidenum">
+              <a:rPr lang="en-US" smtClean="0"/>
+              <a:pPr/>
+              <a:t>12</a:t>
+            </a:fld>
+            <a:endParaRPr lang="en-US"/>
+          </a:p>
+        </p:txBody>
+      </p:sp>
+    </p:spTree>
+  </p:cSld>
+  <p:clrMapOvr>
+    <a:masterClrMapping/>
+  </p:clrMapOvr>
+  <p:timing>
+    <p:tnLst>
+      <p:par>
+        <p:cTn id="1" dur="indefinite" restart="never" nodeType="tmRoot"/>
+      </p:par>
+    </p:tnLst>
+  </p:timing>
+</p:sld>
+</file>
+
+<file path=ppt/slides/slide13.xml><?xml version="1.0" encoding="utf-8"?>
+<p:sld xmlns:a="http://schemas.openxmlformats.org/drawingml/2006/main" xmlns:r="http://schemas.openxmlformats.org/officeDocument/2006/relationships" xmlns:p="http://schemas.openxmlformats.org/presentationml/2006/main">
+  <p:cSld>
+    <p:spTree>
+      <p:nvGrpSpPr>
+        <p:cNvPr id="1" name=""/>
+        <p:cNvGrpSpPr/>
+        <p:nvPr/>
+      </p:nvGrpSpPr>
+      <p:grpSpPr>
+        <a:xfrm>
+          <a:off x="0" y="0"/>
+          <a:ext cx="0" cy="0"/>
+          <a:chOff x="0" y="0"/>
+          <a:chExt cx="0" cy="0"/>
+        </a:xfrm>
+      </p:grpSpPr>
+      <p:sp>
+        <p:nvSpPr>
+          <p:cNvPr id="2" name="Title 1"/>
+          <p:cNvSpPr>
+            <a:spLocks noGrp="1"/>
+          </p:cNvSpPr>
+          <p:nvPr>
+            <p:ph type="title"/>
+          </p:nvPr>
+        </p:nvSpPr>
+        <p:spPr/>
+        <p:txBody>
+          <a:bodyPr>
+            <a:normAutofit fontScale="90000"/>
+          </a:bodyPr>
+          <a:lstStyle/>
+          <a:p>
+            <a:r>
+              <a:rPr lang="en-US" dirty="0" smtClean="0"/>
+              <a:t>Design one function/method per task</a:t>
+            </a:r>
+            <a:endParaRPr lang="en-US" dirty="0"/>
+          </a:p>
+        </p:txBody>
+      </p:sp>
+      <p:sp>
+        <p:nvSpPr>
+          <p:cNvPr id="3" name="Content Placeholder 2"/>
+          <p:cNvSpPr>
+            <a:spLocks noGrp="1"/>
+          </p:cNvSpPr>
+          <p:nvPr>
+            <p:ph idx="1"/>
+          </p:nvPr>
+        </p:nvSpPr>
+        <p:spPr/>
+        <p:txBody>
+          <a:bodyPr>
+            <a:normAutofit/>
+          </a:bodyPr>
+          <a:lstStyle/>
+          <a:p>
+            <a:r>
+              <a:rPr lang="en-US" dirty="0" smtClean="0"/>
+              <a:t>Small is good.  Period.</a:t>
+            </a:r>
+          </a:p>
+          <a:p>
+            <a:r>
+              <a:rPr lang="en-US" dirty="0" smtClean="0"/>
+              <a:t>Big is bad.  Period.</a:t>
+            </a:r>
+          </a:p>
+          <a:p>
+            <a:pPr lvl="1"/>
+            <a:r>
+              <a:rPr lang="en-US" dirty="0" smtClean="0"/>
+              <a:t>If you have complicated junk in your function, you must have put it there for a reason.  Turn it into a separate function so you can test it</a:t>
+            </a:r>
+            <a:r>
+              <a:rPr lang="en-US" dirty="0" smtClean="0"/>
+              <a:t>.</a:t>
+            </a:r>
+          </a:p>
+          <a:p>
+            <a:pPr lvl="1"/>
+            <a:r>
+              <a:rPr lang="en-US" dirty="0">
+                <a:cs typeface="Consolas" panose="020B0609020204030204" pitchFamily="49" charset="0"/>
+              </a:rPr>
+              <a:t>Find a good name for your help function (</a:t>
+            </a:r>
+            <a:r>
+              <a:rPr lang="en-US" b="1" dirty="0">
+                <a:cs typeface="Consolas" panose="020B0609020204030204" pitchFamily="49" charset="0"/>
+              </a:rPr>
+              <a:t>after-tick-helper</a:t>
+            </a:r>
+            <a:r>
+              <a:rPr lang="en-US" dirty="0">
+                <a:cs typeface="Consolas" panose="020B0609020204030204" pitchFamily="49" charset="0"/>
+              </a:rPr>
+              <a:t> doesn’t qualify!) If you can’t think of a good name for your help function, then you are probably doing it wrong.</a:t>
+            </a:r>
+          </a:p>
+          <a:p>
+            <a:pPr lvl="1"/>
+            <a:endParaRPr lang="en-US" dirty="0" smtClean="0"/>
+          </a:p>
+        </p:txBody>
+      </p:sp>
+      <p:sp>
+        <p:nvSpPr>
+          <p:cNvPr id="4" name="Slide Number Placeholder 3"/>
+          <p:cNvSpPr>
+            <a:spLocks noGrp="1"/>
+          </p:cNvSpPr>
+          <p:nvPr>
+            <p:ph type="sldNum" sz="quarter" idx="12"/>
+          </p:nvPr>
+        </p:nvSpPr>
+        <p:spPr/>
+        <p:txBody>
+          <a:bodyPr/>
+          <a:lstStyle/>
+          <a:p>
+            <a:fld id="{B6F15528-21DE-4FAA-801E-634DDDAF4B2B}" type="slidenum">
+              <a:rPr lang="en-US" smtClean="0"/>
+              <a:pPr/>
+              <a:t>13</a:t>
+            </a:fld>
+            <a:endParaRPr lang="en-US"/>
+          </a:p>
+        </p:txBody>
+      </p:sp>
+    </p:spTree>
+  </p:cSld>
+  <p:clrMapOvr>
+    <a:masterClrMapping/>
+  </p:clrMapOvr>
+  <p:timing>
+    <p:tnLst>
+      <p:par>
+        <p:cTn id="1" dur="indefinite" restart="never" nodeType="tmRoot"/>
+      </p:par>
+    </p:tnLst>
+  </p:timing>
+</p:sld>
+</file>
+
 <file path=ppt/slides/slide14.xml><?xml version="1.0" encoding="utf-8"?>
 <p:sld xmlns:a="http://schemas.openxmlformats.org/drawingml/2006/main" xmlns:r="http://schemas.openxmlformats.org/officeDocument/2006/relationships" xmlns:p="http://schemas.openxmlformats.org/presentationml/2006/main">
   <p:cSld>
@@ -8487,7 +7601,7 @@
           <a:p>
             <a:r>
               <a:rPr lang="en-US" dirty="0" smtClean="0"/>
-              <a:t>Information Analysis and Data Design</a:t>
+              <a:t>Good function names and purpose statements help the reader</a:t>
             </a:r>
             <a:endParaRPr lang="en-US" dirty="0"/>
           </a:p>
@@ -8505,66 +7619,46 @@
         </p:nvSpPr>
         <p:spPr/>
         <p:txBody>
-          <a:bodyPr/>
+          <a:bodyPr>
+            <a:normAutofit fontScale="92500" lnSpcReduction="20000"/>
+          </a:bodyPr>
           <a:lstStyle/>
           <a:p>
             <a:r>
               <a:rPr lang="en-US" dirty="0" smtClean="0"/>
-              <a:t>Information is what lives in the real world</a:t>
+              <a:t>Imagine the reader is looking at some code that calls your function.</a:t>
             </a:r>
           </a:p>
           <a:p>
             <a:r>
               <a:rPr lang="en-US" dirty="0" smtClean="0"/>
-              <a:t>Need to decide </a:t>
-            </a:r>
-            <a:r>
-              <a:rPr lang="en-US" i="1" dirty="0" smtClean="0">
-                <a:solidFill>
-                  <a:srgbClr val="FF0000"/>
-                </a:solidFill>
-              </a:rPr>
-              <a:t>what part </a:t>
-            </a:r>
+              <a:t>The reader should be able to make a good guess about your function produces just from its name.</a:t>
+            </a:r>
+          </a:p>
+          <a:p>
             <a:r>
               <a:rPr lang="en-US" dirty="0" smtClean="0"/>
-              <a:t>of that information needs to be represented as data.</a:t>
+              <a:t>If he/she needs more information, he can read your contract, purpose statement, invariants, etc.</a:t>
             </a:r>
           </a:p>
           <a:p>
             <a:r>
               <a:rPr lang="en-US" dirty="0" smtClean="0"/>
-              <a:t>Need to decide </a:t>
-            </a:r>
-            <a:r>
-              <a:rPr lang="en-US" i="1" dirty="0" smtClean="0">
-                <a:solidFill>
-                  <a:srgbClr val="FF0000"/>
-                </a:solidFill>
-              </a:rPr>
-              <a:t>how</a:t>
-            </a:r>
+              <a:t>If your purpose statement is good, the reader should never have to look at your function definition.</a:t>
+            </a:r>
+          </a:p>
+          <a:p>
             <a:r>
               <a:rPr lang="en-US" dirty="0" smtClean="0"/>
-              <a:t> that information will be represented as data</a:t>
-            </a:r>
-          </a:p>
-          <a:p>
+              <a:t>The only thing that matters is the value your function returns, </a:t>
+            </a:r>
+            <a:r>
+              <a:rPr lang="en-US" i="1" dirty="0" smtClean="0"/>
+              <a:t>not</a:t>
+            </a:r>
             <a:r>
               <a:rPr lang="en-US" dirty="0" smtClean="0"/>
-              <a:t>Need to document how to </a:t>
-            </a:r>
-            <a:r>
-              <a:rPr lang="en-US" i="1" dirty="0" smtClean="0">
-                <a:solidFill>
-                  <a:srgbClr val="FF0000"/>
-                </a:solidFill>
-              </a:rPr>
-              <a:t>interpret</a:t>
-            </a:r>
-            <a:r>
-              <a:rPr lang="en-US" dirty="0" smtClean="0"/>
-              <a:t> the data as information</a:t>
+              <a:t> how it finds that value.</a:t>
             </a:r>
             <a:endParaRPr lang="en-US" dirty="0"/>
           </a:p>
@@ -8585,7 +7679,7 @@
           <a:bodyPr/>
           <a:lstStyle/>
           <a:p>
-            <a:fld id="{AB376464-0CAE-48CA-94A1-62F8E9374B4C}" type="slidenum">
+            <a:fld id="{B6F15528-21DE-4FAA-801E-634DDDAF4B2B}" type="slidenum">
               <a:rPr lang="en-US" smtClean="0"/>
               <a:pPr/>
               <a:t>14</a:t>
@@ -8594,64 +7688,12 @@
           </a:p>
         </p:txBody>
       </p:sp>
-      <p:sp>
-        <p:nvSpPr>
-          <p:cNvPr id="5" name="Rectangle 4"/>
-          <p:cNvSpPr/>
-          <p:nvPr/>
-        </p:nvSpPr>
-        <p:spPr>
-          <a:xfrm>
-            <a:off x="4648200" y="5105400"/>
-            <a:ext cx="3581400" cy="1447800"/>
-          </a:xfrm>
-          <a:prstGeom prst="rect">
-            <a:avLst/>
-          </a:prstGeom>
-          <a:solidFill>
-            <a:schemeClr val="accent3">
-              <a:lumMod val="40000"/>
-              <a:lumOff val="60000"/>
-            </a:schemeClr>
-          </a:solidFill>
-          <a:ln/>
-        </p:spPr>
-        <p:style>
-          <a:lnRef idx="2">
-            <a:schemeClr val="accent1"/>
-          </a:lnRef>
-          <a:fillRef idx="1">
-            <a:schemeClr val="lt1"/>
-          </a:fillRef>
-          <a:effectRef idx="0">
-            <a:schemeClr val="accent1"/>
-          </a:effectRef>
-          <a:fontRef idx="minor">
-            <a:schemeClr val="dk1"/>
-          </a:fontRef>
-        </p:style>
-        <p:txBody>
-          <a:bodyPr rot="0" spcFirstLastPara="0" vertOverflow="overflow" horzOverflow="overflow" vert="horz" wrap="square" lIns="91440" tIns="45720" rIns="91440" bIns="45720" numCol="1" spcCol="0" rtlCol="0" fromWordArt="0" anchor="ctr" anchorCtr="0" forceAA="0" compatLnSpc="1">
-            <a:prstTxWarp prst="textNoShape">
-              <a:avLst/>
-            </a:prstTxWarp>
-            <a:noAutofit/>
-          </a:bodyPr>
-          <a:lstStyle/>
-          <a:p>
-            <a:r>
-              <a:rPr lang="en-US" dirty="0"/>
-              <a:t>Here is our summary slide about step 1 of the design recipe, “Information Analysis and Data Design”.  </a:t>
-            </a:r>
-            <a:r>
-              <a:rPr lang="en-US" dirty="0" smtClean="0"/>
-              <a:t>You've seen this slide several times already.</a:t>
-            </a:r>
-            <a:endParaRPr lang="en-US" dirty="0"/>
-          </a:p>
-        </p:txBody>
-      </p:sp>
     </p:spTree>
+    <p:extLst>
+      <p:ext uri="{BB962C8B-B14F-4D97-AF65-F5344CB8AC3E}">
+        <p14:creationId xmlns:p14="http://schemas.microsoft.com/office/powerpoint/2010/main" val="3023175607"/>
+      </p:ext>
+    </p:extLst>
   </p:cSld>
   <p:clrMapOvr>
     <a:masterClrMapping/>
@@ -8694,85 +7736,80 @@
           </p:nvPr>
         </p:nvSpPr>
         <p:spPr/>
+        <p:style>
+          <a:lnRef idx="2">
+            <a:schemeClr val="accent1"/>
+          </a:lnRef>
+          <a:fillRef idx="1">
+            <a:schemeClr val="lt1"/>
+          </a:fillRef>
+          <a:effectRef idx="0">
+            <a:schemeClr val="accent1"/>
+          </a:effectRef>
+          <a:fontRef idx="minor">
+            <a:schemeClr val="dk1"/>
+          </a:fontRef>
+        </p:style>
+        <p:txBody>
+          <a:bodyPr/>
+          <a:lstStyle/>
+          <a:p>
+            <a:r>
+              <a:rPr lang="en-US" dirty="0" smtClean="0"/>
+              <a:t>4. Design functions systematically</a:t>
+            </a:r>
+            <a:endParaRPr lang="en-US" dirty="0"/>
+          </a:p>
+        </p:txBody>
+      </p:sp>
+      <p:sp>
+        <p:nvSpPr>
+          <p:cNvPr id="3" name="Content Placeholder 2"/>
+          <p:cNvSpPr>
+            <a:spLocks noGrp="1"/>
+          </p:cNvSpPr>
+          <p:nvPr>
+            <p:ph idx="1"/>
+          </p:nvPr>
+        </p:nvSpPr>
+        <p:spPr/>
         <p:txBody>
           <a:bodyPr>
-            <a:normAutofit fontScale="90000"/>
+            <a:normAutofit/>
           </a:bodyPr>
           <a:lstStyle/>
           <a:p>
             <a:r>
               <a:rPr lang="en-US" dirty="0" smtClean="0"/>
-              <a:t>Make your data mirror the information it represents</a:t>
-            </a:r>
-            <a:endParaRPr lang="en-US" dirty="0"/>
-          </a:p>
-        </p:txBody>
-      </p:sp>
-      <p:sp>
-        <p:nvSpPr>
-          <p:cNvPr id="3" name="Content Placeholder 2"/>
-          <p:cNvSpPr>
-            <a:spLocks noGrp="1"/>
-          </p:cNvSpPr>
-          <p:nvPr>
-            <p:ph idx="1"/>
-          </p:nvPr>
-        </p:nvSpPr>
-        <p:spPr/>
-        <p:txBody>
-          <a:bodyPr>
-            <a:normAutofit fontScale="92500"/>
-          </a:bodyPr>
-          <a:lstStyle/>
-          <a:p>
+              <a:t>Structure </a:t>
+            </a:r>
             <a:r>
               <a:rPr lang="en-US" dirty="0" smtClean="0"/>
-              <a:t>Understand the information in problem area</a:t>
-            </a:r>
-          </a:p>
-          <a:p>
+              <a:t>of data tells you the structure of the program</a:t>
+            </a:r>
+          </a:p>
+          <a:p>
+            <a:pPr lvl="1"/>
             <a:r>
               <a:rPr lang="en-US" dirty="0" smtClean="0"/>
-              <a:t>Make the structure of your data mirror the structure of the information it represents</a:t>
+              <a:t>Or at least gives you good hints!</a:t>
             </a:r>
           </a:p>
           <a:p>
             <a:pPr lvl="1"/>
             <a:r>
               <a:rPr lang="en-US" dirty="0" smtClean="0"/>
-              <a:t>NOT strings or arrays:  think harder!</a:t>
-            </a:r>
-          </a:p>
-          <a:p>
-            <a:r>
-              <a:rPr lang="en-US" dirty="0" smtClean="0"/>
-              <a:t>No junk: every combination of values should be meaningful</a:t>
-            </a:r>
-          </a:p>
-          <a:p>
-            <a:pPr lvl="1"/>
-            <a:r>
-              <a:rPr lang="en-US" dirty="0" smtClean="0"/>
-              <a:t>if not, document the permissible combinations with an invariant.</a:t>
-            </a:r>
-          </a:p>
-          <a:p>
-            <a:r>
-              <a:rPr lang="en-US" dirty="0" smtClean="0"/>
-              <a:t>Always document the interpretation of your data</a:t>
-            </a:r>
-          </a:p>
-          <a:p>
-            <a:pPr>
-              <a:buNone/>
-            </a:pPr>
-            <a:endParaRPr lang="en-US" dirty="0"/>
-          </a:p>
-        </p:txBody>
-      </p:sp>
-      <p:sp>
-        <p:nvSpPr>
-          <p:cNvPr id="5" name="Slide Number Placeholder 4"/>
+              <a:t>The organization of your data definitions leads you to the organization of your program.</a:t>
+            </a:r>
+          </a:p>
+          <a:p>
+            <a:endParaRPr lang="en-US" dirty="0" smtClean="0"/>
+          </a:p>
+        </p:txBody>
+      </p:sp>
+      <p:sp>
+        <p:nvSpPr>
+          <p:cNvPr id="4" name="Slide Number Placeholder 3"/>
           <p:cNvSpPr>
             <a:spLocks noGrp="1"/>
           </p:cNvSpPr>
@@ -8828,7 +7865,7 @@
       </p:grpSpPr>
       <p:sp>
         <p:nvSpPr>
-          <p:cNvPr id="2" name="Title 1"/>
+          <p:cNvPr id="5" name="Title 4"/>
           <p:cNvSpPr>
             <a:spLocks noGrp="1"/>
           </p:cNvSpPr>
@@ -8836,162 +7873,24 @@
             <p:ph type="title"/>
           </p:nvPr>
         </p:nvSpPr>
-        <p:spPr>
-          <a:xfrm>
-            <a:off x="457200" y="274638"/>
-            <a:ext cx="6324600" cy="1143000"/>
-          </a:xfrm>
-        </p:spPr>
+        <p:spPr/>
         <p:txBody>
           <a:bodyPr>
-            <a:normAutofit/>
+            <a:normAutofit fontScale="90000"/>
           </a:bodyPr>
           <a:lstStyle/>
           <a:p>
             <a:r>
               <a:rPr lang="en-US" dirty="0" smtClean="0"/>
-              <a:t>Reviewing a Data Design</a:t>
+              <a:t>The Structure of the Program Follows the Structure of the Data</a:t>
             </a:r>
             <a:endParaRPr lang="en-US" dirty="0"/>
           </a:p>
         </p:txBody>
       </p:sp>
-      <p:graphicFrame>
-        <p:nvGraphicFramePr>
-          <p:cNvPr id="4" name="Content Placeholder 3"/>
-          <p:cNvGraphicFramePr>
-            <a:graphicFrameLocks noGrp="1"/>
-          </p:cNvGraphicFramePr>
-          <p:nvPr>
-            <p:ph idx="1"/>
-            <p:extLst/>
-          </p:nvPr>
-        </p:nvGraphicFramePr>
-        <p:xfrm>
-          <a:off x="457200" y="1600200"/>
-          <a:ext cx="8229600" cy="4846320"/>
-        </p:xfrm>
-        <a:graphic>
-          <a:graphicData uri="http://schemas.openxmlformats.org/drawingml/2006/table">
-            <a:tbl>
-              <a:tblPr firstRow="1" bandRow="1">
-                <a:tableStyleId>{5C22544A-7EE6-4342-B048-85BDC9FD1C3A}</a:tableStyleId>
-              </a:tblPr>
-              <a:tblGrid>
-                <a:gridCol w="8229600"/>
-              </a:tblGrid>
-              <a:tr h="370840">
-                <a:tc>
-                  <a:txBody>
-                    <a:bodyPr/>
-                    <a:lstStyle/>
-                    <a:p>
-                      <a:pPr algn="ctr"/>
-                      <a:r>
-                        <a:rPr lang="en-US" sz="3200" dirty="0" smtClean="0"/>
-                        <a:t>Reviewing a Data Design</a:t>
-                      </a:r>
-                      <a:endParaRPr lang="en-US" sz="3200" dirty="0"/>
-                    </a:p>
-                  </a:txBody>
-                  <a:tcPr/>
-                </a:tc>
-              </a:tr>
-              <a:tr h="370840">
-                <a:tc>
-                  <a:txBody>
-                    <a:bodyPr/>
-                    <a:lstStyle/>
-                    <a:p>
-                      <a:r>
-                        <a:rPr lang="en-US" sz="3200" dirty="0" smtClean="0"/>
-                        <a:t>1. Is the interpretation clear and unambiguous?</a:t>
-                      </a:r>
-                      <a:endParaRPr lang="en-US" sz="3200" dirty="0"/>
-                    </a:p>
-                  </a:txBody>
-                  <a:tcPr/>
-                </a:tc>
-              </a:tr>
-              <a:tr h="370840">
-                <a:tc>
-                  <a:txBody>
-                    <a:bodyPr/>
-                    <a:lstStyle/>
-                    <a:p>
-                      <a:r>
-                        <a:rPr lang="en-US" sz="3200" dirty="0" smtClean="0"/>
-                        <a:t>2. Can you represent all the information you need for your program?</a:t>
-                      </a:r>
-                      <a:endParaRPr lang="en-US" sz="3200" dirty="0"/>
-                    </a:p>
-                  </a:txBody>
-                  <a:tcPr/>
-                </a:tc>
-              </a:tr>
-              <a:tr h="370840">
-                <a:tc>
-                  <a:txBody>
-                    <a:bodyPr/>
-                    <a:lstStyle/>
-                    <a:p>
-                      <a:r>
-                        <a:rPr lang="en-US" sz="3200" dirty="0" smtClean="0"/>
-                        <a:t>3. Do</a:t>
-                      </a:r>
-                      <a:r>
-                        <a:rPr lang="en-US" sz="3200" baseline="0" dirty="0" smtClean="0"/>
-                        <a:t> you </a:t>
-                      </a:r>
-                      <a:r>
-                        <a:rPr lang="en-US" sz="3200" i="1" baseline="0" dirty="0" smtClean="0"/>
-                        <a:t>need</a:t>
-                      </a:r>
-                      <a:r>
-                        <a:rPr lang="en-US" sz="3200" baseline="0" dirty="0" smtClean="0"/>
-                        <a:t> all of the data in your representation?</a:t>
-                      </a:r>
-                      <a:endParaRPr lang="en-US" sz="3200" dirty="0"/>
-                    </a:p>
-                  </a:txBody>
-                  <a:tcPr/>
-                </a:tc>
-              </a:tr>
-              <a:tr h="370840">
-                <a:tc>
-                  <a:txBody>
-                    <a:bodyPr/>
-                    <a:lstStyle/>
-                    <a:p>
-                      <a:r>
-                        <a:rPr lang="en-US" sz="3200" dirty="0" smtClean="0"/>
-                        <a:t>4</a:t>
-                      </a:r>
-                      <a:r>
-                        <a:rPr lang="en-US" sz="3200" smtClean="0"/>
-                        <a:t>.</a:t>
-                      </a:r>
-                      <a:r>
-                        <a:rPr lang="en-US" sz="3200" baseline="0" smtClean="0"/>
-                        <a:t> </a:t>
-                      </a:r>
-                      <a:r>
-                        <a:rPr lang="en-US" sz="3200" baseline="0" dirty="0" smtClean="0"/>
-                        <a:t>Does every combination of values make sense? If not, document the meaningful combinations with a WHERE clause.</a:t>
-                      </a:r>
-                      <a:endParaRPr lang="en-US" sz="3200" dirty="0"/>
-                    </a:p>
-                  </a:txBody>
-                  <a:tcPr/>
-                </a:tc>
-              </a:tr>
-            </a:tbl>
-          </a:graphicData>
-        </a:graphic>
-      </p:graphicFrame>
-      <p:sp>
-        <p:nvSpPr>
-          <p:cNvPr id="3" name="Slide Number Placeholder 2"/>
+      <p:sp>
+        <p:nvSpPr>
+          <p:cNvPr id="4" name="Slide Number Placeholder 3"/>
           <p:cNvSpPr>
             <a:spLocks noGrp="1"/>
           </p:cNvSpPr>
@@ -9007,893 +7906,6 @@
             <a:fld id="{2AF3B5EA-18B6-4040-9F78-6052AF49C681}" type="slidenum">
               <a:rPr lang="en-US" smtClean="0"/>
               <a:t>16</a:t>
-            </a:fld>
-            <a:endParaRPr lang="en-US"/>
-          </a:p>
-        </p:txBody>
-      </p:sp>
-      <p:sp>
-        <p:nvSpPr>
-          <p:cNvPr id="5" name="TextBox 4"/>
-          <p:cNvSpPr txBox="1"/>
-          <p:nvPr/>
-        </p:nvSpPr>
-        <p:spPr>
-          <a:xfrm>
-            <a:off x="6781800" y="274638"/>
-            <a:ext cx="1905000" cy="1249362"/>
-          </a:xfrm>
-          <a:prstGeom prst="rect">
-            <a:avLst/>
-          </a:prstGeom>
-          <a:solidFill>
-            <a:schemeClr val="accent3">
-              <a:lumMod val="40000"/>
-              <a:lumOff val="60000"/>
-            </a:schemeClr>
-          </a:solidFill>
-          <a:ln/>
-        </p:spPr>
-        <p:style>
-          <a:lnRef idx="2">
-            <a:schemeClr val="accent1"/>
-          </a:lnRef>
-          <a:fillRef idx="1">
-            <a:schemeClr val="lt1"/>
-          </a:fillRef>
-          <a:effectRef idx="0">
-            <a:schemeClr val="accent1"/>
-          </a:effectRef>
-          <a:fontRef idx="minor">
-            <a:schemeClr val="dk1"/>
-          </a:fontRef>
-        </p:style>
-        <p:txBody>
-          <a:bodyPr rot="0" spcFirstLastPara="0" vertOverflow="overflow" horzOverflow="overflow" vert="horz" wrap="square" lIns="91440" tIns="45720" rIns="91440" bIns="45720" numCol="1" spcCol="0" rtlCol="0" fromWordArt="0" anchor="t" anchorCtr="0" forceAA="0" compatLnSpc="1">
-            <a:prstTxWarp prst="textNoShape">
-              <a:avLst/>
-            </a:prstTxWarp>
-            <a:noAutofit/>
-          </a:bodyPr>
-          <a:lstStyle/>
-          <a:p>
-            <a:r>
-              <a:rPr lang="en-US" dirty="0" smtClean="0"/>
-              <a:t>Here are the questions to ask about your data design.</a:t>
-            </a:r>
-          </a:p>
-        </p:txBody>
-      </p:sp>
-    </p:spTree>
-    <p:extLst>
-      <p:ext uri="{BB962C8B-B14F-4D97-AF65-F5344CB8AC3E}">
-        <p14:creationId xmlns:p14="http://schemas.microsoft.com/office/powerpoint/2010/main" val="3608567689"/>
-      </p:ext>
-    </p:extLst>
-  </p:cSld>
-  <p:clrMapOvr>
-    <a:masterClrMapping/>
-  </p:clrMapOvr>
-  <p:timing>
-    <p:tnLst>
-      <p:par>
-        <p:cTn id="1" dur="indefinite" restart="never" nodeType="tmRoot"/>
-      </p:par>
-    </p:tnLst>
-  </p:timing>
-</p:sld>
-</file>
-
-<file path=ppt/slides/slide17.xml><?xml version="1.0" encoding="utf-8"?>
-<p:sld xmlns:a="http://schemas.openxmlformats.org/drawingml/2006/main" xmlns:r="http://schemas.openxmlformats.org/officeDocument/2006/relationships" xmlns:p="http://schemas.openxmlformats.org/presentationml/2006/main">
-  <p:cSld>
-    <p:spTree>
-      <p:nvGrpSpPr>
-        <p:cNvPr id="1" name=""/>
-        <p:cNvGrpSpPr/>
-        <p:nvPr/>
-      </p:nvGrpSpPr>
-      <p:grpSpPr>
-        <a:xfrm>
-          <a:off x="0" y="0"/>
-          <a:ext cx="0" cy="0"/>
-          <a:chOff x="0" y="0"/>
-          <a:chExt cx="0" cy="0"/>
-        </a:xfrm>
-      </p:grpSpPr>
-      <p:sp>
-        <p:nvSpPr>
-          <p:cNvPr id="2" name="Title 1"/>
-          <p:cNvSpPr>
-            <a:spLocks noGrp="1"/>
-          </p:cNvSpPr>
-          <p:nvPr>
-            <p:ph type="title"/>
-          </p:nvPr>
-        </p:nvSpPr>
-        <p:spPr/>
-        <p:style>
-          <a:lnRef idx="2">
-            <a:schemeClr val="accent1"/>
-          </a:lnRef>
-          <a:fillRef idx="1">
-            <a:schemeClr val="lt1"/>
-          </a:fillRef>
-          <a:effectRef idx="0">
-            <a:schemeClr val="accent1"/>
-          </a:effectRef>
-          <a:fontRef idx="minor">
-            <a:schemeClr val="dk1"/>
-          </a:fontRef>
-        </p:style>
-        <p:txBody>
-          <a:bodyPr>
-            <a:normAutofit fontScale="90000"/>
-          </a:bodyPr>
-          <a:lstStyle/>
-          <a:p>
-            <a:pPr marL="514350" indent="-514350"/>
-            <a:r>
-              <a:rPr lang="en-US" dirty="0" smtClean="0"/>
-              <a:t>3. Functions and Methods Should Consume and Produce Data</a:t>
-            </a:r>
-          </a:p>
-        </p:txBody>
-      </p:sp>
-      <p:sp>
-        <p:nvSpPr>
-          <p:cNvPr id="3" name="Content Placeholder 2"/>
-          <p:cNvSpPr>
-            <a:spLocks noGrp="1"/>
-          </p:cNvSpPr>
-          <p:nvPr>
-            <p:ph idx="1"/>
-          </p:nvPr>
-        </p:nvSpPr>
-        <p:spPr/>
-        <p:txBody>
-          <a:bodyPr/>
-          <a:lstStyle/>
-          <a:p>
-            <a:r>
-              <a:rPr lang="en-US" dirty="0" smtClean="0"/>
-              <a:t>Functional model makes it easy to create examples and test data</a:t>
-            </a:r>
-          </a:p>
-          <a:p>
-            <a:pPr lvl="1"/>
-            <a:r>
-              <a:rPr lang="en-US" dirty="0" smtClean="0"/>
-              <a:t>Easier to understand</a:t>
-            </a:r>
-          </a:p>
-          <a:p>
-            <a:pPr lvl="1"/>
-            <a:r>
-              <a:rPr lang="en-US" dirty="0" smtClean="0"/>
-              <a:t>Easier to test</a:t>
-            </a:r>
-          </a:p>
-          <a:p>
-            <a:r>
-              <a:rPr lang="en-US" dirty="0" smtClean="0"/>
-              <a:t>Functions and Methods shouldn’t print</a:t>
-            </a:r>
-          </a:p>
-          <a:p>
-            <a:pPr lvl="1"/>
-            <a:r>
-              <a:rPr lang="en-US" dirty="0" smtClean="0"/>
-              <a:t>Unless that’s their real purpose, </a:t>
-            </a:r>
-            <a:r>
-              <a:rPr lang="en-US" dirty="0" err="1" smtClean="0"/>
-              <a:t>eg</a:t>
-            </a:r>
-            <a:r>
-              <a:rPr lang="en-US" dirty="0" smtClean="0"/>
-              <a:t>: tests(!)</a:t>
-            </a:r>
-          </a:p>
-          <a:p>
-            <a:r>
-              <a:rPr lang="en-US" dirty="0" smtClean="0"/>
-              <a:t>Avoid </a:t>
-            </a:r>
-            <a:r>
-              <a:rPr lang="en-US" b="1" dirty="0" smtClean="0"/>
-              <a:t>void</a:t>
-            </a:r>
-            <a:r>
-              <a:rPr lang="en-US" dirty="0" smtClean="0"/>
-              <a:t>.  Use state only when absolutely necessary.</a:t>
-            </a:r>
-            <a:endParaRPr lang="en-US" b="1" dirty="0"/>
-          </a:p>
-        </p:txBody>
-      </p:sp>
-      <p:sp>
-        <p:nvSpPr>
-          <p:cNvPr id="4" name="Slide Number Placeholder 3"/>
-          <p:cNvSpPr>
-            <a:spLocks noGrp="1"/>
-          </p:cNvSpPr>
-          <p:nvPr>
-            <p:ph type="sldNum" sz="quarter" idx="12"/>
-          </p:nvPr>
-        </p:nvSpPr>
-        <p:spPr/>
-        <p:txBody>
-          <a:bodyPr/>
-          <a:lstStyle/>
-          <a:p>
-            <a:fld id="{B6F15528-21DE-4FAA-801E-634DDDAF4B2B}" type="slidenum">
-              <a:rPr lang="en-US" smtClean="0"/>
-              <a:pPr/>
-              <a:t>17</a:t>
-            </a:fld>
-            <a:endParaRPr lang="en-US"/>
-          </a:p>
-        </p:txBody>
-      </p:sp>
-    </p:spTree>
-  </p:cSld>
-  <p:clrMapOvr>
-    <a:masterClrMapping/>
-  </p:clrMapOvr>
-  <p:timing>
-    <p:tnLst>
-      <p:par>
-        <p:cTn id="1" dur="indefinite" restart="never" nodeType="tmRoot"/>
-      </p:par>
-    </p:tnLst>
-  </p:timing>
-</p:sld>
-</file>
-
-<file path=ppt/slides/slide18.xml><?xml version="1.0" encoding="utf-8"?>
-<p:sld xmlns:a="http://schemas.openxmlformats.org/drawingml/2006/main" xmlns:r="http://schemas.openxmlformats.org/officeDocument/2006/relationships" xmlns:p="http://schemas.openxmlformats.org/presentationml/2006/main">
-  <p:cSld>
-    <p:spTree>
-      <p:nvGrpSpPr>
-        <p:cNvPr id="1" name=""/>
-        <p:cNvGrpSpPr/>
-        <p:nvPr/>
-      </p:nvGrpSpPr>
-      <p:grpSpPr>
-        <a:xfrm>
-          <a:off x="0" y="0"/>
-          <a:ext cx="0" cy="0"/>
-          <a:chOff x="0" y="0"/>
-          <a:chExt cx="0" cy="0"/>
-        </a:xfrm>
-      </p:grpSpPr>
-      <p:sp>
-        <p:nvSpPr>
-          <p:cNvPr id="2" name="Title 1"/>
-          <p:cNvSpPr>
-            <a:spLocks noGrp="1"/>
-          </p:cNvSpPr>
-          <p:nvPr>
-            <p:ph type="title"/>
-          </p:nvPr>
-        </p:nvSpPr>
-        <p:spPr/>
-        <p:txBody>
-          <a:bodyPr>
-            <a:normAutofit fontScale="90000"/>
-          </a:bodyPr>
-          <a:lstStyle/>
-          <a:p>
-            <a:r>
-              <a:rPr lang="en-US" dirty="0" smtClean="0"/>
-              <a:t>Design one function/method per task</a:t>
-            </a:r>
-            <a:endParaRPr lang="en-US" dirty="0"/>
-          </a:p>
-        </p:txBody>
-      </p:sp>
-      <p:sp>
-        <p:nvSpPr>
-          <p:cNvPr id="3" name="Content Placeholder 2"/>
-          <p:cNvSpPr>
-            <a:spLocks noGrp="1"/>
-          </p:cNvSpPr>
-          <p:nvPr>
-            <p:ph idx="1"/>
-          </p:nvPr>
-        </p:nvSpPr>
-        <p:spPr/>
-        <p:txBody>
-          <a:bodyPr>
-            <a:normAutofit fontScale="92500" lnSpcReduction="10000"/>
-          </a:bodyPr>
-          <a:lstStyle/>
-          <a:p>
-            <a:r>
-              <a:rPr lang="en-US" dirty="0" smtClean="0"/>
-              <a:t>Small is good.  Period.</a:t>
-            </a:r>
-          </a:p>
-          <a:p>
-            <a:r>
-              <a:rPr lang="en-US" dirty="0" smtClean="0"/>
-              <a:t>Big is bad.  Period.</a:t>
-            </a:r>
-          </a:p>
-          <a:p>
-            <a:pPr lvl="1"/>
-            <a:r>
-              <a:rPr lang="en-US" dirty="0" smtClean="0"/>
-              <a:t>If you have complicated junk in your function, you must have put it there for a reason.  Turn it into a separate function so you can test it.</a:t>
-            </a:r>
-          </a:p>
-          <a:p>
-            <a:r>
-              <a:rPr lang="en-US" dirty="0" smtClean="0"/>
-              <a:t>Use good function names.</a:t>
-            </a:r>
-          </a:p>
-          <a:p>
-            <a:pPr lvl="1"/>
-            <a:r>
-              <a:rPr lang="en-US" dirty="0" smtClean="0"/>
-              <a:t>Function names should reflect their purpose.</a:t>
-            </a:r>
-          </a:p>
-          <a:p>
-            <a:pPr lvl="1"/>
-            <a:r>
-              <a:rPr lang="en-US" dirty="0" smtClean="0"/>
-              <a:t>Function names are almost always nouns.</a:t>
-            </a:r>
-          </a:p>
-          <a:p>
-            <a:pPr lvl="1"/>
-            <a:r>
-              <a:rPr lang="en-US" dirty="0" smtClean="0"/>
-              <a:t>Function names should tell you the kind of value returned.  (</a:t>
-            </a:r>
-            <a:r>
-              <a:rPr lang="en-US" dirty="0" err="1" smtClean="0"/>
-              <a:t>eg</a:t>
-            </a:r>
-            <a:r>
-              <a:rPr lang="en-US" dirty="0" smtClean="0"/>
-              <a:t> check-XXX should return a Boolean!)</a:t>
-            </a:r>
-          </a:p>
-        </p:txBody>
-      </p:sp>
-      <p:sp>
-        <p:nvSpPr>
-          <p:cNvPr id="4" name="Slide Number Placeholder 3"/>
-          <p:cNvSpPr>
-            <a:spLocks noGrp="1"/>
-          </p:cNvSpPr>
-          <p:nvPr>
-            <p:ph type="sldNum" sz="quarter" idx="12"/>
-          </p:nvPr>
-        </p:nvSpPr>
-        <p:spPr/>
-        <p:txBody>
-          <a:bodyPr/>
-          <a:lstStyle/>
-          <a:p>
-            <a:fld id="{B6F15528-21DE-4FAA-801E-634DDDAF4B2B}" type="slidenum">
-              <a:rPr lang="en-US" smtClean="0"/>
-              <a:pPr/>
-              <a:t>18</a:t>
-            </a:fld>
-            <a:endParaRPr lang="en-US"/>
-          </a:p>
-        </p:txBody>
-      </p:sp>
-    </p:spTree>
-  </p:cSld>
-  <p:clrMapOvr>
-    <a:masterClrMapping/>
-  </p:clrMapOvr>
-  <p:timing>
-    <p:tnLst>
-      <p:par>
-        <p:cTn id="1" dur="indefinite" restart="never" nodeType="tmRoot"/>
-      </p:par>
-    </p:tnLst>
-  </p:timing>
-</p:sld>
-</file>
-
-<file path=ppt/slides/slide19.xml><?xml version="1.0" encoding="utf-8"?>
-<p:sld xmlns:a="http://schemas.openxmlformats.org/drawingml/2006/main" xmlns:r="http://schemas.openxmlformats.org/officeDocument/2006/relationships" xmlns:p="http://schemas.openxmlformats.org/presentationml/2006/main">
-  <p:cSld>
-    <p:spTree>
-      <p:nvGrpSpPr>
-        <p:cNvPr id="1" name=""/>
-        <p:cNvGrpSpPr/>
-        <p:nvPr/>
-      </p:nvGrpSpPr>
-      <p:grpSpPr>
-        <a:xfrm>
-          <a:off x="0" y="0"/>
-          <a:ext cx="0" cy="0"/>
-          <a:chOff x="0" y="0"/>
-          <a:chExt cx="0" cy="0"/>
-        </a:xfrm>
-      </p:grpSpPr>
-      <p:sp>
-        <p:nvSpPr>
-          <p:cNvPr id="2" name="Title 1"/>
-          <p:cNvSpPr>
-            <a:spLocks noGrp="1"/>
-          </p:cNvSpPr>
-          <p:nvPr>
-            <p:ph type="title"/>
-          </p:nvPr>
-        </p:nvSpPr>
-        <p:spPr/>
-        <p:txBody>
-          <a:bodyPr>
-            <a:normAutofit fontScale="90000"/>
-          </a:bodyPr>
-          <a:lstStyle/>
-          <a:p>
-            <a:r>
-              <a:rPr lang="en-US" dirty="0" smtClean="0"/>
-              <a:t>Good function names and purpose statements help the reader</a:t>
-            </a:r>
-            <a:endParaRPr lang="en-US" dirty="0"/>
-          </a:p>
-        </p:txBody>
-      </p:sp>
-      <p:sp>
-        <p:nvSpPr>
-          <p:cNvPr id="3" name="Content Placeholder 2"/>
-          <p:cNvSpPr>
-            <a:spLocks noGrp="1"/>
-          </p:cNvSpPr>
-          <p:nvPr>
-            <p:ph idx="1"/>
-          </p:nvPr>
-        </p:nvSpPr>
-        <p:spPr/>
-        <p:txBody>
-          <a:bodyPr>
-            <a:normAutofit fontScale="92500" lnSpcReduction="20000"/>
-          </a:bodyPr>
-          <a:lstStyle/>
-          <a:p>
-            <a:r>
-              <a:rPr lang="en-US" dirty="0" smtClean="0"/>
-              <a:t>Imagine the reader is looking at some code that calls your function.</a:t>
-            </a:r>
-          </a:p>
-          <a:p>
-            <a:r>
-              <a:rPr lang="en-US" dirty="0" smtClean="0"/>
-              <a:t>The reader should be able to make a good guess about your function produces just from its name.</a:t>
-            </a:r>
-          </a:p>
-          <a:p>
-            <a:r>
-              <a:rPr lang="en-US" dirty="0" smtClean="0"/>
-              <a:t>If he/she needs more information, he can read your contract, purpose statement, invariants, etc.</a:t>
-            </a:r>
-          </a:p>
-          <a:p>
-            <a:r>
-              <a:rPr lang="en-US" dirty="0" smtClean="0"/>
-              <a:t>If your purpose statement is good, the reader should never have to look at your function definition.</a:t>
-            </a:r>
-          </a:p>
-          <a:p>
-            <a:r>
-              <a:rPr lang="en-US" dirty="0" smtClean="0"/>
-              <a:t>The only thing that matters is the value your function returns, </a:t>
-            </a:r>
-            <a:r>
-              <a:rPr lang="en-US" i="1" dirty="0" smtClean="0"/>
-              <a:t>not</a:t>
-            </a:r>
-            <a:r>
-              <a:rPr lang="en-US" dirty="0" smtClean="0"/>
-              <a:t> how it finds that value.</a:t>
-            </a:r>
-            <a:endParaRPr lang="en-US" dirty="0"/>
-          </a:p>
-        </p:txBody>
-      </p:sp>
-      <p:sp>
-        <p:nvSpPr>
-          <p:cNvPr id="4" name="Slide Number Placeholder 3"/>
-          <p:cNvSpPr>
-            <a:spLocks noGrp="1"/>
-          </p:cNvSpPr>
-          <p:nvPr>
-            <p:ph type="sldNum" sz="quarter" idx="12"/>
-          </p:nvPr>
-        </p:nvSpPr>
-        <p:spPr/>
-        <p:txBody>
-          <a:bodyPr/>
-          <a:lstStyle/>
-          <a:p>
-            <a:fld id="{B6F15528-21DE-4FAA-801E-634DDDAF4B2B}" type="slidenum">
-              <a:rPr lang="en-US" smtClean="0"/>
-              <a:pPr/>
-              <a:t>19</a:t>
-            </a:fld>
-            <a:endParaRPr lang="en-US"/>
-          </a:p>
-        </p:txBody>
-      </p:sp>
-    </p:spTree>
-    <p:extLst>
-      <p:ext uri="{BB962C8B-B14F-4D97-AF65-F5344CB8AC3E}">
-        <p14:creationId xmlns:p14="http://schemas.microsoft.com/office/powerpoint/2010/main" val="3023175607"/>
-      </p:ext>
-    </p:extLst>
-  </p:cSld>
-  <p:clrMapOvr>
-    <a:masterClrMapping/>
-  </p:clrMapOvr>
-  <p:timing>
-    <p:tnLst>
-      <p:par>
-        <p:cTn id="1" dur="indefinite" restart="never" nodeType="tmRoot"/>
-      </p:par>
-    </p:tnLst>
-  </p:timing>
-</p:sld>
-</file>
-
-<file path=ppt/slides/slide2.xml><?xml version="1.0" encoding="utf-8"?>
-<p:sld xmlns:a="http://schemas.openxmlformats.org/drawingml/2006/main" xmlns:r="http://schemas.openxmlformats.org/officeDocument/2006/relationships" xmlns:p="http://schemas.openxmlformats.org/presentationml/2006/main">
-  <p:cSld>
-    <p:spTree>
-      <p:nvGrpSpPr>
-        <p:cNvPr id="1" name=""/>
-        <p:cNvGrpSpPr/>
-        <p:nvPr/>
-      </p:nvGrpSpPr>
-      <p:grpSpPr>
-        <a:xfrm>
-          <a:off x="0" y="0"/>
-          <a:ext cx="0" cy="0"/>
-          <a:chOff x="0" y="0"/>
-          <a:chExt cx="0" cy="0"/>
-        </a:xfrm>
-      </p:grpSpPr>
-      <p:sp>
-        <p:nvSpPr>
-          <p:cNvPr id="2" name="Title 1"/>
-          <p:cNvSpPr>
-            <a:spLocks noGrp="1"/>
-          </p:cNvSpPr>
-          <p:nvPr>
-            <p:ph type="title"/>
-          </p:nvPr>
-        </p:nvSpPr>
-        <p:spPr/>
-        <p:txBody>
-          <a:bodyPr/>
-          <a:lstStyle/>
-          <a:p>
-            <a:r>
-              <a:rPr lang="en-US" dirty="0" smtClean="0"/>
-              <a:t>Key Points for this Lesson</a:t>
-            </a:r>
-            <a:endParaRPr lang="en-US" dirty="0"/>
-          </a:p>
-        </p:txBody>
-      </p:sp>
-      <p:sp>
-        <p:nvSpPr>
-          <p:cNvPr id="3" name="Content Placeholder 2"/>
-          <p:cNvSpPr>
-            <a:spLocks noGrp="1"/>
-          </p:cNvSpPr>
-          <p:nvPr>
-            <p:ph idx="1"/>
-          </p:nvPr>
-        </p:nvSpPr>
-        <p:spPr/>
-        <p:txBody>
-          <a:bodyPr/>
-          <a:lstStyle/>
-          <a:p>
-            <a:r>
-              <a:rPr lang="en-US" dirty="0" smtClean="0"/>
-              <a:t>We summarize the key points we hope you take away from this course, regardless of what language you program in.</a:t>
-            </a:r>
-          </a:p>
-          <a:p>
-            <a:r>
-              <a:rPr lang="en-US" dirty="0" smtClean="0"/>
-              <a:t>We send you off with some concluding words of encouragement.</a:t>
-            </a:r>
-            <a:endParaRPr lang="en-US" dirty="0"/>
-          </a:p>
-        </p:txBody>
-      </p:sp>
-      <p:sp>
-        <p:nvSpPr>
-          <p:cNvPr id="4" name="Slide Number Placeholder 3"/>
-          <p:cNvSpPr>
-            <a:spLocks noGrp="1"/>
-          </p:cNvSpPr>
-          <p:nvPr>
-            <p:ph type="sldNum" sz="quarter" idx="12"/>
-          </p:nvPr>
-        </p:nvSpPr>
-        <p:spPr/>
-        <p:txBody>
-          <a:bodyPr/>
-          <a:lstStyle/>
-          <a:p>
-            <a:fld id="{B6F15528-21DE-4FAA-801E-634DDDAF4B2B}" type="slidenum">
-              <a:rPr lang="en-US" smtClean="0"/>
-              <a:pPr/>
-              <a:t>2</a:t>
-            </a:fld>
-            <a:endParaRPr lang="en-US"/>
-          </a:p>
-        </p:txBody>
-      </p:sp>
-    </p:spTree>
-    <p:extLst>
-      <p:ext uri="{BB962C8B-B14F-4D97-AF65-F5344CB8AC3E}">
-        <p14:creationId xmlns:p14="http://schemas.microsoft.com/office/powerpoint/2010/main" val="4118122258"/>
-      </p:ext>
-    </p:extLst>
-  </p:cSld>
-  <p:clrMapOvr>
-    <a:masterClrMapping/>
-  </p:clrMapOvr>
-  <p:timing>
-    <p:tnLst>
-      <p:par>
-        <p:cTn id="1" dur="indefinite" restart="never" nodeType="tmRoot"/>
-      </p:par>
-    </p:tnLst>
-  </p:timing>
-</p:sld>
-</file>
-
-<file path=ppt/slides/slide20.xml><?xml version="1.0" encoding="utf-8"?>
-<p:sld xmlns:a="http://schemas.openxmlformats.org/drawingml/2006/main" xmlns:r="http://schemas.openxmlformats.org/officeDocument/2006/relationships" xmlns:p="http://schemas.openxmlformats.org/presentationml/2006/main">
-  <p:cSld>
-    <p:spTree>
-      <p:nvGrpSpPr>
-        <p:cNvPr id="1" name=""/>
-        <p:cNvGrpSpPr/>
-        <p:nvPr/>
-      </p:nvGrpSpPr>
-      <p:grpSpPr>
-        <a:xfrm>
-          <a:off x="0" y="0"/>
-          <a:ext cx="0" cy="0"/>
-          <a:chOff x="0" y="0"/>
-          <a:chExt cx="0" cy="0"/>
-        </a:xfrm>
-      </p:grpSpPr>
-      <p:sp>
-        <p:nvSpPr>
-          <p:cNvPr id="2" name="Title 1"/>
-          <p:cNvSpPr>
-            <a:spLocks noGrp="1"/>
-          </p:cNvSpPr>
-          <p:nvPr>
-            <p:ph type="title"/>
-          </p:nvPr>
-        </p:nvSpPr>
-        <p:spPr/>
-        <p:style>
-          <a:lnRef idx="2">
-            <a:schemeClr val="accent1"/>
-          </a:lnRef>
-          <a:fillRef idx="1">
-            <a:schemeClr val="lt1"/>
-          </a:fillRef>
-          <a:effectRef idx="0">
-            <a:schemeClr val="accent1"/>
-          </a:effectRef>
-          <a:fontRef idx="minor">
-            <a:schemeClr val="dk1"/>
-          </a:fontRef>
-        </p:style>
-        <p:txBody>
-          <a:bodyPr/>
-          <a:lstStyle/>
-          <a:p>
-            <a:r>
-              <a:rPr lang="en-US" dirty="0" smtClean="0"/>
-              <a:t>4. Design functions systematically</a:t>
-            </a:r>
-            <a:endParaRPr lang="en-US" dirty="0"/>
-          </a:p>
-        </p:txBody>
-      </p:sp>
-      <p:sp>
-        <p:nvSpPr>
-          <p:cNvPr id="3" name="Content Placeholder 2"/>
-          <p:cNvSpPr>
-            <a:spLocks noGrp="1"/>
-          </p:cNvSpPr>
-          <p:nvPr>
-            <p:ph idx="1"/>
-          </p:nvPr>
-        </p:nvSpPr>
-        <p:spPr/>
-        <p:txBody>
-          <a:bodyPr>
-            <a:normAutofit fontScale="85000" lnSpcReduction="10000"/>
-          </a:bodyPr>
-          <a:lstStyle/>
-          <a:p>
-            <a:r>
-              <a:rPr lang="en-US" dirty="0" smtClean="0"/>
-              <a:t>Go slow to arrive fast and safely</a:t>
-            </a:r>
-          </a:p>
-          <a:p>
-            <a:r>
-              <a:rPr lang="en-US" dirty="0" smtClean="0"/>
-              <a:t>Follow the recipe!</a:t>
-            </a:r>
-          </a:p>
-          <a:p>
-            <a:r>
-              <a:rPr lang="en-US" dirty="0" smtClean="0"/>
-              <a:t>Structure of data tells you the structure of the program</a:t>
-            </a:r>
-          </a:p>
-          <a:p>
-            <a:pPr lvl="1"/>
-            <a:r>
-              <a:rPr lang="en-US" dirty="0" smtClean="0"/>
-              <a:t>Or at least gives you good hints</a:t>
-            </a:r>
-            <a:r>
-              <a:rPr lang="en-US" dirty="0" smtClean="0"/>
-              <a:t>!</a:t>
-            </a:r>
-          </a:p>
-          <a:p>
-            <a:pPr lvl="1"/>
-            <a:r>
-              <a:rPr lang="en-US" dirty="0" smtClean="0"/>
-              <a:t>The organization of your data definitions leads you to the organization of your program.</a:t>
-            </a:r>
-            <a:endParaRPr lang="en-US" dirty="0" smtClean="0"/>
-          </a:p>
-          <a:p>
-            <a:r>
-              <a:rPr lang="en-US" dirty="0" smtClean="0"/>
-              <a:t>Examples make you clarify your thinking</a:t>
-            </a:r>
-          </a:p>
-          <a:p>
-            <a:pPr lvl="1"/>
-            <a:r>
-              <a:rPr lang="en-US" dirty="0" smtClean="0"/>
-              <a:t>Be sure to cover corner cases</a:t>
-            </a:r>
-          </a:p>
-          <a:p>
-            <a:r>
-              <a:rPr lang="en-US" dirty="0" smtClean="0"/>
-              <a:t>Tests are reusable</a:t>
-            </a:r>
-          </a:p>
-          <a:p>
-            <a:pPr lvl="1"/>
-            <a:r>
-              <a:rPr lang="en-US" dirty="0" smtClean="0"/>
-              <a:t>Be sure to cover corner cases</a:t>
-            </a:r>
-          </a:p>
-        </p:txBody>
-      </p:sp>
-      <p:sp>
-        <p:nvSpPr>
-          <p:cNvPr id="4" name="Slide Number Placeholder 3"/>
-          <p:cNvSpPr>
-            <a:spLocks noGrp="1"/>
-          </p:cNvSpPr>
-          <p:nvPr>
-            <p:ph type="sldNum" sz="quarter" idx="12"/>
-          </p:nvPr>
-        </p:nvSpPr>
-        <p:spPr/>
-        <p:txBody>
-          <a:bodyPr/>
-          <a:lstStyle/>
-          <a:p>
-            <a:fld id="{B6F15528-21DE-4FAA-801E-634DDDAF4B2B}" type="slidenum">
-              <a:rPr lang="en-US" smtClean="0"/>
-              <a:pPr/>
-              <a:t>20</a:t>
-            </a:fld>
-            <a:endParaRPr lang="en-US"/>
-          </a:p>
-        </p:txBody>
-      </p:sp>
-    </p:spTree>
-  </p:cSld>
-  <p:clrMapOvr>
-    <a:masterClrMapping/>
-  </p:clrMapOvr>
-  <p:timing>
-    <p:tnLst>
-      <p:par>
-        <p:cTn id="1" dur="indefinite" restart="never" nodeType="tmRoot"/>
-      </p:par>
-    </p:tnLst>
-  </p:timing>
-</p:sld>
-</file>
-
-<file path=ppt/slides/slide21.xml><?xml version="1.0" encoding="utf-8"?>
-<p:sld xmlns:a="http://schemas.openxmlformats.org/drawingml/2006/main" xmlns:r="http://schemas.openxmlformats.org/officeDocument/2006/relationships" xmlns:p="http://schemas.openxmlformats.org/presentationml/2006/main">
-  <p:cSld>
-    <p:spTree>
-      <p:nvGrpSpPr>
-        <p:cNvPr id="1" name=""/>
-        <p:cNvGrpSpPr/>
-        <p:nvPr/>
-      </p:nvGrpSpPr>
-      <p:grpSpPr>
-        <a:xfrm>
-          <a:off x="0" y="0"/>
-          <a:ext cx="0" cy="0"/>
-          <a:chOff x="0" y="0"/>
-          <a:chExt cx="0" cy="0"/>
-        </a:xfrm>
-      </p:grpSpPr>
-      <p:sp>
-        <p:nvSpPr>
-          <p:cNvPr id="5" name="Title 4"/>
-          <p:cNvSpPr>
-            <a:spLocks noGrp="1"/>
-          </p:cNvSpPr>
-          <p:nvPr>
-            <p:ph type="title"/>
-          </p:nvPr>
-        </p:nvSpPr>
-        <p:spPr/>
-        <p:txBody>
-          <a:bodyPr>
-            <a:normAutofit fontScale="90000"/>
-          </a:bodyPr>
-          <a:lstStyle/>
-          <a:p>
-            <a:r>
-              <a:rPr lang="en-US" dirty="0" smtClean="0"/>
-              <a:t>The Structure of the Program Follows the Structure of the Data</a:t>
-            </a:r>
-            <a:endParaRPr lang="en-US" dirty="0"/>
-          </a:p>
-        </p:txBody>
-      </p:sp>
-      <p:sp>
-        <p:nvSpPr>
-          <p:cNvPr id="4" name="Slide Number Placeholder 3"/>
-          <p:cNvSpPr>
-            <a:spLocks noGrp="1"/>
-          </p:cNvSpPr>
-          <p:nvPr>
-            <p:ph type="sldNum" sz="quarter" idx="12"/>
-          </p:nvPr>
-        </p:nvSpPr>
-        <p:spPr/>
-        <p:txBody>
-          <a:bodyPr/>
-          <a:lstStyle/>
-          <a:p>
-            <a:fld id="{2AF3B5EA-18B6-4040-9F78-6052AF49C681}" type="slidenum">
-              <a:rPr lang="en-US" smtClean="0"/>
-              <a:t>21</a:t>
             </a:fld>
             <a:endParaRPr lang="en-US"/>
           </a:p>
@@ -11518,7 +9530,7 @@
 </p:sld>
 </file>
 
-<file path=ppt/slides/slide22.xml><?xml version="1.0" encoding="utf-8"?>
+<file path=ppt/slides/slide17.xml><?xml version="1.0" encoding="utf-8"?>
 <p:sld xmlns:a="http://schemas.openxmlformats.org/drawingml/2006/main" xmlns:r="http://schemas.openxmlformats.org/officeDocument/2006/relationships" xmlns:p="http://schemas.openxmlformats.org/presentationml/2006/main">
   <p:cSld>
     <p:spTree>
@@ -11723,7 +9735,7 @@
           <a:p>
             <a:fld id="{2AF3B5EA-18B6-4040-9F78-6052AF49C681}" type="slidenum">
               <a:rPr lang="en-US" smtClean="0"/>
-              <a:t>22</a:t>
+              <a:t>17</a:t>
             </a:fld>
             <a:endParaRPr lang="en-US"/>
           </a:p>
@@ -11801,7 +9813,7 @@
 </p:sld>
 </file>
 
-<file path=ppt/slides/slide23.xml><?xml version="1.0" encoding="utf-8"?>
+<file path=ppt/slides/slide18.xml><?xml version="1.0" encoding="utf-8"?>
 <p:sld xmlns:a="http://schemas.openxmlformats.org/drawingml/2006/main" xmlns:r="http://schemas.openxmlformats.org/officeDocument/2006/relationships" xmlns:p="http://schemas.openxmlformats.org/presentationml/2006/main">
   <p:cSld>
     <p:spTree>
@@ -12016,15 +10028,7 @@
                             <a:schemeClr val="tx1"/>
                           </a:solidFill>
                         </a:rPr>
-                        <a:t>7. </a:t>
-                      </a:r>
-                      <a:r>
-                        <a:rPr lang="en-US" sz="3200" dirty="0" smtClean="0">
-                          <a:solidFill>
-                            <a:schemeClr val="tx1"/>
-                          </a:solidFill>
-                        </a:rPr>
-                        <a:t>Update</a:t>
+                        <a:t>7. Update</a:t>
                       </a:r>
                       <a:r>
                         <a:rPr lang="en-US" sz="3200" baseline="0" dirty="0" smtClean="0">
@@ -12065,7 +10069,7 @@
           <a:p>
             <a:fld id="{2AF3B5EA-18B6-4040-9F78-6052AF49C681}" type="slidenum">
               <a:rPr lang="en-US" smtClean="0"/>
-              <a:t>23</a:t>
+              <a:t>18</a:t>
             </a:fld>
             <a:endParaRPr lang="en-US"/>
           </a:p>
@@ -12286,7 +10290,7 @@
 </p:sld>
 </file>
 
-<file path=ppt/slides/slide24.xml><?xml version="1.0" encoding="utf-8"?>
+<file path=ppt/slides/slide19.xml><?xml version="1.0" encoding="utf-8"?>
 <p:sld xmlns:a="http://schemas.openxmlformats.org/drawingml/2006/main" xmlns:r="http://schemas.openxmlformats.org/officeDocument/2006/relationships" xmlns:p="http://schemas.openxmlformats.org/presentationml/2006/main">
   <p:cSld>
     <p:spTree>
@@ -12342,25 +10346,43 @@
           <a:lstStyle/>
           <a:p>
             <a:r>
+              <a:rPr lang="en-US" dirty="0"/>
+              <a:t>In the end, there are only two design strategies:  </a:t>
+            </a:r>
+            <a:endParaRPr lang="en-US" dirty="0" smtClean="0"/>
+          </a:p>
+          <a:p>
+            <a:pPr lvl="1"/>
+            <a:r>
               <a:rPr lang="en-US" dirty="0" smtClean="0"/>
-              <a:t>Trivial problem:  trivial solution</a:t>
-            </a:r>
-          </a:p>
-          <a:p>
+              <a:t>either </a:t>
+            </a:r>
+            <a:r>
+              <a:rPr lang="en-US" dirty="0"/>
+              <a:t>you solve the problem directly </a:t>
+            </a:r>
+            <a:endParaRPr lang="en-US" dirty="0" smtClean="0"/>
+          </a:p>
+          <a:p>
+            <a:pPr lvl="1"/>
             <a:r>
               <a:rPr lang="en-US" dirty="0" smtClean="0"/>
-              <a:t>Reduce the problem to one or more simpler problems:</a:t>
-            </a:r>
-          </a:p>
-          <a:p>
-            <a:pPr lvl="1"/>
-            <a:r>
-              <a:rPr lang="en-US" dirty="0" smtClean="0"/>
-              <a:t>Then reconstruct solution to your problem from the solutions to the simpler problems</a:t>
-            </a:r>
-          </a:p>
-          <a:p>
-            <a:pPr lvl="1"/>
+              <a:t>or </a:t>
+            </a:r>
+            <a:r>
+              <a:rPr lang="en-US" dirty="0"/>
+              <a:t>you reduce it to simpler problems and reconstruct the solution to your problem from the solutions to the simpler </a:t>
+            </a:r>
+            <a:r>
+              <a:rPr lang="en-US" dirty="0" err="1"/>
+              <a:t>subproblems</a:t>
+            </a:r>
+            <a:r>
+              <a:rPr lang="en-US" dirty="0"/>
+              <a:t>.</a:t>
+            </a:r>
+          </a:p>
+          <a:p>
             <a:endParaRPr lang="en-US" dirty="0"/>
           </a:p>
         </p:txBody>
@@ -12383,69 +10405,9 @@
             <a:fld id="{B6F15528-21DE-4FAA-801E-634DDDAF4B2B}" type="slidenum">
               <a:rPr lang="en-US" smtClean="0"/>
               <a:pPr/>
-              <a:t>24</a:t>
+              <a:t>19</a:t>
             </a:fld>
             <a:endParaRPr lang="en-US"/>
-          </a:p>
-        </p:txBody>
-      </p:sp>
-      <p:sp>
-        <p:nvSpPr>
-          <p:cNvPr id="4" name="Rectangle 3"/>
-          <p:cNvSpPr/>
-          <p:nvPr/>
-        </p:nvSpPr>
-        <p:spPr>
-          <a:xfrm>
-            <a:off x="3276600" y="4572000"/>
-            <a:ext cx="5334000" cy="1676400"/>
-          </a:xfrm>
-          <a:prstGeom prst="rect">
-            <a:avLst/>
-          </a:prstGeom>
-          <a:solidFill>
-            <a:schemeClr val="accent3">
-              <a:lumMod val="40000"/>
-              <a:lumOff val="60000"/>
-            </a:schemeClr>
-          </a:solidFill>
-          <a:ln/>
-        </p:spPr>
-        <p:style>
-          <a:lnRef idx="2">
-            <a:schemeClr val="accent1"/>
-          </a:lnRef>
-          <a:fillRef idx="1">
-            <a:schemeClr val="lt1"/>
-          </a:fillRef>
-          <a:effectRef idx="0">
-            <a:schemeClr val="accent1"/>
-          </a:effectRef>
-          <a:fontRef idx="minor">
-            <a:schemeClr val="dk1"/>
-          </a:fontRef>
-        </p:style>
-        <p:txBody>
-          <a:bodyPr rot="0" spcFirstLastPara="0" vertOverflow="overflow" horzOverflow="overflow" vert="horz" wrap="square" lIns="91440" tIns="45720" rIns="91440" bIns="45720" numCol="1" spcCol="0" rtlCol="0" fromWordArt="0" anchor="ctr" anchorCtr="0" forceAA="0" compatLnSpc="1">
-            <a:prstTxWarp prst="textNoShape">
-              <a:avLst/>
-            </a:prstTxWarp>
-            <a:noAutofit/>
-          </a:bodyPr>
-          <a:lstStyle/>
-          <a:p>
-            <a:r>
-              <a:rPr lang="en-US" dirty="0"/>
-              <a:t>In the end, there are only two design strategies:  either you solve the problem directly or you reduce it to simpler problems and reconstruct the solution to your problem from the solutions to the simpler </a:t>
-            </a:r>
-            <a:r>
-              <a:rPr lang="en-US" dirty="0" err="1"/>
-              <a:t>subproblems</a:t>
-            </a:r>
-            <a:r>
-              <a:rPr lang="en-US" dirty="0"/>
-              <a:t>.</a:t>
-            </a:r>
           </a:p>
         </p:txBody>
       </p:sp>
@@ -12464,1130 +10426,7 @@
 </p:sld>
 </file>
 
-<file path=ppt/slides/slide25.xml><?xml version="1.0" encoding="utf-8"?>
-<p:sld xmlns:a="http://schemas.openxmlformats.org/drawingml/2006/main" xmlns:r="http://schemas.openxmlformats.org/officeDocument/2006/relationships" xmlns:p="http://schemas.openxmlformats.org/presentationml/2006/main">
-  <p:cSld>
-    <p:spTree>
-      <p:nvGrpSpPr>
-        <p:cNvPr id="1" name=""/>
-        <p:cNvGrpSpPr/>
-        <p:nvPr/>
-      </p:nvGrpSpPr>
-      <p:grpSpPr>
-        <a:xfrm>
-          <a:off x="0" y="0"/>
-          <a:ext cx="0" cy="0"/>
-          <a:chOff x="0" y="0"/>
-          <a:chExt cx="0" cy="0"/>
-        </a:xfrm>
-      </p:grpSpPr>
-      <p:sp>
-        <p:nvSpPr>
-          <p:cNvPr id="2" name="Title 1"/>
-          <p:cNvSpPr>
-            <a:spLocks noGrp="1"/>
-          </p:cNvSpPr>
-          <p:nvPr>
-            <p:ph type="title"/>
-          </p:nvPr>
-        </p:nvSpPr>
-        <p:spPr/>
-        <p:txBody>
-          <a:bodyPr/>
-          <a:lstStyle/>
-          <a:p>
-            <a:r>
-              <a:rPr lang="en-US" dirty="0" smtClean="0"/>
-              <a:t>Choosing a Design Strategy</a:t>
-            </a:r>
-            <a:endParaRPr lang="en-US" dirty="0"/>
-          </a:p>
-        </p:txBody>
-      </p:sp>
-      <p:sp>
-        <p:nvSpPr>
-          <p:cNvPr id="3" name="Content Placeholder 2"/>
-          <p:cNvSpPr>
-            <a:spLocks noGrp="1"/>
-          </p:cNvSpPr>
-          <p:nvPr>
-            <p:ph idx="1"/>
-          </p:nvPr>
-        </p:nvSpPr>
-        <p:spPr/>
-        <p:txBody>
-          <a:bodyPr>
-            <a:normAutofit fontScale="85000" lnSpcReduction="10000"/>
-          </a:bodyPr>
-          <a:lstStyle/>
-          <a:p>
-            <a:r>
-              <a:rPr lang="en-US" dirty="0" smtClean="0"/>
-              <a:t>If there are independent/sequential pieces, then combine the simpler functions.</a:t>
-            </a:r>
-          </a:p>
-          <a:p>
-            <a:pPr marL="342900" lvl="1" indent="-342900">
-              <a:buFont typeface="Arial" pitchFamily="34" charset="0"/>
-              <a:buChar char="•"/>
-            </a:pPr>
-            <a:r>
-              <a:rPr lang="en-US" sz="3200" dirty="0"/>
-              <a:t>Is your problem a special case of another problem that might be easier to solve?  If so, solve the more general problem, and then use </a:t>
-            </a:r>
-            <a:r>
-              <a:rPr lang="en-US" sz="3200" dirty="0" smtClean="0"/>
-              <a:t>generalization.</a:t>
-            </a:r>
-          </a:p>
-          <a:p>
-            <a:r>
-              <a:rPr lang="en-US" dirty="0" smtClean="0"/>
-              <a:t>Otherwise, find one or more simpler instances of same problem:</a:t>
-            </a:r>
-          </a:p>
-          <a:p>
-            <a:pPr lvl="1"/>
-            <a:r>
-              <a:rPr lang="en-US" dirty="0" smtClean="0"/>
-              <a:t>Is the input a list?  If so, consider using a HOF.</a:t>
-            </a:r>
-          </a:p>
-          <a:p>
-            <a:pPr lvl="1"/>
-            <a:r>
-              <a:rPr lang="en-US" dirty="0" smtClean="0"/>
-              <a:t>Is the simpler instance a substructure of the original?  If so, use the template.</a:t>
-            </a:r>
-          </a:p>
-          <a:p>
-            <a:pPr lvl="1"/>
-            <a:r>
-              <a:rPr lang="en-US" dirty="0" smtClean="0"/>
-              <a:t>Otherwise, use general recursion.</a:t>
-            </a:r>
-            <a:endParaRPr lang="en-US" dirty="0"/>
-          </a:p>
-        </p:txBody>
-      </p:sp>
-      <p:sp>
-        <p:nvSpPr>
-          <p:cNvPr id="4" name="Slide Number Placeholder 3"/>
-          <p:cNvSpPr>
-            <a:spLocks noGrp="1"/>
-          </p:cNvSpPr>
-          <p:nvPr>
-            <p:ph type="sldNum" sz="quarter" idx="12"/>
-          </p:nvPr>
-        </p:nvSpPr>
-        <p:spPr/>
-        <p:txBody>
-          <a:bodyPr/>
-          <a:lstStyle/>
-          <a:p>
-            <a:fld id="{346758FD-9459-475D-B659-88EF3272DA05}" type="slidenum">
-              <a:rPr lang="en-US" smtClean="0"/>
-              <a:t>25</a:t>
-            </a:fld>
-            <a:endParaRPr lang="en-US"/>
-          </a:p>
-        </p:txBody>
-      </p:sp>
-      <p:sp>
-        <p:nvSpPr>
-          <p:cNvPr id="5" name="Rectangle 4"/>
-          <p:cNvSpPr/>
-          <p:nvPr/>
-        </p:nvSpPr>
-        <p:spPr>
-          <a:xfrm>
-            <a:off x="5791200" y="5267007"/>
-            <a:ext cx="2971800" cy="1447800"/>
-          </a:xfrm>
-          <a:prstGeom prst="rect">
-            <a:avLst/>
-          </a:prstGeom>
-          <a:solidFill>
-            <a:schemeClr val="accent3">
-              <a:lumMod val="40000"/>
-              <a:lumOff val="60000"/>
-            </a:schemeClr>
-          </a:solidFill>
-          <a:ln/>
-        </p:spPr>
-        <p:style>
-          <a:lnRef idx="2">
-            <a:schemeClr val="accent1"/>
-          </a:lnRef>
-          <a:fillRef idx="1">
-            <a:schemeClr val="lt1"/>
-          </a:fillRef>
-          <a:effectRef idx="0">
-            <a:schemeClr val="accent1"/>
-          </a:effectRef>
-          <a:fontRef idx="minor">
-            <a:schemeClr val="dk1"/>
-          </a:fontRef>
-        </p:style>
-        <p:txBody>
-          <a:bodyPr rot="0" spcFirstLastPara="0" vertOverflow="overflow" horzOverflow="overflow" vert="horz" wrap="square" lIns="91440" tIns="45720" rIns="91440" bIns="45720" numCol="1" spcCol="0" rtlCol="0" fromWordArt="0" anchor="ctr" anchorCtr="0" forceAA="0" compatLnSpc="1">
-            <a:prstTxWarp prst="textNoShape">
-              <a:avLst/>
-            </a:prstTxWarp>
-            <a:noAutofit/>
-          </a:bodyPr>
-          <a:lstStyle/>
-          <a:p>
-            <a:r>
-              <a:rPr lang="en-US" sz="2000" dirty="0" smtClean="0">
-                <a:solidFill>
-                  <a:schemeClr val="tx1"/>
-                </a:solidFill>
-              </a:rPr>
-              <a:t>You've been doing this all term, so you probably know this.  But it's worth writing down anyway.</a:t>
-            </a:r>
-          </a:p>
-        </p:txBody>
-      </p:sp>
-      <p:sp>
-        <p:nvSpPr>
-          <p:cNvPr id="7" name="Rectangle 6"/>
-          <p:cNvSpPr/>
-          <p:nvPr/>
-        </p:nvSpPr>
-        <p:spPr>
-          <a:xfrm>
-            <a:off x="6248400" y="3226356"/>
-            <a:ext cx="2743200" cy="414496"/>
-          </a:xfrm>
-          <a:prstGeom prst="rect">
-            <a:avLst/>
-          </a:prstGeom>
-          <a:solidFill>
-            <a:schemeClr val="accent3">
-              <a:lumMod val="40000"/>
-              <a:lumOff val="60000"/>
-            </a:schemeClr>
-          </a:solidFill>
-          <a:ln/>
-        </p:spPr>
-        <p:style>
-          <a:lnRef idx="2">
-            <a:schemeClr val="accent1"/>
-          </a:lnRef>
-          <a:fillRef idx="1">
-            <a:schemeClr val="lt1"/>
-          </a:fillRef>
-          <a:effectRef idx="0">
-            <a:schemeClr val="accent1"/>
-          </a:effectRef>
-          <a:fontRef idx="minor">
-            <a:schemeClr val="dk1"/>
-          </a:fontRef>
-        </p:style>
-        <p:txBody>
-          <a:bodyPr rot="0" spcFirstLastPara="0" vertOverflow="overflow" horzOverflow="overflow" vert="horz" wrap="square" lIns="91440" tIns="45720" rIns="91440" bIns="45720" numCol="1" spcCol="0" rtlCol="0" fromWordArt="0" anchor="t" anchorCtr="0" forceAA="0" compatLnSpc="1">
-            <a:prstTxWarp prst="textNoShape">
-              <a:avLst/>
-            </a:prstTxWarp>
-            <a:noAutofit/>
-          </a:bodyPr>
-          <a:lstStyle/>
-          <a:p>
-            <a:r>
-              <a:rPr lang="en-US" sz="1000" dirty="0" smtClean="0">
-                <a:solidFill>
-                  <a:schemeClr val="tx1"/>
-                </a:solidFill>
-              </a:rPr>
-              <a:t>e.g. number-list =&gt; number-list-from, mark-depth =&gt; mark-depth-from, 8-queens =&gt; n-queens</a:t>
-            </a:r>
-            <a:endParaRPr lang="en-US" sz="1000" dirty="0">
-              <a:solidFill>
-                <a:schemeClr val="tx1"/>
-              </a:solidFill>
-            </a:endParaRPr>
-          </a:p>
-        </p:txBody>
-      </p:sp>
-    </p:spTree>
-    <p:extLst>
-      <p:ext uri="{BB962C8B-B14F-4D97-AF65-F5344CB8AC3E}">
-        <p14:creationId xmlns:p14="http://schemas.microsoft.com/office/powerpoint/2010/main" val="2403412634"/>
-      </p:ext>
-    </p:extLst>
-  </p:cSld>
-  <p:clrMapOvr>
-    <a:masterClrMapping/>
-  </p:clrMapOvr>
-  <p:timing>
-    <p:tnLst>
-      <p:par>
-        <p:cTn id="1" dur="indefinite" restart="never" nodeType="tmRoot"/>
-      </p:par>
-    </p:tnLst>
-  </p:timing>
-</p:sld>
-</file>
-
-<file path=ppt/slides/slide26.xml><?xml version="1.0" encoding="utf-8"?>
-<p:sld xmlns:a="http://schemas.openxmlformats.org/drawingml/2006/main" xmlns:r="http://schemas.openxmlformats.org/officeDocument/2006/relationships" xmlns:p="http://schemas.openxmlformats.org/presentationml/2006/main">
-  <p:cSld>
-    <p:spTree>
-      <p:nvGrpSpPr>
-        <p:cNvPr id="1" name=""/>
-        <p:cNvGrpSpPr/>
-        <p:nvPr/>
-      </p:nvGrpSpPr>
-      <p:grpSpPr>
-        <a:xfrm>
-          <a:off x="0" y="0"/>
-          <a:ext cx="0" cy="0"/>
-          <a:chOff x="0" y="0"/>
-          <a:chExt cx="0" cy="0"/>
-        </a:xfrm>
-      </p:grpSpPr>
-      <p:sp>
-        <p:nvSpPr>
-          <p:cNvPr id="2" name="Title 1"/>
-          <p:cNvSpPr>
-            <a:spLocks noGrp="1"/>
-          </p:cNvSpPr>
-          <p:nvPr>
-            <p:ph type="title"/>
-          </p:nvPr>
-        </p:nvSpPr>
-        <p:spPr/>
-        <p:txBody>
-          <a:bodyPr>
-            <a:normAutofit fontScale="90000"/>
-          </a:bodyPr>
-          <a:lstStyle/>
-          <a:p>
-            <a:r>
-              <a:rPr lang="en-US" dirty="0" smtClean="0"/>
-              <a:t>Introducing Generalizations and Help Functions</a:t>
-            </a:r>
-            <a:endParaRPr lang="en-US" dirty="0"/>
-          </a:p>
-        </p:txBody>
-      </p:sp>
-      <p:sp>
-        <p:nvSpPr>
-          <p:cNvPr id="3" name="Content Placeholder 2"/>
-          <p:cNvSpPr>
-            <a:spLocks noGrp="1"/>
-          </p:cNvSpPr>
-          <p:nvPr>
-            <p:ph idx="1"/>
-          </p:nvPr>
-        </p:nvSpPr>
-        <p:spPr/>
-        <p:txBody>
-          <a:bodyPr>
-            <a:normAutofit fontScale="77500" lnSpcReduction="20000"/>
-          </a:bodyPr>
-          <a:lstStyle/>
-          <a:p>
-            <a:r>
-              <a:rPr lang="en-US" dirty="0" smtClean="0"/>
-              <a:t>Introduce a help function whenever you have a chunk of code that performs a discrete function.</a:t>
-            </a:r>
-          </a:p>
-          <a:p>
-            <a:r>
-              <a:rPr lang="en-US" dirty="0" smtClean="0"/>
-              <a:t>Example:  always replace</a:t>
-            </a:r>
-          </a:p>
-          <a:p>
-            <a:pPr marL="400050" lvl="1" indent="0">
-              <a:buNone/>
-            </a:pPr>
-            <a:r>
-              <a:rPr lang="en-US" b="1" dirty="0" smtClean="0">
-                <a:latin typeface="Consolas" panose="020B0609020204030204" pitchFamily="49" charset="0"/>
-                <a:cs typeface="Consolas" panose="020B0609020204030204" pitchFamily="49" charset="0"/>
-              </a:rPr>
-              <a:t>(if (&gt; (+ (ball-x b) </a:t>
-            </a:r>
-          </a:p>
-          <a:p>
-            <a:pPr marL="400050" lvl="1" indent="0">
-              <a:buNone/>
-            </a:pPr>
-            <a:r>
-              <a:rPr lang="en-US" b="1" dirty="0">
-                <a:latin typeface="Consolas" panose="020B0609020204030204" pitchFamily="49" charset="0"/>
-                <a:cs typeface="Consolas" panose="020B0609020204030204" pitchFamily="49" charset="0"/>
-              </a:rPr>
-              <a:t> </a:t>
-            </a:r>
-            <a:r>
-              <a:rPr lang="en-US" b="1" dirty="0" smtClean="0">
-                <a:latin typeface="Consolas" panose="020B0609020204030204" pitchFamily="49" charset="0"/>
-                <a:cs typeface="Consolas" panose="020B0609020204030204" pitchFamily="49" charset="0"/>
-              </a:rPr>
-              <a:t>         BALL-SPEED </a:t>
-            </a:r>
-          </a:p>
-          <a:p>
-            <a:pPr marL="400050" lvl="1" indent="0">
-              <a:buNone/>
-            </a:pPr>
-            <a:r>
-              <a:rPr lang="en-US" b="1" dirty="0">
-                <a:latin typeface="Consolas" panose="020B0609020204030204" pitchFamily="49" charset="0"/>
-                <a:cs typeface="Consolas" panose="020B0609020204030204" pitchFamily="49" charset="0"/>
-              </a:rPr>
-              <a:t> </a:t>
-            </a:r>
-            <a:r>
-              <a:rPr lang="en-US" b="1" dirty="0" smtClean="0">
-                <a:latin typeface="Consolas" panose="020B0609020204030204" pitchFamily="49" charset="0"/>
-                <a:cs typeface="Consolas" panose="020B0609020204030204" pitchFamily="49" charset="0"/>
-              </a:rPr>
-              <a:t>         (ball-radius b))</a:t>
-            </a:r>
-          </a:p>
-          <a:p>
-            <a:pPr marL="400050" lvl="1" indent="0">
-              <a:buNone/>
-            </a:pPr>
-            <a:r>
-              <a:rPr lang="en-US" b="1" dirty="0">
-                <a:latin typeface="Consolas" panose="020B0609020204030204" pitchFamily="49" charset="0"/>
-                <a:cs typeface="Consolas" panose="020B0609020204030204" pitchFamily="49" charset="0"/>
-              </a:rPr>
-              <a:t> </a:t>
-            </a:r>
-            <a:r>
-              <a:rPr lang="en-US" b="1" dirty="0" smtClean="0">
-                <a:latin typeface="Consolas" panose="020B0609020204030204" pitchFamily="49" charset="0"/>
-                <a:cs typeface="Consolas" panose="020B0609020204030204" pitchFamily="49" charset="0"/>
-              </a:rPr>
-              <a:t>      BALL-X-MAX) ...)</a:t>
-            </a:r>
-          </a:p>
-          <a:p>
-            <a:pPr marL="400050" lvl="1" indent="0">
-              <a:buNone/>
-            </a:pPr>
-            <a:r>
-              <a:rPr lang="en-US" dirty="0" smtClean="0">
-                <a:cs typeface="Consolas" panose="020B0609020204030204" pitchFamily="49" charset="0"/>
-              </a:rPr>
-              <a:t>by</a:t>
-            </a:r>
-          </a:p>
-          <a:p>
-            <a:pPr marL="400050" lvl="1" indent="0">
-              <a:buNone/>
-            </a:pPr>
-            <a:r>
-              <a:rPr lang="en-US" b="1" dirty="0" smtClean="0">
-                <a:latin typeface="Consolas" panose="020B0609020204030204" pitchFamily="49" charset="0"/>
-                <a:cs typeface="Consolas" panose="020B0609020204030204" pitchFamily="49" charset="0"/>
-              </a:rPr>
-              <a:t>(if (ball-would-hit-right-wall? b) ...)</a:t>
-            </a:r>
-          </a:p>
-          <a:p>
-            <a:pPr marL="457200" indent="-457200"/>
-            <a:r>
-              <a:rPr lang="en-US" dirty="0" smtClean="0">
-                <a:latin typeface="+mj-lt"/>
-                <a:cs typeface="Consolas" panose="020B0609020204030204" pitchFamily="49" charset="0"/>
-              </a:rPr>
-              <a:t>Find a good name for your help function (</a:t>
-            </a:r>
-            <a:r>
-              <a:rPr lang="en-US" b="1" dirty="0" smtClean="0">
-                <a:latin typeface="+mj-lt"/>
-                <a:cs typeface="Consolas" panose="020B0609020204030204" pitchFamily="49" charset="0"/>
-              </a:rPr>
-              <a:t>after-tick-helper</a:t>
-            </a:r>
-            <a:r>
-              <a:rPr lang="en-US" dirty="0" smtClean="0">
-                <a:latin typeface="+mj-lt"/>
-                <a:cs typeface="Consolas" panose="020B0609020204030204" pitchFamily="49" charset="0"/>
-              </a:rPr>
-              <a:t> doesn’t qualify</a:t>
-            </a:r>
-            <a:r>
-              <a:rPr lang="en-US" dirty="0" smtClean="0">
-                <a:latin typeface="+mj-lt"/>
-                <a:cs typeface="Consolas" panose="020B0609020204030204" pitchFamily="49" charset="0"/>
-              </a:rPr>
-              <a:t>!) If you can’t think of a good name for your help function, then you are probably doing it wrong.</a:t>
-            </a:r>
-            <a:endParaRPr lang="en-US" dirty="0">
-              <a:latin typeface="+mj-lt"/>
-              <a:cs typeface="Consolas" panose="020B0609020204030204" pitchFamily="49" charset="0"/>
-            </a:endParaRPr>
-          </a:p>
-        </p:txBody>
-      </p:sp>
-      <p:sp>
-        <p:nvSpPr>
-          <p:cNvPr id="6" name="Slide Number Placeholder 5"/>
-          <p:cNvSpPr>
-            <a:spLocks noGrp="1"/>
-          </p:cNvSpPr>
-          <p:nvPr>
-            <p:ph type="sldNum" sz="quarter" idx="12"/>
-          </p:nvPr>
-        </p:nvSpPr>
-        <p:spPr/>
-        <p:txBody>
-          <a:bodyPr/>
-          <a:lstStyle/>
-          <a:p>
-            <a:fld id="{B6F15528-21DE-4FAA-801E-634DDDAF4B2B}" type="slidenum">
-              <a:rPr lang="en-US" smtClean="0"/>
-              <a:pPr/>
-              <a:t>26</a:t>
-            </a:fld>
-            <a:endParaRPr lang="en-US"/>
-          </a:p>
-        </p:txBody>
-      </p:sp>
-      <p:sp>
-        <p:nvSpPr>
-          <p:cNvPr id="4" name="Rectangle 3"/>
-          <p:cNvSpPr/>
-          <p:nvPr/>
-        </p:nvSpPr>
-        <p:spPr>
-          <a:xfrm>
-            <a:off x="6019800" y="2209800"/>
-            <a:ext cx="2819400" cy="838200"/>
-          </a:xfrm>
-          <a:prstGeom prst="rect">
-            <a:avLst/>
-          </a:prstGeom>
-          <a:solidFill>
-            <a:schemeClr val="accent3">
-              <a:lumMod val="40000"/>
-              <a:lumOff val="60000"/>
-            </a:schemeClr>
-          </a:solidFill>
-          <a:ln/>
-        </p:spPr>
-        <p:style>
-          <a:lnRef idx="2">
-            <a:schemeClr val="accent1"/>
-          </a:lnRef>
-          <a:fillRef idx="1">
-            <a:schemeClr val="lt1"/>
-          </a:fillRef>
-          <a:effectRef idx="0">
-            <a:schemeClr val="accent1"/>
-          </a:effectRef>
-          <a:fontRef idx="minor">
-            <a:schemeClr val="dk1"/>
-          </a:fontRef>
-        </p:style>
-        <p:txBody>
-          <a:bodyPr rot="0" spcFirstLastPara="0" vertOverflow="overflow" horzOverflow="overflow" vert="horz" wrap="square" lIns="91440" tIns="45720" rIns="91440" bIns="45720" numCol="1" spcCol="0" rtlCol="0" fromWordArt="0" anchor="ctr" anchorCtr="0" forceAA="0" compatLnSpc="1">
-            <a:prstTxWarp prst="textNoShape">
-              <a:avLst/>
-            </a:prstTxWarp>
-            <a:noAutofit/>
-          </a:bodyPr>
-          <a:lstStyle/>
-          <a:p>
-            <a:pPr algn="ctr"/>
-            <a:r>
-              <a:rPr lang="en-US" dirty="0" smtClean="0">
-                <a:solidFill>
-                  <a:schemeClr val="tx1"/>
-                </a:solidFill>
-              </a:rPr>
-              <a:t>This is for readability.  Do it even if this piece of code occurs only once.</a:t>
-            </a:r>
-          </a:p>
-        </p:txBody>
-      </p:sp>
-      <p:sp>
-        <p:nvSpPr>
-          <p:cNvPr id="5" name="Rectangle 4"/>
-          <p:cNvSpPr/>
-          <p:nvPr/>
-        </p:nvSpPr>
-        <p:spPr>
-          <a:xfrm>
-            <a:off x="6042991" y="3200400"/>
-            <a:ext cx="2819400" cy="914400"/>
-          </a:xfrm>
-          <a:prstGeom prst="rect">
-            <a:avLst/>
-          </a:prstGeom>
-          <a:solidFill>
-            <a:schemeClr val="accent3">
-              <a:lumMod val="40000"/>
-              <a:lumOff val="60000"/>
-            </a:schemeClr>
-          </a:solidFill>
-          <a:ln/>
-        </p:spPr>
-        <p:style>
-          <a:lnRef idx="2">
-            <a:schemeClr val="accent1"/>
-          </a:lnRef>
-          <a:fillRef idx="1">
-            <a:schemeClr val="lt1"/>
-          </a:fillRef>
-          <a:effectRef idx="0">
-            <a:schemeClr val="accent1"/>
-          </a:effectRef>
-          <a:fontRef idx="minor">
-            <a:schemeClr val="dk1"/>
-          </a:fontRef>
-        </p:style>
-        <p:txBody>
-          <a:bodyPr rot="0" spcFirstLastPara="0" vertOverflow="overflow" horzOverflow="overflow" vert="horz" wrap="square" lIns="91440" tIns="45720" rIns="91440" bIns="45720" numCol="1" spcCol="0" rtlCol="0" fromWordArt="0" anchor="ctr" anchorCtr="0" forceAA="0" compatLnSpc="1">
-            <a:prstTxWarp prst="textNoShape">
-              <a:avLst/>
-            </a:prstTxWarp>
-            <a:noAutofit/>
-          </a:bodyPr>
-          <a:lstStyle/>
-          <a:p>
-            <a:pPr algn="ctr"/>
-            <a:r>
-              <a:rPr lang="en-US" dirty="0" smtClean="0">
-                <a:solidFill>
-                  <a:schemeClr val="tx1"/>
-                </a:solidFill>
-              </a:rPr>
-              <a:t>Also, if you make it a standalone function, you can write tests for it!</a:t>
-            </a:r>
-          </a:p>
-        </p:txBody>
-      </p:sp>
-    </p:spTree>
-    <p:extLst>
-      <p:ext uri="{BB962C8B-B14F-4D97-AF65-F5344CB8AC3E}">
-        <p14:creationId xmlns:p14="http://schemas.microsoft.com/office/powerpoint/2010/main" val="169145489"/>
-      </p:ext>
-    </p:extLst>
-  </p:cSld>
-  <p:clrMapOvr>
-    <a:masterClrMapping/>
-  </p:clrMapOvr>
-  <p:timing>
-    <p:tnLst>
-      <p:par>
-        <p:cTn id="1" dur="indefinite" restart="never" nodeType="tmRoot"/>
-      </p:par>
-    </p:tnLst>
-  </p:timing>
-</p:sld>
-</file>
-
-<file path=ppt/slides/slide27.xml><?xml version="1.0" encoding="utf-8"?>
-<p:sld xmlns:a="http://schemas.openxmlformats.org/drawingml/2006/main" xmlns:r="http://schemas.openxmlformats.org/officeDocument/2006/relationships" xmlns:p="http://schemas.openxmlformats.org/presentationml/2006/main">
-  <p:cSld>
-    <p:spTree>
-      <p:nvGrpSpPr>
-        <p:cNvPr id="1" name=""/>
-        <p:cNvGrpSpPr/>
-        <p:nvPr/>
-      </p:nvGrpSpPr>
-      <p:grpSpPr>
-        <a:xfrm>
-          <a:off x="0" y="0"/>
-          <a:ext cx="0" cy="0"/>
-          <a:chOff x="0" y="0"/>
-          <a:chExt cx="0" cy="0"/>
-        </a:xfrm>
-      </p:grpSpPr>
-      <p:sp>
-        <p:nvSpPr>
-          <p:cNvPr id="2" name="Title 1"/>
-          <p:cNvSpPr>
-            <a:spLocks noGrp="1"/>
-          </p:cNvSpPr>
-          <p:nvPr>
-            <p:ph type="title"/>
-          </p:nvPr>
-        </p:nvSpPr>
-        <p:spPr/>
-        <p:txBody>
-          <a:bodyPr>
-            <a:normAutofit fontScale="90000"/>
-          </a:bodyPr>
-          <a:lstStyle/>
-          <a:p>
-            <a:r>
-              <a:rPr lang="en-US" dirty="0"/>
-              <a:t>Introducing Generalizations and Help Functions</a:t>
-            </a:r>
-          </a:p>
-        </p:txBody>
-      </p:sp>
-      <p:sp>
-        <p:nvSpPr>
-          <p:cNvPr id="3" name="Content Placeholder 2"/>
-          <p:cNvSpPr>
-            <a:spLocks noGrp="1"/>
-          </p:cNvSpPr>
-          <p:nvPr>
-            <p:ph idx="1"/>
-          </p:nvPr>
-        </p:nvSpPr>
-        <p:spPr/>
-        <p:txBody>
-          <a:bodyPr/>
-          <a:lstStyle/>
-          <a:p>
-            <a:r>
-              <a:rPr lang="en-US" dirty="0" smtClean="0"/>
-              <a:t>Introduce a generalization whenever you start to duplicate code.</a:t>
-            </a:r>
-          </a:p>
-          <a:p>
-            <a:pPr lvl="1"/>
-            <a:r>
-              <a:rPr lang="en-US" dirty="0"/>
-              <a:t>Any time you copy &amp; paste, look for a pattern.</a:t>
-            </a:r>
-          </a:p>
-          <a:p>
-            <a:pPr lvl="1"/>
-            <a:r>
-              <a:rPr lang="en-US" dirty="0"/>
-              <a:t>One is an exception; two is a coincidence; three is a </a:t>
-            </a:r>
-            <a:r>
-              <a:rPr lang="en-US" dirty="0" smtClean="0"/>
-              <a:t>pattern.</a:t>
-            </a:r>
-          </a:p>
-          <a:p>
-            <a:r>
-              <a:rPr lang="en-US" dirty="0" smtClean="0"/>
-              <a:t>But be sure to write good purpose statements for your generalization.</a:t>
-            </a:r>
-            <a:endParaRPr lang="en-US" dirty="0"/>
-          </a:p>
-        </p:txBody>
-      </p:sp>
-      <p:sp>
-        <p:nvSpPr>
-          <p:cNvPr id="5" name="Slide Number Placeholder 4"/>
-          <p:cNvSpPr>
-            <a:spLocks noGrp="1"/>
-          </p:cNvSpPr>
-          <p:nvPr>
-            <p:ph type="sldNum" sz="quarter" idx="12"/>
-          </p:nvPr>
-        </p:nvSpPr>
-        <p:spPr/>
-        <p:txBody>
-          <a:bodyPr/>
-          <a:lstStyle/>
-          <a:p>
-            <a:fld id="{B6F15528-21DE-4FAA-801E-634DDDAF4B2B}" type="slidenum">
-              <a:rPr lang="en-US" smtClean="0"/>
-              <a:pPr/>
-              <a:t>27</a:t>
-            </a:fld>
-            <a:endParaRPr lang="en-US"/>
-          </a:p>
-        </p:txBody>
-      </p:sp>
-      <p:sp>
-        <p:nvSpPr>
-          <p:cNvPr id="4" name="Rectangle 3"/>
-          <p:cNvSpPr/>
-          <p:nvPr/>
-        </p:nvSpPr>
-        <p:spPr>
-          <a:xfrm>
-            <a:off x="4343400" y="5257800"/>
-            <a:ext cx="4343400" cy="1143000"/>
-          </a:xfrm>
-          <a:prstGeom prst="rect">
-            <a:avLst/>
-          </a:prstGeom>
-          <a:solidFill>
-            <a:schemeClr val="accent3">
-              <a:lumMod val="40000"/>
-              <a:lumOff val="60000"/>
-            </a:schemeClr>
-          </a:solidFill>
-          <a:ln/>
-        </p:spPr>
-        <p:style>
-          <a:lnRef idx="2">
-            <a:schemeClr val="accent1"/>
-          </a:lnRef>
-          <a:fillRef idx="1">
-            <a:schemeClr val="lt1"/>
-          </a:fillRef>
-          <a:effectRef idx="0">
-            <a:schemeClr val="accent1"/>
-          </a:effectRef>
-          <a:fontRef idx="minor">
-            <a:schemeClr val="dk1"/>
-          </a:fontRef>
-        </p:style>
-        <p:txBody>
-          <a:bodyPr rot="0" spcFirstLastPara="0" vertOverflow="overflow" horzOverflow="overflow" vert="horz" wrap="square" lIns="91440" tIns="45720" rIns="91440" bIns="45720" numCol="1" spcCol="0" rtlCol="0" fromWordArt="0" anchor="ctr" anchorCtr="0" forceAA="0" compatLnSpc="1">
-            <a:prstTxWarp prst="textNoShape">
-              <a:avLst/>
-            </a:prstTxWarp>
-            <a:noAutofit/>
-          </a:bodyPr>
-          <a:lstStyle/>
-          <a:p>
-            <a:r>
-              <a:rPr lang="en-US" dirty="0" smtClean="0">
-                <a:solidFill>
-                  <a:schemeClr val="tx1"/>
-                </a:solidFill>
-              </a:rPr>
-              <a:t>It's OK to copy &amp; paste for a while until you see the pattern.   But be sure to replace them all with good generalizations.  Your testers and maintainers will thank you.</a:t>
-            </a:r>
-          </a:p>
-        </p:txBody>
-      </p:sp>
-    </p:spTree>
-    <p:extLst>
-      <p:ext uri="{BB962C8B-B14F-4D97-AF65-F5344CB8AC3E}">
-        <p14:creationId xmlns:p14="http://schemas.microsoft.com/office/powerpoint/2010/main" val="3301069967"/>
-      </p:ext>
-    </p:extLst>
-  </p:cSld>
-  <p:clrMapOvr>
-    <a:masterClrMapping/>
-  </p:clrMapOvr>
-  <p:timing>
-    <p:tnLst>
-      <p:par>
-        <p:cTn id="1" dur="indefinite" restart="never" nodeType="tmRoot"/>
-      </p:par>
-    </p:tnLst>
-  </p:timing>
-</p:sld>
-</file>
-
-<file path=ppt/slides/slide28.xml><?xml version="1.0" encoding="utf-8"?>
-<p:sld xmlns:a="http://schemas.openxmlformats.org/drawingml/2006/main" xmlns:r="http://schemas.openxmlformats.org/officeDocument/2006/relationships" xmlns:p="http://schemas.openxmlformats.org/presentationml/2006/main">
-  <p:cSld>
-    <p:spTree>
-      <p:nvGrpSpPr>
-        <p:cNvPr id="1" name=""/>
-        <p:cNvGrpSpPr/>
-        <p:nvPr/>
-      </p:nvGrpSpPr>
-      <p:grpSpPr>
-        <a:xfrm>
-          <a:off x="0" y="0"/>
-          <a:ext cx="0" cy="0"/>
-          <a:chOff x="0" y="0"/>
-          <a:chExt cx="0" cy="0"/>
-        </a:xfrm>
-      </p:grpSpPr>
-      <p:sp>
-        <p:nvSpPr>
-          <p:cNvPr id="2" name="Title 1"/>
-          <p:cNvSpPr>
-            <a:spLocks noGrp="1"/>
-          </p:cNvSpPr>
-          <p:nvPr>
-            <p:ph type="title"/>
-          </p:nvPr>
-        </p:nvSpPr>
-        <p:spPr/>
-        <p:txBody>
-          <a:bodyPr/>
-          <a:lstStyle/>
-          <a:p>
-            <a:r>
-              <a:rPr lang="en-US" dirty="0" smtClean="0"/>
-              <a:t>Design, then abstract</a:t>
-            </a:r>
-            <a:endParaRPr lang="en-US" dirty="0"/>
-          </a:p>
-        </p:txBody>
-      </p:sp>
-      <p:sp>
-        <p:nvSpPr>
-          <p:cNvPr id="3" name="Content Placeholder 2"/>
-          <p:cNvSpPr>
-            <a:spLocks noGrp="1"/>
-          </p:cNvSpPr>
-          <p:nvPr>
-            <p:ph idx="1"/>
-          </p:nvPr>
-        </p:nvSpPr>
-        <p:spPr/>
-        <p:txBody>
-          <a:bodyPr>
-            <a:normAutofit/>
-          </a:bodyPr>
-          <a:lstStyle/>
-          <a:p>
-            <a:r>
-              <a:rPr lang="en-US" dirty="0" smtClean="0"/>
-              <a:t>Use built-in abstractions whenever possible:</a:t>
-            </a:r>
-          </a:p>
-          <a:p>
-            <a:pPr lvl="1"/>
-            <a:r>
-              <a:rPr lang="en-US" dirty="0" smtClean="0"/>
-              <a:t> map, fold, filter, for-each   </a:t>
-            </a:r>
-            <a:r>
-              <a:rPr lang="en-US" i="1" dirty="0" smtClean="0"/>
-              <a:t>--- BUT:</a:t>
-            </a:r>
-          </a:p>
-          <a:p>
-            <a:r>
-              <a:rPr lang="en-US" dirty="0" smtClean="0"/>
-              <a:t>Don't use these unless you are confident in their use.</a:t>
-            </a:r>
-          </a:p>
-          <a:p>
-            <a:r>
-              <a:rPr lang="en-US" dirty="0" smtClean="0"/>
-              <a:t>Don’t reinvent the wheel.</a:t>
-            </a:r>
-          </a:p>
-          <a:p>
-            <a:pPr lvl="1"/>
-            <a:r>
-              <a:rPr lang="en-US" dirty="0" smtClean="0"/>
-              <a:t>Use other people’s code, libraries, etc. whenever possible (and legal).</a:t>
-            </a:r>
-          </a:p>
-          <a:p>
-            <a:pPr lvl="1"/>
-            <a:r>
-              <a:rPr lang="en-US" dirty="0" smtClean="0"/>
-              <a:t>You aren’t (or shouldn’t be) paid by the line!</a:t>
-            </a:r>
-            <a:endParaRPr lang="en-US" dirty="0"/>
-          </a:p>
-        </p:txBody>
-      </p:sp>
-      <p:sp>
-        <p:nvSpPr>
-          <p:cNvPr id="4" name="Slide Number Placeholder 3"/>
-          <p:cNvSpPr>
-            <a:spLocks noGrp="1"/>
-          </p:cNvSpPr>
-          <p:nvPr>
-            <p:ph type="sldNum" sz="quarter" idx="12"/>
-          </p:nvPr>
-        </p:nvSpPr>
-        <p:spPr/>
-        <p:txBody>
-          <a:bodyPr/>
-          <a:lstStyle/>
-          <a:p>
-            <a:fld id="{B6F15528-21DE-4FAA-801E-634DDDAF4B2B}" type="slidenum">
-              <a:rPr lang="en-US" smtClean="0"/>
-              <a:pPr/>
-              <a:t>28</a:t>
-            </a:fld>
-            <a:endParaRPr lang="en-US"/>
-          </a:p>
-        </p:txBody>
-      </p:sp>
-    </p:spTree>
-  </p:cSld>
-  <p:clrMapOvr>
-    <a:masterClrMapping/>
-  </p:clrMapOvr>
-  <p:timing>
-    <p:tnLst>
-      <p:par>
-        <p:cTn id="1" dur="indefinite" restart="never" nodeType="tmRoot"/>
-      </p:par>
-    </p:tnLst>
-  </p:timing>
-</p:sld>
-</file>
-
-<file path=ppt/slides/slide29.xml><?xml version="1.0" encoding="utf-8"?>
-<p:sld xmlns:a="http://schemas.openxmlformats.org/drawingml/2006/main" xmlns:r="http://schemas.openxmlformats.org/officeDocument/2006/relationships" xmlns:p="http://schemas.openxmlformats.org/presentationml/2006/main">
-  <p:cSld>
-    <p:spTree>
-      <p:nvGrpSpPr>
-        <p:cNvPr id="1" name=""/>
-        <p:cNvGrpSpPr/>
-        <p:nvPr/>
-      </p:nvGrpSpPr>
-      <p:grpSpPr>
-        <a:xfrm>
-          <a:off x="0" y="0"/>
-          <a:ext cx="0" cy="0"/>
-          <a:chOff x="0" y="0"/>
-          <a:chExt cx="0" cy="0"/>
-        </a:xfrm>
-      </p:grpSpPr>
-      <p:sp>
-        <p:nvSpPr>
-          <p:cNvPr id="2" name="Title 1"/>
-          <p:cNvSpPr>
-            <a:spLocks noGrp="1"/>
-          </p:cNvSpPr>
-          <p:nvPr>
-            <p:ph type="title"/>
-          </p:nvPr>
-        </p:nvSpPr>
-        <p:spPr/>
-        <p:txBody>
-          <a:bodyPr/>
-          <a:lstStyle/>
-          <a:p>
-            <a:r>
-              <a:rPr lang="en-US" dirty="0" smtClean="0"/>
-              <a:t>Invariants (1)</a:t>
-            </a:r>
-            <a:endParaRPr lang="en-US" dirty="0"/>
-          </a:p>
-        </p:txBody>
-      </p:sp>
-      <p:sp>
-        <p:nvSpPr>
-          <p:cNvPr id="3" name="Content Placeholder 2"/>
-          <p:cNvSpPr>
-            <a:spLocks noGrp="1"/>
-          </p:cNvSpPr>
-          <p:nvPr>
-            <p:ph idx="1"/>
-          </p:nvPr>
-        </p:nvSpPr>
-        <p:spPr/>
-        <p:txBody>
-          <a:bodyPr>
-            <a:normAutofit lnSpcReduction="10000"/>
-          </a:bodyPr>
-          <a:lstStyle/>
-          <a:p>
-            <a:r>
-              <a:rPr lang="en-US" dirty="0" smtClean="0"/>
-              <a:t>Your function may need to rely on information that is not under its control</a:t>
-            </a:r>
-          </a:p>
-          <a:p>
-            <a:pPr lvl="1"/>
-            <a:r>
-              <a:rPr lang="en-US" dirty="0" err="1" smtClean="0"/>
-              <a:t>eg</a:t>
-            </a:r>
-            <a:r>
-              <a:rPr lang="en-US" dirty="0" smtClean="0"/>
-              <a:t>: an inventory has at most one entry for any ISBN</a:t>
-            </a:r>
-          </a:p>
-          <a:p>
-            <a:pPr lvl="1"/>
-            <a:r>
-              <a:rPr lang="en-US" dirty="0" err="1" smtClean="0"/>
-              <a:t>eg</a:t>
-            </a:r>
-            <a:r>
-              <a:rPr lang="en-US" dirty="0" smtClean="0"/>
-              <a:t>: the rectangle is unselected</a:t>
-            </a:r>
-          </a:p>
-          <a:p>
-            <a:pPr lvl="1"/>
-            <a:r>
-              <a:rPr lang="en-US" dirty="0" err="1" smtClean="0"/>
-              <a:t>eg</a:t>
-            </a:r>
-            <a:r>
-              <a:rPr lang="en-US" dirty="0" smtClean="0"/>
-              <a:t>: k = (length </a:t>
-            </a:r>
-            <a:r>
-              <a:rPr lang="en-US" dirty="0" err="1" smtClean="0"/>
-              <a:t>lst</a:t>
-            </a:r>
-            <a:r>
-              <a:rPr lang="en-US" dirty="0" smtClean="0"/>
-              <a:t>)</a:t>
-            </a:r>
-          </a:p>
-          <a:p>
-            <a:pPr lvl="1"/>
-            <a:r>
-              <a:rPr lang="en-US" dirty="0" err="1" smtClean="0"/>
-              <a:t>eg</a:t>
-            </a:r>
-            <a:r>
-              <a:rPr lang="en-US" dirty="0" smtClean="0"/>
-              <a:t>: u = (z+1)^2</a:t>
-            </a:r>
-          </a:p>
-          <a:p>
-            <a:r>
-              <a:rPr lang="en-US" dirty="0" smtClean="0"/>
-              <a:t>Record this assumption as an invariant (WHERE clause).</a:t>
-            </a:r>
-          </a:p>
-          <a:p>
-            <a:pPr marL="0" indent="0">
-              <a:buNone/>
-            </a:pPr>
-            <a:endParaRPr lang="en-US" dirty="0"/>
-          </a:p>
-        </p:txBody>
-      </p:sp>
-      <p:sp>
-        <p:nvSpPr>
-          <p:cNvPr id="4" name="Slide Number Placeholder 3"/>
-          <p:cNvSpPr>
-            <a:spLocks noGrp="1"/>
-          </p:cNvSpPr>
-          <p:nvPr>
-            <p:ph type="sldNum" sz="quarter" idx="12"/>
-          </p:nvPr>
-        </p:nvSpPr>
-        <p:spPr/>
-        <p:txBody>
-          <a:bodyPr/>
-          <a:lstStyle/>
-          <a:p>
-            <a:fld id="{346758FD-9459-475D-B659-88EF3272DA05}" type="slidenum">
-              <a:rPr lang="en-US" smtClean="0"/>
-              <a:t>29</a:t>
-            </a:fld>
-            <a:endParaRPr lang="en-US"/>
-          </a:p>
-        </p:txBody>
-      </p:sp>
-    </p:spTree>
-    <p:extLst>
-      <p:ext uri="{BB962C8B-B14F-4D97-AF65-F5344CB8AC3E}">
-        <p14:creationId xmlns:p14="http://schemas.microsoft.com/office/powerpoint/2010/main" val="1261999785"/>
-      </p:ext>
-    </p:extLst>
-  </p:cSld>
-  <p:clrMapOvr>
-    <a:masterClrMapping/>
-  </p:clrMapOvr>
-  <p:timing>
-    <p:tnLst>
-      <p:par>
-        <p:cTn id="1" dur="indefinite" restart="never" nodeType="tmRoot"/>
-      </p:par>
-    </p:tnLst>
-  </p:timing>
-</p:sld>
-</file>
-
-<file path=ppt/slides/slide3.xml><?xml version="1.0" encoding="utf-8"?>
+<file path=ppt/slides/slide2.xml><?xml version="1.0" encoding="utf-8"?>
 <p:sld xmlns:a="http://schemas.openxmlformats.org/drawingml/2006/main" xmlns:r="http://schemas.openxmlformats.org/officeDocument/2006/relationships" xmlns:p="http://schemas.openxmlformats.org/presentationml/2006/main">
   <p:cSld>
     <p:spTree>
@@ -14660,7 +11499,7 @@
           <a:p>
             <a:fld id="{2AF3B5EA-18B6-4040-9F78-6052AF49C681}" type="slidenum">
               <a:rPr lang="en-US" smtClean="0"/>
-              <a:t>3</a:t>
+              <a:t>2</a:t>
             </a:fld>
             <a:endParaRPr lang="en-US"/>
           </a:p>
@@ -15171,16 +12010,183 @@
           </a:fontRef>
         </p:style>
       </p:cxnSp>
-      <p:sp>
-        <p:nvSpPr>
-          <p:cNvPr id="45" name="TextBox 44"/>
-          <p:cNvSpPr txBox="1"/>
+    </p:spTree>
+    <p:extLst>
+      <p:ext uri="{BB962C8B-B14F-4D97-AF65-F5344CB8AC3E}">
+        <p14:creationId xmlns:p14="http://schemas.microsoft.com/office/powerpoint/2010/main" val="850044956"/>
+      </p:ext>
+    </p:extLst>
+  </p:cSld>
+  <p:clrMapOvr>
+    <a:masterClrMapping/>
+  </p:clrMapOvr>
+  <p:timing>
+    <p:tnLst>
+      <p:par>
+        <p:cTn id="1" dur="indefinite" restart="never" nodeType="tmRoot"/>
+      </p:par>
+    </p:tnLst>
+  </p:timing>
+</p:sld>
+</file>
+
+<file path=ppt/slides/slide20.xml><?xml version="1.0" encoding="utf-8"?>
+<p:sld xmlns:a="http://schemas.openxmlformats.org/drawingml/2006/main" xmlns:r="http://schemas.openxmlformats.org/officeDocument/2006/relationships" xmlns:p="http://schemas.openxmlformats.org/presentationml/2006/main">
+  <p:cSld>
+    <p:spTree>
+      <p:nvGrpSpPr>
+        <p:cNvPr id="1" name=""/>
+        <p:cNvGrpSpPr/>
+        <p:nvPr/>
+      </p:nvGrpSpPr>
+      <p:grpSpPr>
+        <a:xfrm>
+          <a:off x="0" y="0"/>
+          <a:ext cx="0" cy="0"/>
+          <a:chOff x="0" y="0"/>
+          <a:chExt cx="0" cy="0"/>
+        </a:xfrm>
+      </p:grpSpPr>
+      <p:sp>
+        <p:nvSpPr>
+          <p:cNvPr id="2" name="Title 1"/>
+          <p:cNvSpPr>
+            <a:spLocks noGrp="1"/>
+          </p:cNvSpPr>
+          <p:nvPr>
+            <p:ph type="title"/>
+          </p:nvPr>
+        </p:nvSpPr>
+        <p:spPr/>
+        <p:txBody>
+          <a:bodyPr/>
+          <a:lstStyle/>
+          <a:p>
+            <a:r>
+              <a:rPr lang="en-US" dirty="0" smtClean="0"/>
+              <a:t>Finding the </a:t>
+            </a:r>
+            <a:r>
+              <a:rPr lang="en-US" dirty="0" err="1"/>
+              <a:t>S</a:t>
+            </a:r>
+            <a:r>
+              <a:rPr lang="en-US" dirty="0" err="1" smtClean="0"/>
+              <a:t>ubproblems</a:t>
+            </a:r>
+            <a:endParaRPr lang="en-US" dirty="0"/>
+          </a:p>
+        </p:txBody>
+      </p:sp>
+      <p:sp>
+        <p:nvSpPr>
+          <p:cNvPr id="3" name="Content Placeholder 2"/>
+          <p:cNvSpPr>
+            <a:spLocks noGrp="1"/>
+          </p:cNvSpPr>
+          <p:nvPr>
+            <p:ph idx="1"/>
+          </p:nvPr>
+        </p:nvSpPr>
+        <p:spPr/>
+        <p:txBody>
+          <a:bodyPr>
+            <a:normAutofit fontScale="92500" lnSpcReduction="10000"/>
+          </a:bodyPr>
+          <a:lstStyle/>
+          <a:p>
+            <a:r>
+              <a:rPr lang="en-US" dirty="0" smtClean="0"/>
+              <a:t>Are there independent/sequential pieces?</a:t>
+            </a:r>
+            <a:endParaRPr lang="en-US" dirty="0" smtClean="0"/>
+          </a:p>
+          <a:p>
+            <a:pPr marL="342900" lvl="1" indent="-342900">
+              <a:buFont typeface="Arial" pitchFamily="34" charset="0"/>
+              <a:buChar char="•"/>
+            </a:pPr>
+            <a:r>
+              <a:rPr lang="en-US" sz="3200" dirty="0"/>
+              <a:t>Is your problem a special case of another problem that might be easier to solve?  If so, solve the more general problem, and then use </a:t>
+            </a:r>
+            <a:r>
+              <a:rPr lang="en-US" sz="3200" dirty="0" smtClean="0"/>
+              <a:t>generalization.</a:t>
+            </a:r>
+          </a:p>
+          <a:p>
+            <a:r>
+              <a:rPr lang="en-US" dirty="0" smtClean="0"/>
+              <a:t>Otherwise, find one or more simpler instances of same problem</a:t>
+            </a:r>
+            <a:r>
+              <a:rPr lang="en-US" dirty="0" smtClean="0"/>
+              <a:t>:</a:t>
+            </a:r>
+          </a:p>
+          <a:p>
+            <a:pPr lvl="1"/>
+            <a:r>
+              <a:rPr lang="en-US" dirty="0" smtClean="0"/>
+              <a:t>Is </a:t>
+            </a:r>
+            <a:r>
+              <a:rPr lang="en-US" dirty="0" smtClean="0"/>
+              <a:t>the input a list?  If so, consider using a HOF.</a:t>
+            </a:r>
+          </a:p>
+          <a:p>
+            <a:pPr lvl="1"/>
+            <a:r>
+              <a:rPr lang="en-US" dirty="0" smtClean="0"/>
+              <a:t>Can you recur on a substructure?</a:t>
+            </a:r>
+            <a:endParaRPr lang="en-US" dirty="0" smtClean="0"/>
+          </a:p>
+          <a:p>
+            <a:pPr lvl="1"/>
+            <a:r>
+              <a:rPr lang="en-US" dirty="0" smtClean="0"/>
+              <a:t>Otherwise, use general recursion.</a:t>
+            </a:r>
+            <a:endParaRPr lang="en-US" dirty="0"/>
+          </a:p>
+        </p:txBody>
+      </p:sp>
+      <p:sp>
+        <p:nvSpPr>
+          <p:cNvPr id="4" name="Slide Number Placeholder 3"/>
+          <p:cNvSpPr>
+            <a:spLocks noGrp="1"/>
+          </p:cNvSpPr>
+          <p:nvPr>
+            <p:ph type="sldNum" sz="quarter" idx="12"/>
+          </p:nvPr>
+        </p:nvSpPr>
+        <p:spPr/>
+        <p:txBody>
+          <a:bodyPr/>
+          <a:lstStyle/>
+          <a:p>
+            <a:fld id="{346758FD-9459-475D-B659-88EF3272DA05}" type="slidenum">
+              <a:rPr lang="en-US" smtClean="0"/>
+              <a:t>20</a:t>
+            </a:fld>
+            <a:endParaRPr lang="en-US"/>
+          </a:p>
+        </p:txBody>
+      </p:sp>
+      <p:sp>
+        <p:nvSpPr>
+          <p:cNvPr id="5" name="Rectangle 4"/>
+          <p:cNvSpPr/>
           <p:nvPr/>
         </p:nvSpPr>
         <p:spPr>
           <a:xfrm>
-            <a:off x="1828800" y="6299893"/>
-            <a:ext cx="5715000" cy="555065"/>
+            <a:off x="6019800" y="5273675"/>
+            <a:ext cx="2971800" cy="1447800"/>
           </a:xfrm>
           <a:prstGeom prst="rect">
             <a:avLst/>
@@ -15214,79 +12220,15 @@
             </a:prstTxWarp>
             <a:noAutofit/>
           </a:bodyPr>
-          <a:lstStyle>
-            <a:defPPr>
-              <a:defRPr lang="en-US"/>
-            </a:defPPr>
-            <a:lvl2pPr>
-              <a:defRPr>
+          <a:lstStyle/>
+          <a:p>
+            <a:r>
+              <a:rPr lang="en-US" sz="2000" dirty="0" smtClean="0">
                 <a:solidFill>
-                  <a:schemeClr val="dk1"/>
+                  <a:schemeClr val="tx1"/>
                 </a:solidFill>
-              </a:defRPr>
-            </a:lvl2pPr>
-            <a:lvl3pPr>
-              <a:defRPr>
-                <a:solidFill>
-                  <a:schemeClr val="dk1"/>
-                </a:solidFill>
-              </a:defRPr>
-            </a:lvl3pPr>
-            <a:lvl4pPr>
-              <a:defRPr>
-                <a:solidFill>
-                  <a:schemeClr val="dk1"/>
-                </a:solidFill>
-              </a:defRPr>
-            </a:lvl4pPr>
-            <a:lvl5pPr>
-              <a:defRPr>
-                <a:solidFill>
-                  <a:schemeClr val="dk1"/>
-                </a:solidFill>
-              </a:defRPr>
-            </a:lvl5pPr>
-            <a:lvl6pPr>
-              <a:defRPr>
-                <a:solidFill>
-                  <a:schemeClr val="dk1"/>
-                </a:solidFill>
-              </a:defRPr>
-            </a:lvl6pPr>
-            <a:lvl7pPr>
-              <a:defRPr>
-                <a:solidFill>
-                  <a:schemeClr val="dk1"/>
-                </a:solidFill>
-              </a:defRPr>
-            </a:lvl7pPr>
-            <a:lvl8pPr>
-              <a:defRPr>
-                <a:solidFill>
-                  <a:schemeClr val="dk1"/>
-                </a:solidFill>
-              </a:defRPr>
-            </a:lvl8pPr>
-            <a:lvl9pPr>
-              <a:defRPr>
-                <a:solidFill>
-                  <a:schemeClr val="dk1"/>
-                </a:solidFill>
-              </a:defRPr>
-            </a:lvl9pPr>
-          </a:lstStyle>
-          <a:p>
-            <a:r>
-              <a:rPr lang="en-US" sz="1200" dirty="0"/>
-              <a:t>The dark boxes indicate topics that were the major focus of one more lessons; the lighter </a:t>
-            </a:r>
-            <a:r>
-              <a:rPr lang="en-US" sz="1200" dirty="0" smtClean="0"/>
-              <a:t>boxes </a:t>
-            </a:r>
-            <a:r>
-              <a:rPr lang="en-US" sz="1200" dirty="0"/>
-              <a:t>indicate topics that we mentioned in passing but didn’t cover in detail.</a:t>
+              </a:rPr>
+              <a:t>You've been doing this all term, so you probably know this.  But it's worth writing down anyway.</a:t>
             </a:r>
           </a:p>
         </p:txBody>
@@ -15294,7 +12236,7 @@
     </p:spTree>
     <p:extLst>
       <p:ext uri="{BB962C8B-B14F-4D97-AF65-F5344CB8AC3E}">
-        <p14:creationId xmlns:p14="http://schemas.microsoft.com/office/powerpoint/2010/main" val="850044956"/>
+        <p14:creationId xmlns:p14="http://schemas.microsoft.com/office/powerpoint/2010/main" val="2403412634"/>
       </p:ext>
     </p:extLst>
   </p:cSld>
@@ -15311,7 +12253,7 @@
 </p:sld>
 </file>
 
-<file path=ppt/slides/slide30.xml><?xml version="1.0" encoding="utf-8"?>
+<file path=ppt/slides/slide21.xml><?xml version="1.0" encoding="utf-8"?>
 <p:sld xmlns:a="http://schemas.openxmlformats.org/drawingml/2006/main" xmlns:r="http://schemas.openxmlformats.org/officeDocument/2006/relationships" xmlns:p="http://schemas.openxmlformats.org/presentationml/2006/main">
   <p:cSld>
     <p:spTree>
@@ -15340,37 +12282,67 @@
         </p:nvSpPr>
         <p:spPr/>
         <p:txBody>
-          <a:bodyPr/>
-          <a:lstStyle/>
-          <a:p>
+          <a:bodyPr>
+            <a:normAutofit fontScale="90000"/>
+          </a:bodyPr>
+          <a:lstStyle/>
+          <a:p>
+            <a:r>
+              <a:rPr lang="en-US" dirty="0"/>
+              <a:t>Use Invariants to Limit Your Function's Responsibility</a:t>
+            </a:r>
+            <a:endParaRPr lang="en-US" dirty="0"/>
+          </a:p>
+        </p:txBody>
+      </p:sp>
+      <p:sp>
+        <p:nvSpPr>
+          <p:cNvPr id="3" name="Content Placeholder 2"/>
+          <p:cNvSpPr>
+            <a:spLocks noGrp="1"/>
+          </p:cNvSpPr>
+          <p:nvPr>
+            <p:ph idx="1"/>
+          </p:nvPr>
+        </p:nvSpPr>
+        <p:spPr/>
+        <p:txBody>
+          <a:bodyPr>
+            <a:normAutofit fontScale="85000" lnSpcReduction="20000"/>
+          </a:bodyPr>
+          <a:lstStyle/>
+          <a:p>
+            <a:r>
+              <a:rPr lang="en-US" dirty="0"/>
+              <a:t>Your function may need to rely on information that is not under its </a:t>
+            </a:r>
             <a:r>
               <a:rPr lang="en-US" dirty="0" smtClean="0"/>
-              <a:t>Invariants (2)</a:t>
-            </a:r>
-            <a:endParaRPr lang="en-US" dirty="0"/>
-          </a:p>
-        </p:txBody>
-      </p:sp>
-      <p:sp>
-        <p:nvSpPr>
-          <p:cNvPr id="3" name="Content Placeholder 2"/>
-          <p:cNvSpPr>
-            <a:spLocks noGrp="1"/>
-          </p:cNvSpPr>
-          <p:nvPr>
-            <p:ph idx="1"/>
-          </p:nvPr>
-        </p:nvSpPr>
-        <p:spPr/>
-        <p:txBody>
-          <a:bodyPr>
-            <a:normAutofit fontScale="92500" lnSpcReduction="10000"/>
-          </a:bodyPr>
-          <a:lstStyle/>
+              <a:t>control</a:t>
+            </a:r>
+          </a:p>
+          <a:p>
+            <a:r>
+              <a:rPr lang="en-US" dirty="0"/>
+              <a:t>Record this assumption as an invariant (</a:t>
+            </a:r>
+            <a:r>
+              <a:rPr lang="en-US" b="1" dirty="0"/>
+              <a:t>WHERE</a:t>
+            </a:r>
+            <a:r>
+              <a:rPr lang="en-US" dirty="0"/>
+              <a:t> clause).</a:t>
+            </a:r>
+          </a:p>
           <a:p>
             <a:r>
               <a:rPr lang="en-US" dirty="0" smtClean="0"/>
-              <a:t>If your contract is </a:t>
+              <a:t>If </a:t>
+            </a:r>
+            <a:r>
+              <a:rPr lang="en-US" dirty="0" smtClean="0"/>
+              <a:t>your contract is </a:t>
             </a:r>
             <a:r>
               <a:rPr lang="en-US" b="1" dirty="0" smtClean="0"/>
@@ -15392,7 +12364,11 @@
           <a:p>
             <a:r>
               <a:rPr lang="en-US" dirty="0" smtClean="0"/>
-              <a:t>An invariant (</a:t>
+              <a:t>If </a:t>
+            </a:r>
+            <a:r>
+              <a:rPr lang="en-US" dirty="0" smtClean="0"/>
+              <a:t>you have a </a:t>
             </a:r>
             <a:r>
               <a:rPr lang="en-US" b="1" dirty="0" smtClean="0"/>
@@ -15400,20 +12376,6 @@
             </a:r>
             <a:r>
               <a:rPr lang="en-US" dirty="0" smtClean="0"/>
-              <a:t> clause) limits the function’s responsibility.</a:t>
-            </a:r>
-          </a:p>
-          <a:p>
-            <a:r>
-              <a:rPr lang="en-US" dirty="0" smtClean="0"/>
-              <a:t>If you have a </a:t>
-            </a:r>
-            <a:r>
-              <a:rPr lang="en-US" b="1" dirty="0" smtClean="0"/>
-              <a:t>WHERE</a:t>
-            </a:r>
-            <a:r>
-              <a:rPr lang="en-US" dirty="0" smtClean="0"/>
               <a:t> clause, the function is only responsible for giving the right answer for inputs that satisfy the invariant.</a:t>
             </a:r>
           </a:p>
@@ -15447,7 +12409,7 @@
           <a:p>
             <a:fld id="{2AF3B5EA-18B6-4040-9F78-6052AF49C681}" type="slidenum">
               <a:rPr lang="en-US" smtClean="0"/>
-              <a:t>30</a:t>
+              <a:t>21</a:t>
             </a:fld>
             <a:endParaRPr lang="en-US"/>
           </a:p>
@@ -15473,7 +12435,7 @@
 </p:sld>
 </file>
 
-<file path=ppt/slides/slide31.xml><?xml version="1.0" encoding="utf-8"?>
+<file path=ppt/slides/slide22.xml><?xml version="1.0" encoding="utf-8"?>
 <p:sld xmlns:a="http://schemas.openxmlformats.org/drawingml/2006/main" xmlns:r="http://schemas.openxmlformats.org/officeDocument/2006/relationships" xmlns:p="http://schemas.openxmlformats.org/presentationml/2006/main">
   <p:cSld>
     <p:spTree>
@@ -15501,6 +12463,268 @@
           </p:nvPr>
         </p:nvSpPr>
         <p:spPr/>
+        <p:txBody>
+          <a:bodyPr>
+            <a:normAutofit/>
+          </a:bodyPr>
+          <a:lstStyle/>
+          <a:p>
+            <a:r>
+              <a:rPr lang="en-US" dirty="0" smtClean="0"/>
+              <a:t>Don't Repeat Yourself</a:t>
+            </a:r>
+            <a:endParaRPr lang="en-US" dirty="0"/>
+          </a:p>
+        </p:txBody>
+      </p:sp>
+      <p:sp>
+        <p:nvSpPr>
+          <p:cNvPr id="3" name="Content Placeholder 2"/>
+          <p:cNvSpPr>
+            <a:spLocks noGrp="1"/>
+          </p:cNvSpPr>
+          <p:nvPr>
+            <p:ph idx="1"/>
+          </p:nvPr>
+        </p:nvSpPr>
+        <p:spPr/>
+        <p:txBody>
+          <a:bodyPr>
+            <a:normAutofit fontScale="92500" lnSpcReduction="20000"/>
+          </a:bodyPr>
+          <a:lstStyle/>
+          <a:p>
+            <a:r>
+              <a:rPr lang="en-US" dirty="0" smtClean="0"/>
+              <a:t>Introduce a generalization whenever you start to duplicate code.</a:t>
+            </a:r>
+          </a:p>
+          <a:p>
+            <a:pPr lvl="1"/>
+            <a:r>
+              <a:rPr lang="en-US" dirty="0"/>
+              <a:t>Any time you copy &amp; paste, look for a pattern.</a:t>
+            </a:r>
+          </a:p>
+          <a:p>
+            <a:pPr lvl="1"/>
+            <a:r>
+              <a:rPr lang="en-US" dirty="0"/>
+              <a:t>One is an exception; two is a coincidence; three is a </a:t>
+            </a:r>
+            <a:r>
+              <a:rPr lang="en-US" dirty="0" smtClean="0"/>
+              <a:t>pattern</a:t>
+            </a:r>
+            <a:r>
+              <a:rPr lang="en-US" dirty="0" smtClean="0"/>
+              <a:t>.</a:t>
+            </a:r>
+          </a:p>
+          <a:p>
+            <a:r>
+              <a:rPr lang="en-US" dirty="0" smtClean="0"/>
+              <a:t>But don't generalize until you know what the pattern is.</a:t>
+            </a:r>
+          </a:p>
+          <a:p>
+            <a:pPr lvl="1"/>
+            <a:r>
+              <a:rPr lang="en-US" dirty="0"/>
+              <a:t>It's OK to copy &amp; paste for a while until you see the pattern.   But be sure to replace them all with good generalizations.  Your testers and maintainers will thank you.</a:t>
+            </a:r>
+          </a:p>
+          <a:p>
+            <a:endParaRPr lang="en-US" dirty="0" smtClean="0"/>
+          </a:p>
+        </p:txBody>
+      </p:sp>
+      <p:sp>
+        <p:nvSpPr>
+          <p:cNvPr id="5" name="Slide Number Placeholder 4"/>
+          <p:cNvSpPr>
+            <a:spLocks noGrp="1"/>
+          </p:cNvSpPr>
+          <p:nvPr>
+            <p:ph type="sldNum" sz="quarter" idx="12"/>
+          </p:nvPr>
+        </p:nvSpPr>
+        <p:spPr/>
+        <p:txBody>
+          <a:bodyPr/>
+          <a:lstStyle/>
+          <a:p>
+            <a:fld id="{B6F15528-21DE-4FAA-801E-634DDDAF4B2B}" type="slidenum">
+              <a:rPr lang="en-US" smtClean="0"/>
+              <a:pPr/>
+              <a:t>22</a:t>
+            </a:fld>
+            <a:endParaRPr lang="en-US"/>
+          </a:p>
+        </p:txBody>
+      </p:sp>
+    </p:spTree>
+    <p:extLst>
+      <p:ext uri="{BB962C8B-B14F-4D97-AF65-F5344CB8AC3E}">
+        <p14:creationId xmlns:p14="http://schemas.microsoft.com/office/powerpoint/2010/main" val="3301069967"/>
+      </p:ext>
+    </p:extLst>
+  </p:cSld>
+  <p:clrMapOvr>
+    <a:masterClrMapping/>
+  </p:clrMapOvr>
+  <p:timing>
+    <p:tnLst>
+      <p:par>
+        <p:cTn id="1" dur="indefinite" restart="never" nodeType="tmRoot"/>
+      </p:par>
+    </p:tnLst>
+  </p:timing>
+</p:sld>
+</file>
+
+<file path=ppt/slides/slide23.xml><?xml version="1.0" encoding="utf-8"?>
+<p:sld xmlns:a="http://schemas.openxmlformats.org/drawingml/2006/main" xmlns:r="http://schemas.openxmlformats.org/officeDocument/2006/relationships" xmlns:p="http://schemas.openxmlformats.org/presentationml/2006/main">
+  <p:cSld>
+    <p:spTree>
+      <p:nvGrpSpPr>
+        <p:cNvPr id="1" name=""/>
+        <p:cNvGrpSpPr/>
+        <p:nvPr/>
+      </p:nvGrpSpPr>
+      <p:grpSpPr>
+        <a:xfrm>
+          <a:off x="0" y="0"/>
+          <a:ext cx="0" cy="0"/>
+          <a:chOff x="0" y="0"/>
+          <a:chExt cx="0" cy="0"/>
+        </a:xfrm>
+      </p:grpSpPr>
+      <p:sp>
+        <p:nvSpPr>
+          <p:cNvPr id="2" name="Title 1"/>
+          <p:cNvSpPr>
+            <a:spLocks noGrp="1"/>
+          </p:cNvSpPr>
+          <p:nvPr>
+            <p:ph type="title"/>
+          </p:nvPr>
+        </p:nvSpPr>
+        <p:spPr/>
+        <p:txBody>
+          <a:bodyPr/>
+          <a:lstStyle/>
+          <a:p>
+            <a:r>
+              <a:rPr lang="en-US" dirty="0" smtClean="0"/>
+              <a:t>Don't Reinvent the Wheel</a:t>
+            </a:r>
+            <a:endParaRPr lang="en-US" dirty="0"/>
+          </a:p>
+        </p:txBody>
+      </p:sp>
+      <p:sp>
+        <p:nvSpPr>
+          <p:cNvPr id="3" name="Content Placeholder 2"/>
+          <p:cNvSpPr>
+            <a:spLocks noGrp="1"/>
+          </p:cNvSpPr>
+          <p:nvPr>
+            <p:ph idx="1"/>
+          </p:nvPr>
+        </p:nvSpPr>
+        <p:spPr/>
+        <p:txBody>
+          <a:bodyPr>
+            <a:normAutofit/>
+          </a:bodyPr>
+          <a:lstStyle/>
+          <a:p>
+            <a:r>
+              <a:rPr lang="en-US" dirty="0" smtClean="0"/>
+              <a:t>Use </a:t>
+            </a:r>
+            <a:r>
+              <a:rPr lang="en-US" dirty="0" smtClean="0"/>
+              <a:t>other people’s code, libraries, etc. whenever possible (and legal).</a:t>
+            </a:r>
+          </a:p>
+          <a:p>
+            <a:r>
+              <a:rPr lang="en-US" dirty="0" smtClean="0"/>
+              <a:t>You aren’t (or shouldn’t be) paid by the line!</a:t>
+            </a:r>
+            <a:endParaRPr lang="en-US" dirty="0"/>
+          </a:p>
+        </p:txBody>
+      </p:sp>
+      <p:sp>
+        <p:nvSpPr>
+          <p:cNvPr id="4" name="Slide Number Placeholder 3"/>
+          <p:cNvSpPr>
+            <a:spLocks noGrp="1"/>
+          </p:cNvSpPr>
+          <p:nvPr>
+            <p:ph type="sldNum" sz="quarter" idx="12"/>
+          </p:nvPr>
+        </p:nvSpPr>
+        <p:spPr/>
+        <p:txBody>
+          <a:bodyPr/>
+          <a:lstStyle/>
+          <a:p>
+            <a:fld id="{B6F15528-21DE-4FAA-801E-634DDDAF4B2B}" type="slidenum">
+              <a:rPr lang="en-US" smtClean="0"/>
+              <a:pPr/>
+              <a:t>23</a:t>
+            </a:fld>
+            <a:endParaRPr lang="en-US"/>
+          </a:p>
+        </p:txBody>
+      </p:sp>
+    </p:spTree>
+  </p:cSld>
+  <p:clrMapOvr>
+    <a:masterClrMapping/>
+  </p:clrMapOvr>
+  <p:timing>
+    <p:tnLst>
+      <p:par>
+        <p:cTn id="1" dur="indefinite" restart="never" nodeType="tmRoot"/>
+      </p:par>
+    </p:tnLst>
+  </p:timing>
+</p:sld>
+</file>
+
+<file path=ppt/slides/slide24.xml><?xml version="1.0" encoding="utf-8"?>
+<p:sld xmlns:a="http://schemas.openxmlformats.org/drawingml/2006/main" xmlns:r="http://schemas.openxmlformats.org/officeDocument/2006/relationships" xmlns:p="http://schemas.openxmlformats.org/presentationml/2006/main">
+  <p:cSld>
+    <p:spTree>
+      <p:nvGrpSpPr>
+        <p:cNvPr id="1" name=""/>
+        <p:cNvGrpSpPr/>
+        <p:nvPr/>
+      </p:nvGrpSpPr>
+      <p:grpSpPr>
+        <a:xfrm>
+          <a:off x="0" y="0"/>
+          <a:ext cx="0" cy="0"/>
+          <a:chOff x="0" y="0"/>
+          <a:chExt cx="0" cy="0"/>
+        </a:xfrm>
+      </p:grpSpPr>
+      <p:sp>
+        <p:nvSpPr>
+          <p:cNvPr id="2" name="Title 1"/>
+          <p:cNvSpPr>
+            <a:spLocks noGrp="1"/>
+          </p:cNvSpPr>
+          <p:nvPr>
+            <p:ph type="title"/>
+          </p:nvPr>
+        </p:nvSpPr>
+        <p:spPr/>
         <p:style>
           <a:lnRef idx="2">
             <a:schemeClr val="accent1"/>
@@ -15617,7 +12841,7 @@
             <a:fld id="{B6F15528-21DE-4FAA-801E-634DDDAF4B2B}" type="slidenum">
               <a:rPr lang="en-US" smtClean="0"/>
               <a:pPr/>
-              <a:t>31</a:t>
+              <a:t>24</a:t>
             </a:fld>
             <a:endParaRPr lang="en-US"/>
           </a:p>
@@ -15643,7 +12867,7 @@
 </p:sld>
 </file>
 
-<file path=ppt/slides/slide32.xml><?xml version="1.0" encoding="utf-8"?>
+<file path=ppt/slides/slide25.xml><?xml version="1.0" encoding="utf-8"?>
 <p:sld xmlns:a="http://schemas.openxmlformats.org/drawingml/2006/main" xmlns:r="http://schemas.openxmlformats.org/officeDocument/2006/relationships" xmlns:p="http://schemas.openxmlformats.org/presentationml/2006/main">
   <p:cSld>
     <p:spTree>
@@ -15671,254 +12895,6 @@
           </p:nvPr>
         </p:nvSpPr>
         <p:spPr/>
-        <p:txBody>
-          <a:bodyPr/>
-          <a:lstStyle/>
-          <a:p>
-            <a:r>
-              <a:rPr lang="en-US" dirty="0" smtClean="0"/>
-              <a:t>Start from the top</a:t>
-            </a:r>
-            <a:endParaRPr lang="en-US" dirty="0"/>
-          </a:p>
-        </p:txBody>
-      </p:sp>
-      <p:sp>
-        <p:nvSpPr>
-          <p:cNvPr id="3" name="Slide Number Placeholder 2"/>
-          <p:cNvSpPr>
-            <a:spLocks noGrp="1"/>
-          </p:cNvSpPr>
-          <p:nvPr>
-            <p:ph type="sldNum" sz="quarter" idx="12"/>
-          </p:nvPr>
-        </p:nvSpPr>
-        <p:spPr/>
-        <p:txBody>
-          <a:bodyPr/>
-          <a:lstStyle/>
-          <a:p>
-            <a:fld id="{B6F15528-21DE-4FAA-801E-634DDDAF4B2B}" type="slidenum">
-              <a:rPr lang="en-US" smtClean="0"/>
-              <a:pPr/>
-              <a:t>32</a:t>
-            </a:fld>
-            <a:endParaRPr lang="en-US"/>
-          </a:p>
-        </p:txBody>
-      </p:sp>
-      <p:graphicFrame>
-        <p:nvGraphicFramePr>
-          <p:cNvPr id="6" name="Table 5"/>
-          <p:cNvGraphicFramePr>
-            <a:graphicFrameLocks noGrp="1"/>
-          </p:cNvGraphicFramePr>
-          <p:nvPr/>
-        </p:nvGraphicFramePr>
-        <p:xfrm>
-          <a:off x="266700" y="1397000"/>
-          <a:ext cx="8610600" cy="3870960"/>
-        </p:xfrm>
-        <a:graphic>
-          <a:graphicData uri="http://schemas.openxmlformats.org/drawingml/2006/table">
-            <a:tbl>
-              <a:tblPr firstRow="1" bandRow="1">
-                <a:tableStyleId>{5C22544A-7EE6-4342-B048-85BDC9FD1C3A}</a:tableStyleId>
-              </a:tblPr>
-              <a:tblGrid>
-                <a:gridCol w="8610600"/>
-              </a:tblGrid>
-              <a:tr h="480281">
-                <a:tc>
-                  <a:txBody>
-                    <a:bodyPr/>
-                    <a:lstStyle/>
-                    <a:p>
-                      <a:pPr marL="0" marR="0" indent="0" algn="ctr" defTabSz="914400" rtl="0" eaLnBrk="1" fontAlgn="auto" latinLnBrk="0" hangingPunct="1">
-                        <a:lnSpc>
-                          <a:spcPct val="100000"/>
-                        </a:lnSpc>
-                        <a:spcBef>
-                          <a:spcPts val="0"/>
-                        </a:spcBef>
-                        <a:spcAft>
-                          <a:spcPts val="0"/>
-                        </a:spcAft>
-                        <a:buClrTx/>
-                        <a:buSzTx/>
-                        <a:buFontTx/>
-                        <a:buNone/>
-                        <a:tabLst/>
-                        <a:defRPr/>
-                      </a:pPr>
-                      <a:r>
-                        <a:rPr lang="en-US" sz="2800" dirty="0" smtClean="0"/>
-                        <a:t>The</a:t>
-                      </a:r>
-                      <a:r>
-                        <a:rPr lang="en-US" sz="2800" baseline="0" dirty="0" smtClean="0"/>
-                        <a:t> System Design Recipe</a:t>
-                      </a:r>
-                      <a:endParaRPr lang="en-US" sz="2800" dirty="0" smtClean="0"/>
-                    </a:p>
-                  </a:txBody>
-                  <a:tcPr/>
-                </a:tc>
-              </a:tr>
-              <a:tr h="480281">
-                <a:tc>
-                  <a:txBody>
-                    <a:bodyPr/>
-                    <a:lstStyle/>
-                    <a:p>
-                      <a:pPr marL="0" marR="0" indent="0" algn="l" defTabSz="914400" rtl="0" eaLnBrk="1" fontAlgn="auto" latinLnBrk="0" hangingPunct="1">
-                        <a:lnSpc>
-                          <a:spcPct val="100000"/>
-                        </a:lnSpc>
-                        <a:spcBef>
-                          <a:spcPts val="0"/>
-                        </a:spcBef>
-                        <a:spcAft>
-                          <a:spcPts val="0"/>
-                        </a:spcAft>
-                        <a:buClrTx/>
-                        <a:buSzTx/>
-                        <a:buFontTx/>
-                        <a:buNone/>
-                        <a:tabLst/>
-                        <a:defRPr/>
-                      </a:pPr>
-                      <a:r>
-                        <a:rPr lang="en-US" sz="2800" dirty="0" smtClean="0"/>
-                        <a:t>1. Write a purpose statement for your system.</a:t>
-                      </a:r>
-                    </a:p>
-                  </a:txBody>
-                  <a:tcPr/>
-                </a:tc>
-              </a:tr>
-              <a:tr h="828978">
-                <a:tc>
-                  <a:txBody>
-                    <a:bodyPr/>
-                    <a:lstStyle/>
-                    <a:p>
-                      <a:pPr marL="0" marR="0" indent="0" algn="l" defTabSz="914400" rtl="0" eaLnBrk="1" fontAlgn="auto" latinLnBrk="0" hangingPunct="1">
-                        <a:lnSpc>
-                          <a:spcPct val="100000"/>
-                        </a:lnSpc>
-                        <a:spcBef>
-                          <a:spcPts val="0"/>
-                        </a:spcBef>
-                        <a:spcAft>
-                          <a:spcPts val="0"/>
-                        </a:spcAft>
-                        <a:buClrTx/>
-                        <a:buSzTx/>
-                        <a:buFontTx/>
-                        <a:buNone/>
-                        <a:tabLst/>
-                        <a:defRPr/>
-                      </a:pPr>
-                      <a:r>
-                        <a:rPr lang="en-US" sz="2800" dirty="0" smtClean="0"/>
-                        <a:t>2. Design data to represent the relevant information</a:t>
-                      </a:r>
-                      <a:r>
-                        <a:rPr lang="en-US" sz="2800" baseline="0" dirty="0" smtClean="0"/>
-                        <a:t> in </a:t>
-                      </a:r>
-                      <a:r>
-                        <a:rPr lang="en-US" sz="2800" dirty="0" smtClean="0"/>
-                        <a:t>the world.</a:t>
-                      </a:r>
-                    </a:p>
-                  </a:txBody>
-                  <a:tcPr/>
-                </a:tc>
-              </a:tr>
-              <a:tr h="828978">
-                <a:tc>
-                  <a:txBody>
-                    <a:bodyPr/>
-                    <a:lstStyle/>
-                    <a:p>
-                      <a:r>
-                        <a:rPr lang="en-US" sz="2800" dirty="0" smtClean="0"/>
-                        <a:t>3. Make a </a:t>
-                      </a:r>
-                      <a:r>
-                        <a:rPr lang="en-US" sz="2800" dirty="0" err="1" smtClean="0"/>
-                        <a:t>wishlist</a:t>
-                      </a:r>
-                      <a:r>
-                        <a:rPr lang="en-US" sz="2800" dirty="0" smtClean="0"/>
-                        <a:t> of main functions.  Write down their contracts and purpose statements.</a:t>
-                      </a:r>
-                      <a:endParaRPr lang="en-US" sz="2800" dirty="0"/>
-                    </a:p>
-                  </a:txBody>
-                  <a:tcPr/>
-                </a:tc>
-              </a:tr>
-              <a:tr h="480281">
-                <a:tc>
-                  <a:txBody>
-                    <a:bodyPr/>
-                    <a:lstStyle/>
-                    <a:p>
-                      <a:r>
-                        <a:rPr lang="en-US" sz="2800" dirty="0" smtClean="0"/>
-                        <a:t>4. Design the individual functions. Maintain a </a:t>
-                      </a:r>
-                      <a:r>
-                        <a:rPr lang="en-US" sz="2800" dirty="0" err="1" smtClean="0"/>
-                        <a:t>wishlist</a:t>
-                      </a:r>
-                      <a:r>
-                        <a:rPr lang="en-US" sz="2800" dirty="0" smtClean="0"/>
-                        <a:t> (or </a:t>
-                      </a:r>
-                      <a:r>
-                        <a:rPr lang="en-US" sz="2800" dirty="0" err="1" smtClean="0"/>
-                        <a:t>wishtree</a:t>
-                      </a:r>
-                      <a:r>
-                        <a:rPr lang="en-US" sz="2800" dirty="0" smtClean="0"/>
-                        <a:t>) of functions you will need to write.</a:t>
-                      </a:r>
-                      <a:endParaRPr lang="en-US" sz="2800" dirty="0"/>
-                    </a:p>
-                  </a:txBody>
-                  <a:tcPr/>
-                </a:tc>
-              </a:tr>
-            </a:tbl>
-          </a:graphicData>
-        </a:graphic>
-      </p:graphicFrame>
-      <p:sp>
-        <p:nvSpPr>
-          <p:cNvPr id="4" name="TextBox 3"/>
-          <p:cNvSpPr txBox="1"/>
-          <p:nvPr/>
-        </p:nvSpPr>
-        <p:spPr>
-          <a:xfrm>
-            <a:off x="3886200" y="5486400"/>
-            <a:ext cx="4191000" cy="762000"/>
-          </a:xfrm>
-          <a:prstGeom prst="rect">
-            <a:avLst/>
-          </a:prstGeom>
-          <a:solidFill>
-            <a:schemeClr val="accent3">
-              <a:lumMod val="40000"/>
-              <a:lumOff val="60000"/>
-            </a:schemeClr>
-          </a:solidFill>
-          <a:ln/>
-        </p:spPr>
         <p:style>
           <a:lnRef idx="2">
             <a:schemeClr val="accent1"/>
@@ -15934,27 +12910,105 @@
           </a:fontRef>
         </p:style>
         <p:txBody>
-          <a:bodyPr rot="0" spcFirstLastPara="0" vertOverflow="overflow" horzOverflow="overflow" vert="horz" wrap="square" lIns="91440" tIns="45720" rIns="91440" bIns="45720" numCol="1" spcCol="0" rtlCol="0" fromWordArt="0" anchor="ctr" anchorCtr="0" forceAA="0" compatLnSpc="1">
-            <a:prstTxWarp prst="textNoShape">
-              <a:avLst/>
-            </a:prstTxWarp>
-            <a:noAutofit/>
+          <a:bodyPr>
+            <a:normAutofit fontScale="90000"/>
           </a:bodyPr>
           <a:lstStyle/>
           <a:p>
             <a:r>
+              <a:rPr lang="en-US" dirty="0"/>
+              <a:t>6. Pass values when you can, share state only when you must.</a:t>
+            </a:r>
+          </a:p>
+        </p:txBody>
+      </p:sp>
+      <p:sp>
+        <p:nvSpPr>
+          <p:cNvPr id="3" name="Content Placeholder 2"/>
+          <p:cNvSpPr>
+            <a:spLocks noGrp="1"/>
+          </p:cNvSpPr>
+          <p:nvPr>
+            <p:ph idx="1"/>
+          </p:nvPr>
+        </p:nvSpPr>
+        <p:spPr/>
+        <p:txBody>
+          <a:bodyPr>
+            <a:normAutofit fontScale="92500" lnSpcReduction="10000"/>
+          </a:bodyPr>
+          <a:lstStyle/>
+          <a:p>
+            <a:r>
               <a:rPr lang="en-US" dirty="0" smtClean="0"/>
-              <a:t>Start with a simple version of your system…</a:t>
-            </a:r>
+              <a:t>You need to use state in exactly two situations:</a:t>
+            </a:r>
+          </a:p>
+          <a:p>
+            <a:pPr lvl="1"/>
+            <a:r>
+              <a:rPr lang="en-US" dirty="0" smtClean="0"/>
+              <a:t>you need an object with stable identity to send messages to (like the wall in our first example)</a:t>
+            </a:r>
+          </a:p>
+          <a:p>
+            <a:pPr lvl="1"/>
+            <a:r>
+              <a:rPr lang="en-US" dirty="0" smtClean="0"/>
+              <a:t>you need to construct cyclic structures (like the factory and the world)</a:t>
+            </a:r>
+          </a:p>
+          <a:p>
+            <a:r>
+              <a:rPr lang="en-US" dirty="0" smtClean="0"/>
+              <a:t>Sometimes </a:t>
+            </a:r>
+            <a:r>
+              <a:rPr lang="en-US" dirty="0" smtClean="0"/>
+              <a:t>you need state, but less often than you might think</a:t>
+            </a:r>
+          </a:p>
+          <a:p>
+            <a:pPr lvl="1"/>
+            <a:r>
+              <a:rPr lang="en-US" dirty="0" smtClean="0"/>
+              <a:t>Java, C++, etc. lead you to use state more often than you should.</a:t>
+            </a:r>
+          </a:p>
+          <a:p>
+            <a:pPr lvl="1"/>
+            <a:r>
+              <a:rPr lang="en-US" dirty="0" smtClean="0"/>
+              <a:t>State complicates everything!</a:t>
+            </a:r>
+          </a:p>
+        </p:txBody>
+      </p:sp>
+      <p:sp>
+        <p:nvSpPr>
+          <p:cNvPr id="4" name="Slide Number Placeholder 3"/>
+          <p:cNvSpPr>
+            <a:spLocks noGrp="1"/>
+          </p:cNvSpPr>
+          <p:nvPr>
+            <p:ph type="sldNum" sz="quarter" idx="12"/>
+          </p:nvPr>
+        </p:nvSpPr>
+        <p:spPr/>
+        <p:txBody>
+          <a:bodyPr/>
+          <a:lstStyle/>
+          <a:p>
+            <a:fld id="{B6F15528-21DE-4FAA-801E-634DDDAF4B2B}" type="slidenum">
+              <a:rPr lang="en-US" smtClean="0"/>
+              <a:pPr/>
+              <a:t>25</a:t>
+            </a:fld>
+            <a:endParaRPr lang="en-US"/>
           </a:p>
         </p:txBody>
       </p:sp>
     </p:spTree>
-    <p:extLst>
-      <p:ext uri="{BB962C8B-B14F-4D97-AF65-F5344CB8AC3E}">
-        <p14:creationId xmlns:p14="http://schemas.microsoft.com/office/powerpoint/2010/main" val="1669160547"/>
-      </p:ext>
-    </p:extLst>
   </p:cSld>
   <p:clrMapOvr>
     <a:masterClrMapping/>
@@ -15969,7 +13023,7 @@
 </p:sld>
 </file>
 
-<file path=ppt/slides/slide33.xml><?xml version="1.0" encoding="utf-8"?>
+<file path=ppt/slides/slide26.xml><?xml version="1.0" encoding="utf-8"?>
 <p:sld xmlns:a="http://schemas.openxmlformats.org/drawingml/2006/main" xmlns:r="http://schemas.openxmlformats.org/officeDocument/2006/relationships" xmlns:p="http://schemas.openxmlformats.org/presentationml/2006/main">
   <p:cSld>
     <p:spTree>
@@ -15999,7 +13053,7 @@
         <p:spPr>
           <a:xfrm>
             <a:off x="457200" y="274638"/>
-            <a:ext cx="5638800" cy="1143000"/>
+            <a:ext cx="8229600" cy="1401762"/>
           </a:xfrm>
         </p:spPr>
         <p:txBody>
@@ -16010,399 +13064,16 @@
           <a:p>
             <a:r>
               <a:rPr lang="en-US" dirty="0" smtClean="0"/>
-              <a:t>The Iterative Design</a:t>
+              <a:t>Summary: </a:t>
             </a:r>
             <a:br>
               <a:rPr lang="en-US" dirty="0" smtClean="0"/>
             </a:br>
             <a:r>
               <a:rPr lang="en-US" dirty="0" smtClean="0"/>
-              <a:t> Recipe</a:t>
+              <a:t>You need never be afraid of this:</a:t>
             </a:r>
             <a:endParaRPr lang="en-US" dirty="0"/>
-          </a:p>
-        </p:txBody>
-      </p:sp>
-      <p:graphicFrame>
-        <p:nvGraphicFramePr>
-          <p:cNvPr id="4" name="Content Placeholder 3"/>
-          <p:cNvGraphicFramePr>
-            <a:graphicFrameLocks noGrp="1"/>
-          </p:cNvGraphicFramePr>
-          <p:nvPr>
-            <p:ph idx="1"/>
-            <p:extLst/>
-          </p:nvPr>
-        </p:nvGraphicFramePr>
-        <p:xfrm>
-          <a:off x="457200" y="1600200"/>
-          <a:ext cx="8229600" cy="5029200"/>
-        </p:xfrm>
-        <a:graphic>
-          <a:graphicData uri="http://schemas.openxmlformats.org/drawingml/2006/table">
-            <a:tbl>
-              <a:tblPr firstRow="1" bandRow="1">
-                <a:tableStyleId>{5C22544A-7EE6-4342-B048-85BDC9FD1C3A}</a:tableStyleId>
-              </a:tblPr>
-              <a:tblGrid>
-                <a:gridCol w="8229600"/>
-              </a:tblGrid>
-              <a:tr h="370840">
-                <a:tc>
-                  <a:txBody>
-                    <a:bodyPr/>
-                    <a:lstStyle/>
-                    <a:p>
-                      <a:r>
-                        <a:rPr lang="en-US" sz="3200" dirty="0" smtClean="0"/>
-                        <a:t>Adding a New Feature to an Existing Program</a:t>
-                      </a:r>
-                      <a:endParaRPr lang="en-US" sz="3200" dirty="0"/>
-                    </a:p>
-                  </a:txBody>
-                  <a:tcPr/>
-                </a:tc>
-              </a:tr>
-              <a:tr h="370840">
-                <a:tc>
-                  <a:txBody>
-                    <a:bodyPr/>
-                    <a:lstStyle/>
-                    <a:p>
-                      <a:pPr marL="0" indent="0">
-                        <a:buNone/>
-                      </a:pPr>
-                      <a:r>
-                        <a:rPr lang="en-US" sz="3200" dirty="0" smtClean="0"/>
-                        <a:t>1. Perform</a:t>
-                      </a:r>
-                      <a:r>
-                        <a:rPr lang="en-US" sz="3200" baseline="0" dirty="0" smtClean="0"/>
-                        <a:t> information analysis for new feature</a:t>
-                      </a:r>
-                    </a:p>
-                  </a:txBody>
-                  <a:tcPr/>
-                </a:tc>
-              </a:tr>
-              <a:tr h="370840">
-                <a:tc>
-                  <a:txBody>
-                    <a:bodyPr/>
-                    <a:lstStyle/>
-                    <a:p>
-                      <a:r>
-                        <a:rPr lang="en-US" sz="3200" dirty="0" smtClean="0"/>
-                        <a:t>2. Modify data definitions</a:t>
-                      </a:r>
-                      <a:r>
-                        <a:rPr lang="en-US" sz="3200" baseline="0" dirty="0" smtClean="0"/>
-                        <a:t> as needed</a:t>
-                      </a:r>
-                      <a:endParaRPr lang="en-US" sz="3200" dirty="0"/>
-                    </a:p>
-                  </a:txBody>
-                  <a:tcPr/>
-                </a:tc>
-              </a:tr>
-              <a:tr h="370840">
-                <a:tc>
-                  <a:txBody>
-                    <a:bodyPr/>
-                    <a:lstStyle/>
-                    <a:p>
-                      <a:r>
-                        <a:rPr lang="en-US" sz="3200" dirty="0" smtClean="0"/>
-                        <a:t>3. Update existing functions to work with</a:t>
-                      </a:r>
-                      <a:r>
-                        <a:rPr lang="en-US" sz="3200" baseline="0" dirty="0" smtClean="0"/>
-                        <a:t> new data definitions</a:t>
-                      </a:r>
-                    </a:p>
-                  </a:txBody>
-                  <a:tcPr/>
-                </a:tc>
-              </a:tr>
-              <a:tr h="370840">
-                <a:tc>
-                  <a:txBody>
-                    <a:bodyPr/>
-                    <a:lstStyle/>
-                    <a:p>
-                      <a:r>
-                        <a:rPr lang="en-US" sz="3200" dirty="0" smtClean="0"/>
-                        <a:t>4. Write </a:t>
-                      </a:r>
-                      <a:r>
-                        <a:rPr lang="en-US" sz="3200" dirty="0" err="1" smtClean="0"/>
-                        <a:t>wishlist</a:t>
-                      </a:r>
-                      <a:r>
-                        <a:rPr lang="en-US" sz="3200" dirty="0" smtClean="0"/>
-                        <a:t> of functions for new feature</a:t>
-                      </a:r>
-                      <a:endParaRPr lang="en-US" sz="3200" dirty="0"/>
-                    </a:p>
-                  </a:txBody>
-                  <a:tcPr/>
-                </a:tc>
-              </a:tr>
-              <a:tr h="370840">
-                <a:tc>
-                  <a:txBody>
-                    <a:bodyPr/>
-                    <a:lstStyle/>
-                    <a:p>
-                      <a:r>
-                        <a:rPr lang="en-US" sz="3200" dirty="0" smtClean="0"/>
-                        <a:t>5. Design new functions following the Design</a:t>
-                      </a:r>
-                      <a:r>
-                        <a:rPr lang="en-US" sz="3200" baseline="0" dirty="0" smtClean="0"/>
-                        <a:t> Recipe</a:t>
-                      </a:r>
-                    </a:p>
-                  </a:txBody>
-                  <a:tcPr/>
-                </a:tc>
-              </a:tr>
-              <a:tr h="370840">
-                <a:tc>
-                  <a:txBody>
-                    <a:bodyPr/>
-                    <a:lstStyle/>
-                    <a:p>
-                      <a:r>
-                        <a:rPr lang="en-US" sz="3200" baseline="0" dirty="0" smtClean="0"/>
-                        <a:t>6. Repeat for the next new feature</a:t>
-                      </a:r>
-                    </a:p>
-                  </a:txBody>
-                  <a:tcPr/>
-                </a:tc>
-              </a:tr>
-            </a:tbl>
-          </a:graphicData>
-        </a:graphic>
-      </p:graphicFrame>
-      <p:sp>
-        <p:nvSpPr>
-          <p:cNvPr id="3" name="Slide Number Placeholder 2"/>
-          <p:cNvSpPr>
-            <a:spLocks noGrp="1"/>
-          </p:cNvSpPr>
-          <p:nvPr>
-            <p:ph type="sldNum" sz="quarter" idx="12"/>
-          </p:nvPr>
-        </p:nvSpPr>
-        <p:spPr/>
-        <p:txBody>
-          <a:bodyPr/>
-          <a:lstStyle/>
-          <a:p>
-            <a:fld id="{2AF3B5EA-18B6-4040-9F78-6052AF49C681}" type="slidenum">
-              <a:rPr lang="en-US" smtClean="0"/>
-              <a:t>33</a:t>
-            </a:fld>
-            <a:endParaRPr lang="en-US"/>
-          </a:p>
-        </p:txBody>
-      </p:sp>
-      <p:sp>
-        <p:nvSpPr>
-          <p:cNvPr id="5" name="TextBox 4"/>
-          <p:cNvSpPr txBox="1"/>
-          <p:nvPr/>
-        </p:nvSpPr>
-        <p:spPr>
-          <a:xfrm>
-            <a:off x="6096000" y="465138"/>
-            <a:ext cx="3048000" cy="762000"/>
-          </a:xfrm>
-          <a:prstGeom prst="rect">
-            <a:avLst/>
-          </a:prstGeom>
-          <a:solidFill>
-            <a:schemeClr val="accent3">
-              <a:lumMod val="40000"/>
-              <a:lumOff val="60000"/>
-            </a:schemeClr>
-          </a:solidFill>
-          <a:ln/>
-        </p:spPr>
-        <p:style>
-          <a:lnRef idx="2">
-            <a:schemeClr val="accent1"/>
-          </a:lnRef>
-          <a:fillRef idx="1">
-            <a:schemeClr val="lt1"/>
-          </a:fillRef>
-          <a:effectRef idx="0">
-            <a:schemeClr val="accent1"/>
-          </a:effectRef>
-          <a:fontRef idx="minor">
-            <a:schemeClr val="dk1"/>
-          </a:fontRef>
-        </p:style>
-        <p:txBody>
-          <a:bodyPr rot="0" spcFirstLastPara="0" vertOverflow="overflow" horzOverflow="overflow" vert="horz" wrap="square" lIns="91440" tIns="45720" rIns="91440" bIns="45720" numCol="1" spcCol="0" rtlCol="0" fromWordArt="0" anchor="ctr" anchorCtr="0" forceAA="0" compatLnSpc="1">
-            <a:prstTxWarp prst="textNoShape">
-              <a:avLst/>
-            </a:prstTxWarp>
-            <a:noAutofit/>
-          </a:bodyPr>
-          <a:lstStyle/>
-          <a:p>
-            <a:r>
-              <a:rPr lang="en-US" dirty="0" smtClean="0"/>
-              <a:t>…and then add features, one at a time.</a:t>
-            </a:r>
-          </a:p>
-        </p:txBody>
-      </p:sp>
-    </p:spTree>
-    <p:extLst>
-      <p:ext uri="{BB962C8B-B14F-4D97-AF65-F5344CB8AC3E}">
-        <p14:creationId xmlns:p14="http://schemas.microsoft.com/office/powerpoint/2010/main" val="3683183275"/>
-      </p:ext>
-    </p:extLst>
-  </p:cSld>
-  <p:clrMapOvr>
-    <a:masterClrMapping/>
-  </p:clrMapOvr>
-  <p:timing>
-    <p:tnLst>
-      <p:par>
-        <p:cTn id="1" dur="indefinite" restart="never" nodeType="tmRoot"/>
-      </p:par>
-    </p:tnLst>
-  </p:timing>
-</p:sld>
-</file>
-
-<file path=ppt/slides/slide34.xml><?xml version="1.0" encoding="utf-8"?>
-<p:sld xmlns:a="http://schemas.openxmlformats.org/drawingml/2006/main" xmlns:r="http://schemas.openxmlformats.org/officeDocument/2006/relationships" xmlns:p="http://schemas.openxmlformats.org/presentationml/2006/main">
-  <p:cSld>
-    <p:spTree>
-      <p:nvGrpSpPr>
-        <p:cNvPr id="1" name=""/>
-        <p:cNvGrpSpPr/>
-        <p:nvPr/>
-      </p:nvGrpSpPr>
-      <p:grpSpPr>
-        <a:xfrm>
-          <a:off x="0" y="0"/>
-          <a:ext cx="0" cy="0"/>
-          <a:chOff x="0" y="0"/>
-          <a:chExt cx="0" cy="0"/>
-        </a:xfrm>
-      </p:grpSpPr>
-      <p:sp>
-        <p:nvSpPr>
-          <p:cNvPr id="2" name="Title 1"/>
-          <p:cNvSpPr>
-            <a:spLocks noGrp="1"/>
-          </p:cNvSpPr>
-          <p:nvPr>
-            <p:ph type="title"/>
-          </p:nvPr>
-        </p:nvSpPr>
-        <p:spPr/>
-        <p:style>
-          <a:lnRef idx="2">
-            <a:schemeClr val="accent1"/>
-          </a:lnRef>
-          <a:fillRef idx="1">
-            <a:schemeClr val="lt1"/>
-          </a:fillRef>
-          <a:effectRef idx="0">
-            <a:schemeClr val="accent1"/>
-          </a:effectRef>
-          <a:fontRef idx="minor">
-            <a:schemeClr val="dk1"/>
-          </a:fontRef>
-        </p:style>
-        <p:txBody>
-          <a:bodyPr>
-            <a:normAutofit fontScale="90000"/>
-          </a:bodyPr>
-          <a:lstStyle/>
-          <a:p>
-            <a:r>
-              <a:rPr lang="en-US" dirty="0"/>
-              <a:t>6. Pass values when you can, share state only when you must.</a:t>
-            </a:r>
-          </a:p>
-        </p:txBody>
-      </p:sp>
-      <p:sp>
-        <p:nvSpPr>
-          <p:cNvPr id="3" name="Content Placeholder 2"/>
-          <p:cNvSpPr>
-            <a:spLocks noGrp="1"/>
-          </p:cNvSpPr>
-          <p:nvPr>
-            <p:ph idx="1"/>
-          </p:nvPr>
-        </p:nvSpPr>
-        <p:spPr/>
-        <p:txBody>
-          <a:bodyPr>
-            <a:normAutofit lnSpcReduction="10000"/>
-          </a:bodyPr>
-          <a:lstStyle/>
-          <a:p>
-            <a:r>
-              <a:rPr lang="en-US" dirty="0" smtClean="0"/>
-              <a:t>How can you tell the difference between a traffic light and a </a:t>
-            </a:r>
-            <a:r>
-              <a:rPr lang="en-US" dirty="0" err="1" smtClean="0"/>
-              <a:t>TLState</a:t>
-            </a:r>
-            <a:r>
-              <a:rPr lang="en-US" dirty="0" smtClean="0"/>
-              <a:t>?</a:t>
-            </a:r>
-          </a:p>
-          <a:p>
-            <a:pPr lvl="1"/>
-            <a:r>
-              <a:rPr lang="en-US" dirty="0" err="1" smtClean="0"/>
-              <a:t>Ans</a:t>
-            </a:r>
-            <a:r>
-              <a:rPr lang="en-US" dirty="0" smtClean="0"/>
-              <a:t>: everybody sees the same traffic light.</a:t>
-            </a:r>
-          </a:p>
-          <a:p>
-            <a:pPr lvl="1"/>
-            <a:r>
-              <a:rPr lang="en-US" dirty="0" smtClean="0"/>
-              <a:t>If its state changes everybody sees it.</a:t>
-            </a:r>
-          </a:p>
-          <a:p>
-            <a:r>
-              <a:rPr lang="en-US" dirty="0" smtClean="0"/>
-              <a:t>Sometimes you need state, but less often than you might think</a:t>
-            </a:r>
-          </a:p>
-          <a:p>
-            <a:pPr lvl="1"/>
-            <a:r>
-              <a:rPr lang="en-US" dirty="0" smtClean="0"/>
-              <a:t>Java, C++, etc. lead you to use state more often than you should.</a:t>
-            </a:r>
-          </a:p>
-          <a:p>
-            <a:pPr lvl="1"/>
-            <a:r>
-              <a:rPr lang="en-US" dirty="0" smtClean="0"/>
-              <a:t>State complicates everything!</a:t>
-            </a:r>
           </a:p>
         </p:txBody>
       </p:sp>
@@ -16424,960 +13095,7 @@
             <a:fld id="{B6F15528-21DE-4FAA-801E-634DDDAF4B2B}" type="slidenum">
               <a:rPr lang="en-US" smtClean="0"/>
               <a:pPr/>
-              <a:t>34</a:t>
-            </a:fld>
-            <a:endParaRPr lang="en-US"/>
-          </a:p>
-        </p:txBody>
-      </p:sp>
-    </p:spTree>
-  </p:cSld>
-  <p:clrMapOvr>
-    <a:masterClrMapping/>
-  </p:clrMapOvr>
-  <p:timing>
-    <p:tnLst>
-      <p:par>
-        <p:cTn id="1" dur="indefinite" restart="never" nodeType="tmRoot"/>
-      </p:par>
-    </p:tnLst>
-  </p:timing>
-</p:sld>
-</file>
-
-<file path=ppt/slides/slide35.xml><?xml version="1.0" encoding="utf-8"?>
-<p:sld xmlns:a="http://schemas.openxmlformats.org/drawingml/2006/main" xmlns:r="http://schemas.openxmlformats.org/officeDocument/2006/relationships" xmlns:p="http://schemas.openxmlformats.org/presentationml/2006/main">
-  <p:cSld>
-    <p:spTree>
-      <p:nvGrpSpPr>
-        <p:cNvPr id="1" name=""/>
-        <p:cNvGrpSpPr/>
-        <p:nvPr/>
-      </p:nvGrpSpPr>
-      <p:grpSpPr>
-        <a:xfrm>
-          <a:off x="0" y="0"/>
-          <a:ext cx="0" cy="0"/>
-          <a:chOff x="0" y="0"/>
-          <a:chExt cx="0" cy="0"/>
-        </a:xfrm>
-      </p:grpSpPr>
-      <p:pic>
-        <p:nvPicPr>
-          <p:cNvPr id="20" name="Picture 6" descr="C:\Users\Mitch\Desktop\Gimp Practice\image 2.gif"/>
-          <p:cNvPicPr>
-            <a:picLocks noChangeAspect="1" noChangeArrowheads="1"/>
-          </p:cNvPicPr>
-          <p:nvPr/>
-        </p:nvPicPr>
-        <p:blipFill>
-          <a:blip r:embed="rId2" cstate="print"/>
-          <a:srcRect/>
-          <a:stretch>
-            <a:fillRect/>
-          </a:stretch>
-        </p:blipFill>
-        <p:spPr bwMode="auto">
-          <a:xfrm>
-            <a:off x="5562600" y="533400"/>
-            <a:ext cx="2838450" cy="2659902"/>
-          </a:xfrm>
-          <a:prstGeom prst="rect">
-            <a:avLst/>
-          </a:prstGeom>
-          <a:noFill/>
-        </p:spPr>
-      </p:pic>
-      <p:pic>
-        <p:nvPicPr>
-          <p:cNvPr id="1034" name="Picture 10" descr="C:\Users\Mitch\Desktop\Gimp Practice\traffic light red 1.gif"/>
-          <p:cNvPicPr>
-            <a:picLocks noChangeAspect="1" noChangeArrowheads="1"/>
-          </p:cNvPicPr>
-          <p:nvPr/>
-        </p:nvPicPr>
-        <p:blipFill>
-          <a:blip r:embed="rId3" cstate="print"/>
-          <a:srcRect/>
-          <a:stretch>
-            <a:fillRect/>
-          </a:stretch>
-        </p:blipFill>
-        <p:spPr bwMode="auto">
-          <a:xfrm>
-            <a:off x="914401" y="228601"/>
-            <a:ext cx="2483538" cy="3886200"/>
-          </a:xfrm>
-          <a:prstGeom prst="rect">
-            <a:avLst/>
-          </a:prstGeom>
-          <a:noFill/>
-        </p:spPr>
-      </p:pic>
-      <p:sp>
-        <p:nvSpPr>
-          <p:cNvPr id="24" name="TextBox 23"/>
-          <p:cNvSpPr txBox="1"/>
-          <p:nvPr/>
-        </p:nvSpPr>
-        <p:spPr>
-          <a:xfrm>
-            <a:off x="6572250" y="4953000"/>
-            <a:ext cx="2438400" cy="1323439"/>
-          </a:xfrm>
-          <a:prstGeom prst="rect">
-            <a:avLst/>
-          </a:prstGeom>
-          <a:noFill/>
-        </p:spPr>
-        <p:txBody>
-          <a:bodyPr wrap="square" rtlCol="0">
-            <a:spAutoFit/>
-          </a:bodyPr>
-          <a:lstStyle/>
-          <a:p>
-            <a:r>
-              <a:rPr lang="en-US" sz="2000" dirty="0" smtClean="0"/>
-              <a:t>Are they seeing the traffic light or a model of the traffic light?</a:t>
-            </a:r>
-            <a:endParaRPr lang="en-US" sz="2000" dirty="0"/>
-          </a:p>
-        </p:txBody>
-      </p:sp>
-      <p:pic>
-        <p:nvPicPr>
-          <p:cNvPr id="9" name="Picture 3" descr="C:\Users\Mitch\Desktop\cs5010\11-1-spring\Week09\Slides\Man without newspaper.png"/>
-          <p:cNvPicPr>
-            <a:picLocks noChangeAspect="1" noChangeArrowheads="1"/>
-          </p:cNvPicPr>
-          <p:nvPr/>
-        </p:nvPicPr>
-        <p:blipFill>
-          <a:blip r:embed="rId4" cstate="print"/>
-          <a:srcRect/>
-          <a:stretch>
-            <a:fillRect/>
-          </a:stretch>
-        </p:blipFill>
-        <p:spPr bwMode="auto">
-          <a:xfrm>
-            <a:off x="4953000" y="1371600"/>
-            <a:ext cx="2838450" cy="2659902"/>
-          </a:xfrm>
-          <a:prstGeom prst="rect">
-            <a:avLst/>
-          </a:prstGeom>
-          <a:noFill/>
-        </p:spPr>
-      </p:pic>
-      <p:pic>
-        <p:nvPicPr>
-          <p:cNvPr id="18" name="Picture 6" descr="C:\Users\Mitch\Desktop\Gimp Practice\image 2.gif"/>
-          <p:cNvPicPr>
-            <a:picLocks noChangeAspect="1" noChangeArrowheads="1"/>
-          </p:cNvPicPr>
-          <p:nvPr/>
-        </p:nvPicPr>
-        <p:blipFill>
-          <a:blip r:embed="rId2" cstate="print"/>
-          <a:srcRect/>
-          <a:stretch>
-            <a:fillRect/>
-          </a:stretch>
-        </p:blipFill>
-        <p:spPr bwMode="auto">
-          <a:xfrm>
-            <a:off x="4343400" y="2209800"/>
-            <a:ext cx="2838450" cy="2659902"/>
-          </a:xfrm>
-          <a:prstGeom prst="rect">
-            <a:avLst/>
-          </a:prstGeom>
-          <a:noFill/>
-        </p:spPr>
-      </p:pic>
-      <p:pic>
-        <p:nvPicPr>
-          <p:cNvPr id="10" name="Picture 3" descr="C:\Users\Mitch\Desktop\cs5010\11-1-spring\Week09\Slides\Man without newspaper.png"/>
-          <p:cNvPicPr>
-            <a:picLocks noChangeAspect="1" noChangeArrowheads="1"/>
-          </p:cNvPicPr>
-          <p:nvPr/>
-        </p:nvPicPr>
-        <p:blipFill>
-          <a:blip r:embed="rId4" cstate="print"/>
-          <a:srcRect/>
-          <a:stretch>
-            <a:fillRect/>
-          </a:stretch>
-        </p:blipFill>
-        <p:spPr bwMode="auto">
-          <a:xfrm>
-            <a:off x="3733800" y="3048000"/>
-            <a:ext cx="2838450" cy="2659902"/>
-          </a:xfrm>
-          <a:prstGeom prst="rect">
-            <a:avLst/>
-          </a:prstGeom>
-          <a:noFill/>
-        </p:spPr>
-      </p:pic>
-      <p:pic>
-        <p:nvPicPr>
-          <p:cNvPr id="1030" name="Picture 6" descr="C:\Users\Mitch\Desktop\Gimp Practice\image 2.gif"/>
-          <p:cNvPicPr>
-            <a:picLocks noChangeAspect="1" noChangeArrowheads="1"/>
-          </p:cNvPicPr>
-          <p:nvPr/>
-        </p:nvPicPr>
-        <p:blipFill>
-          <a:blip r:embed="rId2" cstate="print"/>
-          <a:srcRect/>
-          <a:stretch>
-            <a:fillRect/>
-          </a:stretch>
-        </p:blipFill>
-        <p:spPr bwMode="auto">
-          <a:xfrm>
-            <a:off x="3124200" y="3886200"/>
-            <a:ext cx="2838450" cy="2659902"/>
-          </a:xfrm>
-          <a:prstGeom prst="rect">
-            <a:avLst/>
-          </a:prstGeom>
-          <a:noFill/>
-        </p:spPr>
-      </p:pic>
-      <p:sp>
-        <p:nvSpPr>
-          <p:cNvPr id="2" name="Slide Number Placeholder 1"/>
-          <p:cNvSpPr>
-            <a:spLocks noGrp="1"/>
-          </p:cNvSpPr>
-          <p:nvPr>
-            <p:ph type="sldNum" sz="quarter" idx="12"/>
-          </p:nvPr>
-        </p:nvSpPr>
-        <p:spPr/>
-        <p:txBody>
-          <a:bodyPr/>
-          <a:lstStyle/>
-          <a:p>
-            <a:fld id="{B6F15528-21DE-4FAA-801E-634DDDAF4B2B}" type="slidenum">
-              <a:rPr lang="en-US" smtClean="0"/>
-              <a:pPr/>
-              <a:t>35</a:t>
-            </a:fld>
-            <a:endParaRPr lang="en-US"/>
-          </a:p>
-        </p:txBody>
-      </p:sp>
-    </p:spTree>
-    <p:extLst>
-      <p:ext uri="{BB962C8B-B14F-4D97-AF65-F5344CB8AC3E}">
-        <p14:creationId xmlns:p14="http://schemas.microsoft.com/office/powerpoint/2010/main" val="3327225690"/>
-      </p:ext>
-    </p:extLst>
-  </p:cSld>
-  <p:clrMapOvr>
-    <a:masterClrMapping/>
-  </p:clrMapOvr>
-  <p:timing>
-    <p:tnLst>
-      <p:par>
-        <p:cTn id="1" dur="indefinite" restart="never" nodeType="tmRoot"/>
-      </p:par>
-    </p:tnLst>
-  </p:timing>
-</p:sld>
-</file>
-
-<file path=ppt/slides/slide36.xml><?xml version="1.0" encoding="utf-8"?>
-<p:sld xmlns:a="http://schemas.openxmlformats.org/drawingml/2006/main" xmlns:r="http://schemas.openxmlformats.org/officeDocument/2006/relationships" xmlns:p="http://schemas.openxmlformats.org/presentationml/2006/main">
-  <p:cSld>
-    <p:spTree>
-      <p:nvGrpSpPr>
-        <p:cNvPr id="1" name=""/>
-        <p:cNvGrpSpPr/>
-        <p:nvPr/>
-      </p:nvGrpSpPr>
-      <p:grpSpPr>
-        <a:xfrm>
-          <a:off x="0" y="0"/>
-          <a:ext cx="0" cy="0"/>
-          <a:chOff x="0" y="0"/>
-          <a:chExt cx="0" cy="0"/>
-        </a:xfrm>
-      </p:grpSpPr>
-      <p:pic>
-        <p:nvPicPr>
-          <p:cNvPr id="11" name="Picture 10" descr="traffic light green.gif"/>
-          <p:cNvPicPr>
-            <a:picLocks noChangeAspect="1"/>
-          </p:cNvPicPr>
-          <p:nvPr/>
-        </p:nvPicPr>
-        <p:blipFill>
-          <a:blip r:embed="rId3" cstate="print"/>
-          <a:stretch>
-            <a:fillRect/>
-          </a:stretch>
-        </p:blipFill>
-        <p:spPr>
-          <a:xfrm>
-            <a:off x="914401" y="135731"/>
-            <a:ext cx="2551004" cy="3991770"/>
-          </a:xfrm>
-          <a:prstGeom prst="rect">
-            <a:avLst/>
-          </a:prstGeom>
-        </p:spPr>
-      </p:pic>
-      <p:pic>
-        <p:nvPicPr>
-          <p:cNvPr id="20" name="Picture 6" descr="C:\Users\Mitch\Desktop\Gimp Practice\image 2.gif"/>
-          <p:cNvPicPr>
-            <a:picLocks noChangeAspect="1" noChangeArrowheads="1"/>
-          </p:cNvPicPr>
-          <p:nvPr/>
-        </p:nvPicPr>
-        <p:blipFill>
-          <a:blip r:embed="rId4" cstate="print"/>
-          <a:srcRect/>
-          <a:stretch>
-            <a:fillRect/>
-          </a:stretch>
-        </p:blipFill>
-        <p:spPr bwMode="auto">
-          <a:xfrm>
-            <a:off x="5562600" y="533400"/>
-            <a:ext cx="2838450" cy="2659902"/>
-          </a:xfrm>
-          <a:prstGeom prst="rect">
-            <a:avLst/>
-          </a:prstGeom>
-          <a:noFill/>
-        </p:spPr>
-      </p:pic>
-      <p:sp>
-        <p:nvSpPr>
-          <p:cNvPr id="24" name="TextBox 23"/>
-          <p:cNvSpPr txBox="1"/>
-          <p:nvPr/>
-        </p:nvSpPr>
-        <p:spPr>
-          <a:xfrm>
-            <a:off x="6368142" y="4953000"/>
-            <a:ext cx="2438400" cy="1323439"/>
-          </a:xfrm>
-          <a:prstGeom prst="rect">
-            <a:avLst/>
-          </a:prstGeom>
-          <a:noFill/>
-        </p:spPr>
-        <p:txBody>
-          <a:bodyPr wrap="square" rtlCol="0">
-            <a:spAutoFit/>
-          </a:bodyPr>
-          <a:lstStyle/>
-          <a:p>
-            <a:r>
-              <a:rPr lang="en-US" sz="2000" dirty="0" smtClean="0"/>
-              <a:t>Are they seeing the traffic light or a model of the traffic light?</a:t>
-            </a:r>
-            <a:endParaRPr lang="en-US" sz="2000" dirty="0"/>
-          </a:p>
-        </p:txBody>
-      </p:sp>
-      <p:pic>
-        <p:nvPicPr>
-          <p:cNvPr id="9" name="Picture 3" descr="C:\Users\Mitch\Desktop\cs5010\11-1-spring\Week09\Slides\Man without newspaper.png"/>
-          <p:cNvPicPr>
-            <a:picLocks noChangeAspect="1" noChangeArrowheads="1"/>
-          </p:cNvPicPr>
-          <p:nvPr/>
-        </p:nvPicPr>
-        <p:blipFill>
-          <a:blip r:embed="rId5" cstate="print"/>
-          <a:srcRect/>
-          <a:stretch>
-            <a:fillRect/>
-          </a:stretch>
-        </p:blipFill>
-        <p:spPr bwMode="auto">
-          <a:xfrm>
-            <a:off x="4953000" y="1371600"/>
-            <a:ext cx="2838450" cy="2659902"/>
-          </a:xfrm>
-          <a:prstGeom prst="rect">
-            <a:avLst/>
-          </a:prstGeom>
-          <a:noFill/>
-        </p:spPr>
-      </p:pic>
-      <p:pic>
-        <p:nvPicPr>
-          <p:cNvPr id="18" name="Picture 6" descr="C:\Users\Mitch\Desktop\Gimp Practice\image 2.gif"/>
-          <p:cNvPicPr>
-            <a:picLocks noChangeAspect="1" noChangeArrowheads="1"/>
-          </p:cNvPicPr>
-          <p:nvPr/>
-        </p:nvPicPr>
-        <p:blipFill>
-          <a:blip r:embed="rId4" cstate="print"/>
-          <a:srcRect/>
-          <a:stretch>
-            <a:fillRect/>
-          </a:stretch>
-        </p:blipFill>
-        <p:spPr bwMode="auto">
-          <a:xfrm>
-            <a:off x="4343400" y="2209800"/>
-            <a:ext cx="2838450" cy="2659902"/>
-          </a:xfrm>
-          <a:prstGeom prst="rect">
-            <a:avLst/>
-          </a:prstGeom>
-          <a:noFill/>
-        </p:spPr>
-      </p:pic>
-      <p:pic>
-        <p:nvPicPr>
-          <p:cNvPr id="10" name="Picture 3" descr="C:\Users\Mitch\Desktop\cs5010\11-1-spring\Week09\Slides\Man without newspaper.png"/>
-          <p:cNvPicPr>
-            <a:picLocks noChangeAspect="1" noChangeArrowheads="1"/>
-          </p:cNvPicPr>
-          <p:nvPr/>
-        </p:nvPicPr>
-        <p:blipFill>
-          <a:blip r:embed="rId5" cstate="print"/>
-          <a:srcRect/>
-          <a:stretch>
-            <a:fillRect/>
-          </a:stretch>
-        </p:blipFill>
-        <p:spPr bwMode="auto">
-          <a:xfrm>
-            <a:off x="3733800" y="3048000"/>
-            <a:ext cx="2838450" cy="2659902"/>
-          </a:xfrm>
-          <a:prstGeom prst="rect">
-            <a:avLst/>
-          </a:prstGeom>
-          <a:noFill/>
-        </p:spPr>
-      </p:pic>
-      <p:pic>
-        <p:nvPicPr>
-          <p:cNvPr id="1030" name="Picture 6" descr="C:\Users\Mitch\Desktop\Gimp Practice\image 2.gif"/>
-          <p:cNvPicPr>
-            <a:picLocks noChangeAspect="1" noChangeArrowheads="1"/>
-          </p:cNvPicPr>
-          <p:nvPr/>
-        </p:nvPicPr>
-        <p:blipFill>
-          <a:blip r:embed="rId4" cstate="print"/>
-          <a:srcRect/>
-          <a:stretch>
-            <a:fillRect/>
-          </a:stretch>
-        </p:blipFill>
-        <p:spPr bwMode="auto">
-          <a:xfrm>
-            <a:off x="3124200" y="3886200"/>
-            <a:ext cx="2838450" cy="2659902"/>
-          </a:xfrm>
-          <a:prstGeom prst="rect">
-            <a:avLst/>
-          </a:prstGeom>
-          <a:noFill/>
-        </p:spPr>
-      </p:pic>
-      <p:sp>
-        <p:nvSpPr>
-          <p:cNvPr id="12" name="TextBox 11"/>
-          <p:cNvSpPr txBox="1"/>
-          <p:nvPr/>
-        </p:nvSpPr>
-        <p:spPr>
-          <a:xfrm>
-            <a:off x="5599794" y="5922496"/>
-            <a:ext cx="3544206" cy="707886"/>
-          </a:xfrm>
-          <a:prstGeom prst="rect">
-            <a:avLst/>
-          </a:prstGeom>
-          <a:noFill/>
-        </p:spPr>
-        <p:txBody>
-          <a:bodyPr wrap="square" rtlCol="0">
-            <a:spAutoFit/>
-          </a:bodyPr>
-          <a:lstStyle/>
-          <a:p>
-            <a:r>
-              <a:rPr lang="en-US" sz="4000" i="1" dirty="0" smtClean="0">
-                <a:solidFill>
-                  <a:srgbClr val="FF0000"/>
-                </a:solidFill>
-              </a:rPr>
-              <a:t>Now we know!</a:t>
-            </a:r>
-            <a:endParaRPr lang="en-US" sz="4000" i="1" dirty="0">
-              <a:solidFill>
-                <a:srgbClr val="FF0000"/>
-              </a:solidFill>
-            </a:endParaRPr>
-          </a:p>
-        </p:txBody>
-      </p:sp>
-      <p:sp>
-        <p:nvSpPr>
-          <p:cNvPr id="2" name="Slide Number Placeholder 1"/>
-          <p:cNvSpPr>
-            <a:spLocks noGrp="1"/>
-          </p:cNvSpPr>
-          <p:nvPr>
-            <p:ph type="sldNum" sz="quarter" idx="12"/>
-          </p:nvPr>
-        </p:nvSpPr>
-        <p:spPr/>
-        <p:txBody>
-          <a:bodyPr/>
-          <a:lstStyle/>
-          <a:p>
-            <a:fld id="{B6F15528-21DE-4FAA-801E-634DDDAF4B2B}" type="slidenum">
-              <a:rPr lang="en-US" smtClean="0"/>
-              <a:pPr/>
-              <a:t>36</a:t>
-            </a:fld>
-            <a:endParaRPr lang="en-US"/>
-          </a:p>
-        </p:txBody>
-      </p:sp>
-    </p:spTree>
-    <p:extLst>
-      <p:ext uri="{BB962C8B-B14F-4D97-AF65-F5344CB8AC3E}">
-        <p14:creationId xmlns:p14="http://schemas.microsoft.com/office/powerpoint/2010/main" val="582823470"/>
-      </p:ext>
-    </p:extLst>
-  </p:cSld>
-  <p:clrMapOvr>
-    <a:masterClrMapping/>
-  </p:clrMapOvr>
-  <p:timing>
-    <p:tnLst>
-      <p:par>
-        <p:cTn id="1" dur="indefinite" restart="never" nodeType="tmRoot">
-          <p:childTnLst>
-            <p:seq concurrent="1" nextAc="seek">
-              <p:cTn id="2" dur="indefinite" nodeType="mainSeq">
-                <p:childTnLst>
-                  <p:par>
-                    <p:cTn id="3" fill="hold">
-                      <p:stCondLst>
-                        <p:cond delay="indefinite"/>
-                      </p:stCondLst>
-                      <p:childTnLst>
-                        <p:par>
-                          <p:cTn id="4" fill="hold">
-                            <p:stCondLst>
-                              <p:cond delay="0"/>
-                            </p:stCondLst>
-                            <p:childTnLst>
-                              <p:par>
-                                <p:cTn id="5" presetID="35" presetClass="path" presetSubtype="0" accel="50000" decel="50000" fill="hold" nodeType="clickEffect">
-                                  <p:stCondLst>
-                                    <p:cond delay="0"/>
-                                  </p:stCondLst>
-                                  <p:childTnLst>
-                                    <p:animMotion origin="layout" path="M 0 0  L -0.25 0  E" pathEditMode="relative" ptsTypes="">
-                                      <p:cBhvr>
-                                        <p:cTn id="6" dur="2000" fill="hold"/>
-                                        <p:tgtEl>
-                                          <p:spTgt spid="9"/>
-                                        </p:tgtEl>
-                                        <p:attrNameLst>
-                                          <p:attrName>ppt_x</p:attrName>
-                                          <p:attrName>ppt_y</p:attrName>
-                                        </p:attrNameLst>
-                                      </p:cBhvr>
-                                    </p:animMotion>
-                                  </p:childTnLst>
-                                </p:cTn>
-                              </p:par>
-                              <p:par>
-                                <p:cTn id="7" presetID="35" presetClass="path" presetSubtype="0" accel="50000" decel="50000" fill="hold" nodeType="withEffect">
-                                  <p:stCondLst>
-                                    <p:cond delay="0"/>
-                                  </p:stCondLst>
-                                  <p:childTnLst>
-                                    <p:animMotion origin="layout" path="M 0 0  L -0.25 0  E" pathEditMode="relative" ptsTypes="">
-                                      <p:cBhvr>
-                                        <p:cTn id="8" dur="2000" fill="hold"/>
-                                        <p:tgtEl>
-                                          <p:spTgt spid="10"/>
-                                        </p:tgtEl>
-                                        <p:attrNameLst>
-                                          <p:attrName>ppt_x</p:attrName>
-                                          <p:attrName>ppt_y</p:attrName>
-                                        </p:attrNameLst>
-                                      </p:cBhvr>
-                                    </p:animMotion>
-                                  </p:childTnLst>
-                                </p:cTn>
-                              </p:par>
-                            </p:childTnLst>
-                          </p:cTn>
-                        </p:par>
-                      </p:childTnLst>
-                    </p:cTn>
-                  </p:par>
-                  <p:par>
-                    <p:cTn id="9" fill="hold">
-                      <p:stCondLst>
-                        <p:cond delay="indefinite"/>
-                      </p:stCondLst>
-                      <p:childTnLst>
-                        <p:par>
-                          <p:cTn id="10" fill="hold">
-                            <p:stCondLst>
-                              <p:cond delay="0"/>
-                            </p:stCondLst>
-                            <p:childTnLst>
-                              <p:par>
-                                <p:cTn id="11" presetID="1" presetClass="entr" presetSubtype="0" fill="hold" grpId="0" nodeType="clickEffect">
-                                  <p:stCondLst>
-                                    <p:cond delay="0"/>
-                                  </p:stCondLst>
-                                  <p:childTnLst>
-                                    <p:set>
-                                      <p:cBhvr>
-                                        <p:cTn id="12" dur="1" fill="hold">
-                                          <p:stCondLst>
-                                            <p:cond delay="0"/>
-                                          </p:stCondLst>
-                                        </p:cTn>
-                                        <p:tgtEl>
-                                          <p:spTgt spid="12"/>
-                                        </p:tgtEl>
-                                        <p:attrNameLst>
-                                          <p:attrName>style.visibility</p:attrName>
-                                        </p:attrNameLst>
-                                      </p:cBhvr>
-                                      <p:to>
-                                        <p:strVal val="visible"/>
-                                      </p:to>
-                                    </p:set>
-                                  </p:childTnLst>
-                                </p:cTn>
-                              </p:par>
-                              <p:par>
-                                <p:cTn id="13" presetID="1" presetClass="exit" presetSubtype="0" fill="hold" grpId="0" nodeType="withEffect">
-                                  <p:stCondLst>
-                                    <p:cond delay="0"/>
-                                  </p:stCondLst>
-                                  <p:childTnLst>
-                                    <p:set>
-                                      <p:cBhvr>
-                                        <p:cTn id="14" dur="1" fill="hold">
-                                          <p:stCondLst>
-                                            <p:cond delay="0"/>
-                                          </p:stCondLst>
-                                        </p:cTn>
-                                        <p:tgtEl>
-                                          <p:spTgt spid="24"/>
-                                        </p:tgtEl>
-                                        <p:attrNameLst>
-                                          <p:attrName>style.visibility</p:attrName>
-                                        </p:attrNameLst>
-                                      </p:cBhvr>
-                                      <p:to>
-                                        <p:strVal val="hidden"/>
-                                      </p:to>
-                                    </p:set>
-                                  </p:childTnLst>
-                                </p:cTn>
-                              </p:par>
-                            </p:childTnLst>
-                          </p:cTn>
-                        </p:par>
-                      </p:childTnLst>
-                    </p:cTn>
-                  </p:par>
-                </p:childTnLst>
-              </p:cTn>
-              <p:prevCondLst>
-                <p:cond evt="onPrev" delay="0">
-                  <p:tgtEl>
-                    <p:sldTgt/>
-                  </p:tgtEl>
-                </p:cond>
-              </p:prevCondLst>
-              <p:nextCondLst>
-                <p:cond evt="onNext" delay="0">
-                  <p:tgtEl>
-                    <p:sldTgt/>
-                  </p:tgtEl>
-                </p:cond>
-              </p:nextCondLst>
-            </p:seq>
-          </p:childTnLst>
-        </p:cTn>
-      </p:par>
-    </p:tnLst>
-    <p:bldLst>
-      <p:bldP spid="24" grpId="0"/>
-      <p:bldP spid="12" grpId="0"/>
-    </p:bldLst>
-  </p:timing>
-</p:sld>
-</file>
-
-<file path=ppt/slides/slide37.xml><?xml version="1.0" encoding="utf-8"?>
-<p:sld xmlns:a="http://schemas.openxmlformats.org/drawingml/2006/main" xmlns:r="http://schemas.openxmlformats.org/officeDocument/2006/relationships" xmlns:p="http://schemas.openxmlformats.org/presentationml/2006/main">
-  <p:cSld>
-    <p:spTree>
-      <p:nvGrpSpPr>
-        <p:cNvPr id="1" name=""/>
-        <p:cNvGrpSpPr/>
-        <p:nvPr/>
-      </p:nvGrpSpPr>
-      <p:grpSpPr>
-        <a:xfrm>
-          <a:off x="0" y="0"/>
-          <a:ext cx="0" cy="0"/>
-          <a:chOff x="0" y="0"/>
-          <a:chExt cx="0" cy="0"/>
-        </a:xfrm>
-      </p:grpSpPr>
-      <p:sp>
-        <p:nvSpPr>
-          <p:cNvPr id="2" name="Title 1"/>
-          <p:cNvSpPr>
-            <a:spLocks noGrp="1"/>
-          </p:cNvSpPr>
-          <p:nvPr>
-            <p:ph type="title"/>
-          </p:nvPr>
-        </p:nvSpPr>
-        <p:spPr/>
-        <p:txBody>
-          <a:bodyPr/>
-          <a:lstStyle/>
-          <a:p>
-            <a:r>
-              <a:rPr lang="en-US" dirty="0" smtClean="0"/>
-              <a:t>This is not a pipe</a:t>
-            </a:r>
-            <a:endParaRPr lang="en-US" dirty="0"/>
-          </a:p>
-        </p:txBody>
-      </p:sp>
-      <p:pic>
-        <p:nvPicPr>
-          <p:cNvPr id="4" name="Content Placeholder 3" descr="ceci-n-est-pas-une-pipe.jpg"/>
-          <p:cNvPicPr>
-            <a:picLocks noGrp="1" noChangeAspect="1"/>
-          </p:cNvPicPr>
-          <p:nvPr>
-            <p:ph idx="1"/>
-          </p:nvPr>
-        </p:nvPicPr>
-        <p:blipFill>
-          <a:blip r:embed="rId3" cstate="print"/>
-          <a:stretch>
-            <a:fillRect/>
-          </a:stretch>
-        </p:blipFill>
-        <p:spPr>
-          <a:xfrm>
-            <a:off x="1219977" y="1524000"/>
-            <a:ext cx="6660822" cy="4648200"/>
-          </a:xfrm>
-        </p:spPr>
-      </p:pic>
-      <p:sp>
-        <p:nvSpPr>
-          <p:cNvPr id="5" name="Slide Number Placeholder 4"/>
-          <p:cNvSpPr>
-            <a:spLocks noGrp="1"/>
-          </p:cNvSpPr>
-          <p:nvPr>
-            <p:ph type="sldNum" sz="quarter" idx="12"/>
-          </p:nvPr>
-        </p:nvSpPr>
-        <p:spPr/>
-        <p:txBody>
-          <a:bodyPr/>
-          <a:lstStyle/>
-          <a:p>
-            <a:fld id="{B6F15528-21DE-4FAA-801E-634DDDAF4B2B}" type="slidenum">
-              <a:rPr lang="en-US" smtClean="0"/>
-              <a:pPr/>
-              <a:t>37</a:t>
-            </a:fld>
-            <a:endParaRPr lang="en-US"/>
-          </a:p>
-        </p:txBody>
-      </p:sp>
-      <p:sp>
-        <p:nvSpPr>
-          <p:cNvPr id="3" name="Rectangle 2"/>
-          <p:cNvSpPr/>
-          <p:nvPr/>
-        </p:nvSpPr>
-        <p:spPr>
-          <a:xfrm>
-            <a:off x="6400800" y="3124200"/>
-            <a:ext cx="2514600" cy="1905000"/>
-          </a:xfrm>
-          <a:prstGeom prst="rect">
-            <a:avLst/>
-          </a:prstGeom>
-          <a:solidFill>
-            <a:schemeClr val="accent3">
-              <a:lumMod val="40000"/>
-              <a:lumOff val="60000"/>
-            </a:schemeClr>
-          </a:solidFill>
-          <a:ln/>
-        </p:spPr>
-        <p:style>
-          <a:lnRef idx="2">
-            <a:schemeClr val="accent1"/>
-          </a:lnRef>
-          <a:fillRef idx="1">
-            <a:schemeClr val="lt1"/>
-          </a:fillRef>
-          <a:effectRef idx="0">
-            <a:schemeClr val="accent1"/>
-          </a:effectRef>
-          <a:fontRef idx="minor">
-            <a:schemeClr val="dk1"/>
-          </a:fontRef>
-        </p:style>
-        <p:txBody>
-          <a:bodyPr rot="0" spcFirstLastPara="0" vertOverflow="overflow" horzOverflow="overflow" vert="horz" wrap="square" lIns="91440" tIns="45720" rIns="91440" bIns="45720" numCol="1" spcCol="0" rtlCol="0" fromWordArt="0" anchor="ctr" anchorCtr="0" forceAA="0" compatLnSpc="1">
-            <a:prstTxWarp prst="textNoShape">
-              <a:avLst/>
-            </a:prstTxWarp>
-            <a:noAutofit/>
-          </a:bodyPr>
-          <a:lstStyle/>
-          <a:p>
-            <a:r>
-              <a:rPr lang="en-US" sz="1400" dirty="0"/>
-              <a:t>The famous painting,  “This is not a pipe,” reminds us of the difference between information and data.  A piece of data that is </a:t>
-            </a:r>
-            <a:r>
-              <a:rPr lang="en-US" sz="1400" dirty="0" err="1"/>
-              <a:t>stateful</a:t>
-            </a:r>
-            <a:r>
-              <a:rPr lang="en-US" sz="1400" dirty="0"/>
-              <a:t> represents some information, and we must always document this in our data definitions</a:t>
-            </a:r>
-            <a:r>
-              <a:rPr lang="en-US" sz="1400" dirty="0" smtClean="0"/>
-              <a:t>.</a:t>
-            </a:r>
-            <a:endParaRPr lang="en-US" sz="1400" dirty="0"/>
-          </a:p>
-        </p:txBody>
-      </p:sp>
-    </p:spTree>
-  </p:cSld>
-  <p:clrMapOvr>
-    <a:masterClrMapping/>
-  </p:clrMapOvr>
-  <p:timing>
-    <p:tnLst>
-      <p:par>
-        <p:cTn id="1" dur="indefinite" restart="never" nodeType="tmRoot"/>
-      </p:par>
-    </p:tnLst>
-  </p:timing>
-</p:sld>
-</file>
-
-<file path=ppt/slides/slide38.xml><?xml version="1.0" encoding="utf-8"?>
-<p:sld xmlns:a="http://schemas.openxmlformats.org/drawingml/2006/main" xmlns:r="http://schemas.openxmlformats.org/officeDocument/2006/relationships" xmlns:p="http://schemas.openxmlformats.org/presentationml/2006/main">
-  <p:cSld>
-    <p:spTree>
-      <p:nvGrpSpPr>
-        <p:cNvPr id="1" name=""/>
-        <p:cNvGrpSpPr/>
-        <p:nvPr/>
-      </p:nvGrpSpPr>
-      <p:grpSpPr>
-        <a:xfrm>
-          <a:off x="0" y="0"/>
-          <a:ext cx="0" cy="0"/>
-          <a:chOff x="0" y="0"/>
-          <a:chExt cx="0" cy="0"/>
-        </a:xfrm>
-      </p:grpSpPr>
-      <p:sp>
-        <p:nvSpPr>
-          <p:cNvPr id="2" name="Title 1"/>
-          <p:cNvSpPr>
-            <a:spLocks noGrp="1"/>
-          </p:cNvSpPr>
-          <p:nvPr>
-            <p:ph type="title"/>
-          </p:nvPr>
-        </p:nvSpPr>
-        <p:spPr>
-          <a:xfrm>
-            <a:off x="457200" y="274638"/>
-            <a:ext cx="8229600" cy="1401762"/>
-          </a:xfrm>
-        </p:spPr>
-        <p:txBody>
-          <a:bodyPr>
-            <a:normAutofit fontScale="90000"/>
-          </a:bodyPr>
-          <a:lstStyle/>
-          <a:p>
-            <a:r>
-              <a:rPr lang="en-US" dirty="0" smtClean="0"/>
-              <a:t>Summary: </a:t>
-            </a:r>
-            <a:br>
-              <a:rPr lang="en-US" dirty="0" smtClean="0"/>
-            </a:br>
-            <a:r>
-              <a:rPr lang="en-US" dirty="0" smtClean="0"/>
-              <a:t>You </a:t>
-            </a:r>
-            <a:r>
-              <a:rPr lang="en-US" dirty="0" smtClean="0"/>
-              <a:t>need never be afraid of this:</a:t>
-            </a:r>
-            <a:endParaRPr lang="en-US" dirty="0"/>
-          </a:p>
-        </p:txBody>
-      </p:sp>
-      <p:sp>
-        <p:nvSpPr>
-          <p:cNvPr id="4" name="Slide Number Placeholder 3"/>
-          <p:cNvSpPr>
-            <a:spLocks noGrp="1"/>
-          </p:cNvSpPr>
-          <p:nvPr>
-            <p:ph type="sldNum" sz="quarter" idx="12"/>
-          </p:nvPr>
-        </p:nvSpPr>
-        <p:spPr/>
-        <p:txBody>
-          <a:bodyPr/>
-          <a:lstStyle/>
-          <a:p>
-            <a:fld id="{B6F15528-21DE-4FAA-801E-634DDDAF4B2B}" type="slidenum">
-              <a:rPr lang="en-US" smtClean="0"/>
-              <a:pPr/>
-              <a:t>38</a:t>
+              <a:t>26</a:t>
             </a:fld>
             <a:endParaRPr lang="en-US"/>
           </a:p>
@@ -17529,7 +13247,7 @@
 </p:sld>
 </file>
 
-<file path=ppt/slides/slide39.xml><?xml version="1.0" encoding="utf-8"?>
+<file path=ppt/slides/slide27.xml><?xml version="1.0" encoding="utf-8"?>
 <p:sld xmlns:a="http://schemas.openxmlformats.org/drawingml/2006/main" xmlns:r="http://schemas.openxmlformats.org/officeDocument/2006/relationships" xmlns:p="http://schemas.openxmlformats.org/presentationml/2006/main">
   <p:cSld>
     <p:spTree>
@@ -17628,7 +13346,7 @@
             <a:fld id="{B6F15528-21DE-4FAA-801E-634DDDAF4B2B}" type="slidenum">
               <a:rPr lang="en-US" smtClean="0"/>
               <a:pPr/>
-              <a:t>39</a:t>
+              <a:t>27</a:t>
             </a:fld>
             <a:endParaRPr lang="en-US"/>
           </a:p>
@@ -17919,7 +13637,361 @@
 </p:sld>
 </file>
 
-<file path=ppt/slides/slide4.xml><?xml version="1.0" encoding="utf-8"?>
+<file path=ppt/slides/slide28.xml><?xml version="1.0" encoding="utf-8"?>
+<p:sld xmlns:a="http://schemas.openxmlformats.org/drawingml/2006/main" xmlns:r="http://schemas.openxmlformats.org/officeDocument/2006/relationships" xmlns:p="http://schemas.openxmlformats.org/presentationml/2006/main">
+  <p:cSld>
+    <p:spTree>
+      <p:nvGrpSpPr>
+        <p:cNvPr id="1" name=""/>
+        <p:cNvGrpSpPr/>
+        <p:nvPr/>
+      </p:nvGrpSpPr>
+      <p:grpSpPr>
+        <a:xfrm>
+          <a:off x="0" y="0"/>
+          <a:ext cx="0" cy="0"/>
+          <a:chOff x="0" y="0"/>
+          <a:chExt cx="0" cy="0"/>
+        </a:xfrm>
+      </p:grpSpPr>
+      <p:sp>
+        <p:nvSpPr>
+          <p:cNvPr id="2" name="Title 1"/>
+          <p:cNvSpPr>
+            <a:spLocks noGrp="1"/>
+          </p:cNvSpPr>
+          <p:nvPr>
+            <p:ph type="title"/>
+          </p:nvPr>
+        </p:nvSpPr>
+        <p:spPr/>
+        <p:txBody>
+          <a:bodyPr>
+            <a:normAutofit fontScale="90000"/>
+          </a:bodyPr>
+          <a:lstStyle/>
+          <a:p>
+            <a:r>
+              <a:rPr lang="en-US" dirty="0" smtClean="0"/>
+              <a:t>And you know how to write down the answers</a:t>
+            </a:r>
+            <a:endParaRPr lang="en-US" dirty="0"/>
+          </a:p>
+        </p:txBody>
+      </p:sp>
+      <p:sp>
+        <p:nvSpPr>
+          <p:cNvPr id="3" name="Content Placeholder 2"/>
+          <p:cNvSpPr>
+            <a:spLocks noGrp="1"/>
+          </p:cNvSpPr>
+          <p:nvPr>
+            <p:ph idx="1"/>
+          </p:nvPr>
+        </p:nvSpPr>
+        <p:spPr/>
+        <p:txBody>
+          <a:bodyPr/>
+          <a:lstStyle/>
+          <a:p>
+            <a:r>
+              <a:rPr lang="en-US" dirty="0" smtClean="0"/>
+              <a:t>Data Definitions and Interpretations</a:t>
+            </a:r>
+          </a:p>
+          <a:p>
+            <a:r>
+              <a:rPr lang="en-US" dirty="0" smtClean="0"/>
+              <a:t>Contracts and Purpose Statements</a:t>
+            </a:r>
+          </a:p>
+          <a:p>
+            <a:r>
+              <a:rPr lang="en-US" dirty="0" smtClean="0"/>
+              <a:t>Examples and Tests</a:t>
+            </a:r>
+          </a:p>
+          <a:p>
+            <a:r>
+              <a:rPr lang="en-US" dirty="0" smtClean="0"/>
+              <a:t>Strategies</a:t>
+            </a:r>
+          </a:p>
+          <a:p>
+            <a:endParaRPr lang="en-US" sz="800" dirty="0" smtClean="0"/>
+          </a:p>
+          <a:p>
+            <a:r>
+              <a:rPr lang="en-US" sz="2400" dirty="0" smtClean="0"/>
+              <a:t>Code</a:t>
+            </a:r>
+          </a:p>
+          <a:p>
+            <a:endParaRPr lang="en-US" sz="1200" dirty="0"/>
+          </a:p>
+        </p:txBody>
+      </p:sp>
+      <p:sp>
+        <p:nvSpPr>
+          <p:cNvPr id="4" name="Slide Number Placeholder 3"/>
+          <p:cNvSpPr>
+            <a:spLocks noGrp="1"/>
+          </p:cNvSpPr>
+          <p:nvPr>
+            <p:ph type="sldNum" sz="quarter" idx="12"/>
+          </p:nvPr>
+        </p:nvSpPr>
+        <p:spPr/>
+        <p:txBody>
+          <a:bodyPr/>
+          <a:lstStyle/>
+          <a:p>
+            <a:fld id="{B6F15528-21DE-4FAA-801E-634DDDAF4B2B}" type="slidenum">
+              <a:rPr lang="en-US" smtClean="0"/>
+              <a:pPr/>
+              <a:t>28</a:t>
+            </a:fld>
+            <a:endParaRPr lang="en-US"/>
+          </a:p>
+        </p:txBody>
+      </p:sp>
+    </p:spTree>
+  </p:cSld>
+  <p:clrMapOvr>
+    <a:masterClrMapping/>
+  </p:clrMapOvr>
+  <p:timing>
+    <p:tnLst>
+      <p:par>
+        <p:cTn id="1" dur="indefinite" restart="never" nodeType="tmRoot">
+          <p:childTnLst>
+            <p:seq concurrent="1" nextAc="seek">
+              <p:cTn id="2" dur="indefinite" nodeType="mainSeq">
+                <p:childTnLst>
+                  <p:par>
+                    <p:cTn id="3" fill="hold">
+                      <p:stCondLst>
+                        <p:cond delay="indefinite"/>
+                      </p:stCondLst>
+                      <p:childTnLst>
+                        <p:par>
+                          <p:cTn id="4" fill="hold">
+                            <p:stCondLst>
+                              <p:cond delay="0"/>
+                            </p:stCondLst>
+                            <p:childTnLst>
+                              <p:par>
+                                <p:cTn id="5" presetID="10" presetClass="entr" presetSubtype="0" fill="hold" nodeType="clickEffect">
+                                  <p:stCondLst>
+                                    <p:cond delay="0"/>
+                                  </p:stCondLst>
+                                  <p:childTnLst>
+                                    <p:set>
+                                      <p:cBhvr>
+                                        <p:cTn id="6" dur="1" fill="hold">
+                                          <p:stCondLst>
+                                            <p:cond delay="0"/>
+                                          </p:stCondLst>
+                                        </p:cTn>
+                                        <p:tgtEl>
+                                          <p:spTgt spid="3">
+                                            <p:txEl>
+                                              <p:pRg st="5" end="5"/>
+                                            </p:txEl>
+                                          </p:spTgt>
+                                        </p:tgtEl>
+                                        <p:attrNameLst>
+                                          <p:attrName>style.visibility</p:attrName>
+                                        </p:attrNameLst>
+                                      </p:cBhvr>
+                                      <p:to>
+                                        <p:strVal val="visible"/>
+                                      </p:to>
+                                    </p:set>
+                                    <p:animEffect transition="in" filter="fade">
+                                      <p:cBhvr>
+                                        <p:cTn id="7" dur="2000"/>
+                                        <p:tgtEl>
+                                          <p:spTgt spid="3">
+                                            <p:txEl>
+                                              <p:pRg st="5" end="5"/>
+                                            </p:txEl>
+                                          </p:spTgt>
+                                        </p:tgtEl>
+                                      </p:cBhvr>
+                                    </p:animEffect>
+                                  </p:childTnLst>
+                                </p:cTn>
+                              </p:par>
+                            </p:childTnLst>
+                          </p:cTn>
+                        </p:par>
+                      </p:childTnLst>
+                    </p:cTn>
+                  </p:par>
+                </p:childTnLst>
+              </p:cTn>
+              <p:prevCondLst>
+                <p:cond evt="onPrev" delay="0">
+                  <p:tgtEl>
+                    <p:sldTgt/>
+                  </p:tgtEl>
+                </p:cond>
+              </p:prevCondLst>
+              <p:nextCondLst>
+                <p:cond evt="onNext" delay="0">
+                  <p:tgtEl>
+                    <p:sldTgt/>
+                  </p:tgtEl>
+                </p:cond>
+              </p:nextCondLst>
+            </p:seq>
+          </p:childTnLst>
+        </p:cTn>
+      </p:par>
+    </p:tnLst>
+  </p:timing>
+</p:sld>
+</file>
+
+<file path=ppt/slides/slide29.xml><?xml version="1.0" encoding="utf-8"?>
+<p:sld xmlns:a="http://schemas.openxmlformats.org/drawingml/2006/main" xmlns:r="http://schemas.openxmlformats.org/officeDocument/2006/relationships" xmlns:p="http://schemas.openxmlformats.org/presentationml/2006/main">
+  <p:cSld>
+    <p:spTree>
+      <p:nvGrpSpPr>
+        <p:cNvPr id="1" name=""/>
+        <p:cNvGrpSpPr/>
+        <p:nvPr/>
+      </p:nvGrpSpPr>
+      <p:grpSpPr>
+        <a:xfrm>
+          <a:off x="0" y="0"/>
+          <a:ext cx="0" cy="0"/>
+          <a:chOff x="0" y="0"/>
+          <a:chExt cx="0" cy="0"/>
+        </a:xfrm>
+      </p:grpSpPr>
+      <p:sp>
+        <p:nvSpPr>
+          <p:cNvPr id="2" name="Title 1"/>
+          <p:cNvSpPr>
+            <a:spLocks noGrp="1"/>
+          </p:cNvSpPr>
+          <p:nvPr>
+            <p:ph type="title"/>
+          </p:nvPr>
+        </p:nvSpPr>
+        <p:spPr/>
+        <p:txBody>
+          <a:bodyPr/>
+          <a:lstStyle/>
+          <a:p>
+            <a:r>
+              <a:rPr lang="en-US" dirty="0" smtClean="0"/>
+              <a:t>Go get ‘</a:t>
+            </a:r>
+            <a:r>
+              <a:rPr lang="en-US" dirty="0" err="1" smtClean="0"/>
+              <a:t>em</a:t>
+            </a:r>
+            <a:r>
+              <a:rPr lang="en-US" dirty="0" smtClean="0"/>
+              <a:t>!!</a:t>
+            </a:r>
+            <a:endParaRPr lang="en-US" dirty="0"/>
+          </a:p>
+        </p:txBody>
+      </p:sp>
+      <p:sp>
+        <p:nvSpPr>
+          <p:cNvPr id="3" name="Content Placeholder 2"/>
+          <p:cNvSpPr>
+            <a:spLocks noGrp="1"/>
+          </p:cNvSpPr>
+          <p:nvPr>
+            <p:ph idx="1"/>
+          </p:nvPr>
+        </p:nvSpPr>
+        <p:spPr/>
+        <p:txBody>
+          <a:bodyPr/>
+          <a:lstStyle/>
+          <a:p>
+            <a:pPr algn="ctr">
+              <a:buNone/>
+            </a:pPr>
+            <a:r>
+              <a:rPr lang="en-US" dirty="0" smtClean="0"/>
+              <a:t>And good luck!</a:t>
+            </a:r>
+          </a:p>
+          <a:p>
+            <a:pPr algn="ctr">
+              <a:buNone/>
+            </a:pPr>
+            <a:r>
+              <a:rPr lang="en-US" dirty="0" smtClean="0"/>
+              <a:t>Stay in touch.</a:t>
+            </a:r>
+          </a:p>
+          <a:p>
+            <a:pPr algn="ctr">
+              <a:buNone/>
+            </a:pPr>
+            <a:endParaRPr lang="en-US" dirty="0" smtClean="0"/>
+          </a:p>
+          <a:p>
+            <a:pPr algn="ctr">
+              <a:buNone/>
+            </a:pPr>
+            <a:r>
+              <a:rPr lang="en-US" dirty="0" smtClean="0"/>
+              <a:t>                    --Prof. Wand</a:t>
+            </a:r>
+            <a:endParaRPr lang="en-US" dirty="0"/>
+          </a:p>
+        </p:txBody>
+      </p:sp>
+      <p:sp>
+        <p:nvSpPr>
+          <p:cNvPr id="4" name="Slide Number Placeholder 3"/>
+          <p:cNvSpPr>
+            <a:spLocks noGrp="1"/>
+          </p:cNvSpPr>
+          <p:nvPr>
+            <p:ph type="sldNum" sz="quarter" idx="12"/>
+          </p:nvPr>
+        </p:nvSpPr>
+        <p:spPr/>
+        <p:txBody>
+          <a:bodyPr/>
+          <a:lstStyle/>
+          <a:p>
+            <a:fld id="{B6F15528-21DE-4FAA-801E-634DDDAF4B2B}" type="slidenum">
+              <a:rPr lang="en-US" smtClean="0"/>
+              <a:pPr/>
+              <a:t>29</a:t>
+            </a:fld>
+            <a:endParaRPr lang="en-US"/>
+          </a:p>
+        </p:txBody>
+      </p:sp>
+    </p:spTree>
+  </p:cSld>
+  <p:clrMapOvr>
+    <a:masterClrMapping/>
+  </p:clrMapOvr>
+  <p:timing>
+    <p:tnLst>
+      <p:par>
+        <p:cTn id="1" dur="indefinite" restart="never" nodeType="tmRoot"/>
+      </p:par>
+    </p:tnLst>
+  </p:timing>
+</p:sld>
+</file>
+
+<file path=ppt/slides/slide3.xml><?xml version="1.0" encoding="utf-8"?>
 <p:sld xmlns:a="http://schemas.openxmlformats.org/drawingml/2006/main" xmlns:r="http://schemas.openxmlformats.org/officeDocument/2006/relationships" xmlns:p="http://schemas.openxmlformats.org/presentationml/2006/main">
   <p:cSld>
     <p:spTree>
@@ -18101,7 +14173,7 @@
           <a:p>
             <a:fld id="{2AF3B5EA-18B6-4040-9F78-6052AF49C681}" type="slidenum">
               <a:rPr lang="en-US" smtClean="0"/>
-              <a:t>4</a:t>
+              <a:t>3</a:t>
             </a:fld>
             <a:endParaRPr lang="en-US"/>
           </a:p>
@@ -18127,7 +14199,7 @@
 </p:sld>
 </file>
 
-<file path=ppt/slides/slide40.xml><?xml version="1.0" encoding="utf-8"?>
+<file path=ppt/slides/slide4.xml><?xml version="1.0" encoding="utf-8"?>
 <p:sld xmlns:a="http://schemas.openxmlformats.org/drawingml/2006/main" xmlns:r="http://schemas.openxmlformats.org/officeDocument/2006/relationships" xmlns:p="http://schemas.openxmlformats.org/presentationml/2006/main">
   <p:cSld>
     <p:spTree>
@@ -18163,312 +14235,115 @@
           <a:p>
             <a:r>
               <a:rPr lang="en-US" dirty="0" smtClean="0"/>
-              <a:t>And you know how to write down the answers</a:t>
+              <a:t>Your programs should look like this:</a:t>
             </a:r>
             <a:endParaRPr lang="en-US" dirty="0"/>
           </a:p>
         </p:txBody>
       </p:sp>
-      <p:sp>
-        <p:nvSpPr>
-          <p:cNvPr id="3" name="Content Placeholder 2"/>
-          <p:cNvSpPr>
-            <a:spLocks noGrp="1"/>
-          </p:cNvSpPr>
+      <p:pic>
+        <p:nvPicPr>
+          <p:cNvPr id="5" name="Content Placeholder 4"/>
+          <p:cNvPicPr>
+            <a:picLocks noGrp="1" noChangeAspect="1"/>
+          </p:cNvPicPr>
           <p:nvPr>
             <p:ph idx="1"/>
           </p:nvPr>
-        </p:nvSpPr>
-        <p:spPr/>
-        <p:txBody>
-          <a:bodyPr/>
-          <a:lstStyle/>
-          <a:p>
-            <a:r>
-              <a:rPr lang="en-US" dirty="0" smtClean="0"/>
-              <a:t>Data Definitions and Interpretations</a:t>
-            </a:r>
-          </a:p>
-          <a:p>
-            <a:r>
-              <a:rPr lang="en-US" dirty="0" smtClean="0"/>
-              <a:t>Contracts and Purpose Statements</a:t>
-            </a:r>
-            <a:endParaRPr lang="en-US" dirty="0" smtClean="0"/>
-          </a:p>
-          <a:p>
-            <a:r>
-              <a:rPr lang="en-US" dirty="0" smtClean="0"/>
-              <a:t>Examples and Tests</a:t>
-            </a:r>
-          </a:p>
-          <a:p>
-            <a:r>
-              <a:rPr lang="en-US" dirty="0" smtClean="0"/>
-              <a:t>Strategies</a:t>
-            </a:r>
-            <a:endParaRPr lang="en-US" dirty="0" smtClean="0"/>
-          </a:p>
-          <a:p>
-            <a:endParaRPr lang="en-US" sz="800" dirty="0" smtClean="0"/>
-          </a:p>
-          <a:p>
-            <a:r>
-              <a:rPr lang="en-US" sz="2400" dirty="0" smtClean="0"/>
-              <a:t>Code</a:t>
-            </a:r>
-          </a:p>
-          <a:p>
+        </p:nvPicPr>
+        <p:blipFill>
+          <a:blip r:embed="rId3">
+            <a:extLst>
+              <a:ext uri="{28A0092B-C50C-407E-A947-70E740481C1C}">
+                <a14:useLocalDpi xmlns:a14="http://schemas.microsoft.com/office/drawing/2010/main" val="0"/>
+              </a:ext>
+            </a:extLst>
+          </a:blip>
+          <a:stretch>
+            <a:fillRect/>
+          </a:stretch>
+        </p:blipFill>
+        <p:spPr>
+          <a:xfrm>
+            <a:off x="1066800" y="1996281"/>
+            <a:ext cx="7010400" cy="3733800"/>
+          </a:xfrm>
+        </p:spPr>
+      </p:pic>
+      <p:sp>
+        <p:nvSpPr>
+          <p:cNvPr id="4" name="Slide Number Placeholder 3"/>
+          <p:cNvSpPr>
+            <a:spLocks noGrp="1"/>
+          </p:cNvSpPr>
+          <p:nvPr>
+            <p:ph type="sldNum" sz="quarter" idx="12"/>
+          </p:nvPr>
+        </p:nvSpPr>
+        <p:spPr/>
+        <p:txBody>
+          <a:bodyPr/>
+          <a:lstStyle/>
+          <a:p>
+            <a:fld id="{B6F15528-21DE-4FAA-801E-634DDDAF4B2B}" type="slidenum">
+              <a:rPr lang="en-US" smtClean="0">
+                <a:solidFill>
+                  <a:prstClr val="black">
+                    <a:tint val="75000"/>
+                  </a:prstClr>
+                </a:solidFill>
+              </a:rPr>
+              <a:pPr/>
+              <a:t>4</a:t>
+            </a:fld>
+            <a:endParaRPr lang="en-US" dirty="0">
+              <a:solidFill>
+                <a:prstClr val="black">
+                  <a:tint val="75000"/>
+                </a:prstClr>
+              </a:solidFill>
+            </a:endParaRPr>
+          </a:p>
+        </p:txBody>
+      </p:sp>
+      <p:sp>
+        <p:nvSpPr>
+          <p:cNvPr id="6" name="TextBox 5"/>
+          <p:cNvSpPr txBox="1"/>
+          <p:nvPr/>
+        </p:nvSpPr>
+        <p:spPr>
+          <a:xfrm>
+            <a:off x="6876320" y="6031726"/>
+            <a:ext cx="600805" cy="276999"/>
+          </a:xfrm>
+          <a:prstGeom prst="rect">
+            <a:avLst/>
+          </a:prstGeom>
+          <a:noFill/>
+        </p:spPr>
+        <p:txBody>
+          <a:bodyPr wrap="none" rtlCol="0">
+            <a:spAutoFit/>
+          </a:bodyPr>
+          <a:lstStyle/>
+          <a:p>
+            <a:r>
+              <a:rPr lang="en-US" sz="1200" dirty="0" smtClean="0">
+                <a:hlinkClick r:id="rId4"/>
+              </a:rPr>
+              <a:t>source</a:t>
+            </a:r>
             <a:endParaRPr lang="en-US" sz="1200" dirty="0"/>
           </a:p>
         </p:txBody>
       </p:sp>
-      <p:sp>
-        <p:nvSpPr>
-          <p:cNvPr id="4" name="Slide Number Placeholder 3"/>
-          <p:cNvSpPr>
-            <a:spLocks noGrp="1"/>
-          </p:cNvSpPr>
-          <p:nvPr>
-            <p:ph type="sldNum" sz="quarter" idx="12"/>
-          </p:nvPr>
-        </p:nvSpPr>
-        <p:spPr/>
-        <p:txBody>
-          <a:bodyPr/>
-          <a:lstStyle/>
-          <a:p>
-            <a:fld id="{B6F15528-21DE-4FAA-801E-634DDDAF4B2B}" type="slidenum">
-              <a:rPr lang="en-US" smtClean="0"/>
-              <a:pPr/>
-              <a:t>40</a:t>
-            </a:fld>
-            <a:endParaRPr lang="en-US"/>
-          </a:p>
-        </p:txBody>
-      </p:sp>
     </p:spTree>
-  </p:cSld>
-  <p:clrMapOvr>
-    <a:masterClrMapping/>
-  </p:clrMapOvr>
-  <p:timing>
-    <p:tnLst>
-      <p:par>
-        <p:cTn id="1" dur="indefinite" restart="never" nodeType="tmRoot">
-          <p:childTnLst>
-            <p:seq concurrent="1" nextAc="seek">
-              <p:cTn id="2" dur="indefinite" nodeType="mainSeq">
-                <p:childTnLst>
-                  <p:par>
-                    <p:cTn id="3" fill="hold">
-                      <p:stCondLst>
-                        <p:cond delay="indefinite"/>
-                      </p:stCondLst>
-                      <p:childTnLst>
-                        <p:par>
-                          <p:cTn id="4" fill="hold">
-                            <p:stCondLst>
-                              <p:cond delay="0"/>
-                            </p:stCondLst>
-                            <p:childTnLst>
-                              <p:par>
-                                <p:cTn id="5" presetID="10" presetClass="entr" presetSubtype="0" fill="hold" nodeType="clickEffect">
-                                  <p:stCondLst>
-                                    <p:cond delay="0"/>
-                                  </p:stCondLst>
-                                  <p:childTnLst>
-                                    <p:set>
-                                      <p:cBhvr>
-                                        <p:cTn id="6" dur="1" fill="hold">
-                                          <p:stCondLst>
-                                            <p:cond delay="0"/>
-                                          </p:stCondLst>
-                                        </p:cTn>
-                                        <p:tgtEl>
-                                          <p:spTgt spid="3">
-                                            <p:txEl>
-                                              <p:pRg st="5" end="5"/>
-                                            </p:txEl>
-                                          </p:spTgt>
-                                        </p:tgtEl>
-                                        <p:attrNameLst>
-                                          <p:attrName>style.visibility</p:attrName>
-                                        </p:attrNameLst>
-                                      </p:cBhvr>
-                                      <p:to>
-                                        <p:strVal val="visible"/>
-                                      </p:to>
-                                    </p:set>
-                                    <p:animEffect transition="in" filter="fade">
-                                      <p:cBhvr>
-                                        <p:cTn id="7" dur="2000"/>
-                                        <p:tgtEl>
-                                          <p:spTgt spid="3">
-                                            <p:txEl>
-                                              <p:pRg st="5" end="5"/>
-                                            </p:txEl>
-                                          </p:spTgt>
-                                        </p:tgtEl>
-                                      </p:cBhvr>
-                                    </p:animEffect>
-                                  </p:childTnLst>
-                                </p:cTn>
-                              </p:par>
-                            </p:childTnLst>
-                          </p:cTn>
-                        </p:par>
-                      </p:childTnLst>
-                    </p:cTn>
-                  </p:par>
-                </p:childTnLst>
-              </p:cTn>
-              <p:prevCondLst>
-                <p:cond evt="onPrev" delay="0">
-                  <p:tgtEl>
-                    <p:sldTgt/>
-                  </p:tgtEl>
-                </p:cond>
-              </p:prevCondLst>
-              <p:nextCondLst>
-                <p:cond evt="onNext" delay="0">
-                  <p:tgtEl>
-                    <p:sldTgt/>
-                  </p:tgtEl>
-                </p:cond>
-              </p:nextCondLst>
-            </p:seq>
-          </p:childTnLst>
-        </p:cTn>
-      </p:par>
-    </p:tnLst>
-  </p:timing>
-</p:sld>
-</file>
-
-<file path=ppt/slides/slide41.xml><?xml version="1.0" encoding="utf-8"?>
-<p:sld xmlns:a="http://schemas.openxmlformats.org/drawingml/2006/main" xmlns:r="http://schemas.openxmlformats.org/officeDocument/2006/relationships" xmlns:p="http://schemas.openxmlformats.org/presentationml/2006/main">
-  <p:cSld>
-    <p:spTree>
-      <p:nvGrpSpPr>
-        <p:cNvPr id="1" name=""/>
-        <p:cNvGrpSpPr/>
-        <p:nvPr/>
-      </p:nvGrpSpPr>
-      <p:grpSpPr>
-        <a:xfrm>
-          <a:off x="0" y="0"/>
-          <a:ext cx="0" cy="0"/>
-          <a:chOff x="0" y="0"/>
-          <a:chExt cx="0" cy="0"/>
-        </a:xfrm>
-      </p:grpSpPr>
-      <p:sp>
-        <p:nvSpPr>
-          <p:cNvPr id="2" name="Title 1"/>
-          <p:cNvSpPr>
-            <a:spLocks noGrp="1"/>
-          </p:cNvSpPr>
-          <p:nvPr>
-            <p:ph type="title"/>
-          </p:nvPr>
-        </p:nvSpPr>
-        <p:spPr/>
-        <p:txBody>
-          <a:bodyPr/>
-          <a:lstStyle/>
-          <a:p>
-            <a:r>
-              <a:rPr lang="en-US" dirty="0" smtClean="0"/>
-              <a:t>Go get ‘</a:t>
-            </a:r>
-            <a:r>
-              <a:rPr lang="en-US" dirty="0" err="1" smtClean="0"/>
-              <a:t>em</a:t>
-            </a:r>
-            <a:r>
-              <a:rPr lang="en-US" dirty="0" smtClean="0"/>
-              <a:t>!!</a:t>
-            </a:r>
-            <a:endParaRPr lang="en-US" dirty="0"/>
-          </a:p>
-        </p:txBody>
-      </p:sp>
-      <p:sp>
-        <p:nvSpPr>
-          <p:cNvPr id="3" name="Content Placeholder 2"/>
-          <p:cNvSpPr>
-            <a:spLocks noGrp="1"/>
-          </p:cNvSpPr>
-          <p:nvPr>
-            <p:ph idx="1"/>
-          </p:nvPr>
-        </p:nvSpPr>
-        <p:spPr/>
-        <p:txBody>
-          <a:bodyPr/>
-          <a:lstStyle/>
-          <a:p>
-            <a:pPr algn="ctr">
-              <a:buNone/>
-            </a:pPr>
-            <a:r>
-              <a:rPr lang="en-US" dirty="0" smtClean="0"/>
-              <a:t>And good luck!</a:t>
-            </a:r>
-          </a:p>
-          <a:p>
-            <a:pPr algn="ctr">
-              <a:buNone/>
-            </a:pPr>
-            <a:r>
-              <a:rPr lang="en-US" dirty="0" smtClean="0"/>
-              <a:t>Stay in touch.</a:t>
-            </a:r>
-          </a:p>
-          <a:p>
-            <a:pPr algn="ctr">
-              <a:buNone/>
-            </a:pPr>
-            <a:endParaRPr lang="en-US" dirty="0" smtClean="0"/>
-          </a:p>
-          <a:p>
-            <a:pPr algn="ctr">
-              <a:buNone/>
-            </a:pPr>
-            <a:r>
-              <a:rPr lang="en-US" dirty="0" smtClean="0"/>
-              <a:t>                    --Prof. Wand</a:t>
-            </a:r>
-            <a:endParaRPr lang="en-US" dirty="0"/>
-          </a:p>
-        </p:txBody>
-      </p:sp>
-      <p:sp>
-        <p:nvSpPr>
-          <p:cNvPr id="4" name="Slide Number Placeholder 3"/>
-          <p:cNvSpPr>
-            <a:spLocks noGrp="1"/>
-          </p:cNvSpPr>
-          <p:nvPr>
-            <p:ph type="sldNum" sz="quarter" idx="12"/>
-          </p:nvPr>
-        </p:nvSpPr>
-        <p:spPr/>
-        <p:txBody>
-          <a:bodyPr/>
-          <a:lstStyle/>
-          <a:p>
-            <a:fld id="{B6F15528-21DE-4FAA-801E-634DDDAF4B2B}" type="slidenum">
-              <a:rPr lang="en-US" smtClean="0"/>
-              <a:pPr/>
-              <a:t>41</a:t>
-            </a:fld>
-            <a:endParaRPr lang="en-US"/>
-          </a:p>
-        </p:txBody>
-      </p:sp>
-    </p:spTree>
+    <p:extLst>
+      <p:ext uri="{BB962C8B-B14F-4D97-AF65-F5344CB8AC3E}">
+        <p14:creationId xmlns:p14="http://schemas.microsoft.com/office/powerpoint/2010/main" val="969218596"/>
+      </p:ext>
+    </p:extLst>
   </p:cSld>
   <p:clrMapOvr>
     <a:masterClrMapping/>
@@ -18512,14 +14387,12 @@
         </p:nvSpPr>
         <p:spPr/>
         <p:txBody>
-          <a:bodyPr>
-            <a:normAutofit fontScale="90000"/>
-          </a:bodyPr>
+          <a:bodyPr/>
           <a:lstStyle/>
           <a:p>
             <a:r>
               <a:rPr lang="en-US" dirty="0" smtClean="0"/>
-              <a:t>Your programs should look like this:</a:t>
+              <a:t>Not like this</a:t>
             </a:r>
             <a:endParaRPr lang="en-US" dirty="0"/>
           </a:p>
@@ -18549,8 +14422,8 @@
         </p:blipFill>
         <p:spPr>
           <a:xfrm>
-            <a:off x="1066800" y="1996281"/>
-            <a:ext cx="7010400" cy="3733800"/>
+            <a:off x="1666875" y="1915319"/>
+            <a:ext cx="5810250" cy="3895725"/>
           </a:xfrm>
         </p:spPr>
       </p:pic>
@@ -18625,7 +14498,7 @@
     </p:spTree>
     <p:extLst>
       <p:ext uri="{BB962C8B-B14F-4D97-AF65-F5344CB8AC3E}">
-        <p14:creationId xmlns:p14="http://schemas.microsoft.com/office/powerpoint/2010/main" val="969218596"/>
+        <p14:creationId xmlns:p14="http://schemas.microsoft.com/office/powerpoint/2010/main" val="429683203"/>
       </p:ext>
     </p:extLst>
   </p:cSld>
@@ -18676,7 +14549,7 @@
           <a:p>
             <a:r>
               <a:rPr lang="en-US" dirty="0" smtClean="0"/>
-              <a:t>Not like this</a:t>
+              <a:t>Your programs should look like this</a:t>
             </a:r>
             <a:endParaRPr lang="en-US" dirty="0"/>
           </a:p>
@@ -18693,7 +14566,7 @@
           </p:nvPr>
         </p:nvPicPr>
         <p:blipFill>
-          <a:blip r:embed="rId3">
+          <a:blip r:embed="rId3" cstate="print">
             <a:extLst>
               <a:ext uri="{28A0092B-C50C-407E-A947-70E740481C1C}">
                 <a14:useLocalDpi xmlns:a14="http://schemas.microsoft.com/office/drawing/2010/main" val="0"/>
@@ -18706,8 +14579,8 @@
         </p:blipFill>
         <p:spPr>
           <a:xfrm>
-            <a:off x="1666875" y="1915319"/>
-            <a:ext cx="5810250" cy="3895725"/>
+            <a:off x="1798532" y="1783080"/>
+            <a:ext cx="5676688" cy="4257516"/>
           </a:xfrm>
         </p:spPr>
       </p:pic>
@@ -18755,7 +14628,7 @@
         </p:nvSpPr>
         <p:spPr>
           <a:xfrm>
-            <a:off x="6876320" y="6031726"/>
+            <a:off x="6874415" y="6274617"/>
             <a:ext cx="600805" cy="276999"/>
           </a:xfrm>
           <a:prstGeom prst="rect">
@@ -18782,7 +14655,7 @@
     </p:spTree>
     <p:extLst>
       <p:ext uri="{BB962C8B-B14F-4D97-AF65-F5344CB8AC3E}">
-        <p14:creationId xmlns:p14="http://schemas.microsoft.com/office/powerpoint/2010/main" val="429683203"/>
+        <p14:creationId xmlns:p14="http://schemas.microsoft.com/office/powerpoint/2010/main" val="3717125436"/>
       </p:ext>
     </p:extLst>
   </p:cSld>
@@ -18833,7 +14706,7 @@
           <a:p>
             <a:r>
               <a:rPr lang="en-US" dirty="0" smtClean="0"/>
-              <a:t>Your programs should look like this</a:t>
+              <a:t>Not like this</a:t>
             </a:r>
             <a:endParaRPr lang="en-US" dirty="0"/>
           </a:p>
@@ -18850,7 +14723,7 @@
           </p:nvPr>
         </p:nvPicPr>
         <p:blipFill>
-          <a:blip r:embed="rId3" cstate="print">
+          <a:blip r:embed="rId3">
             <a:extLst>
               <a:ext uri="{28A0092B-C50C-407E-A947-70E740481C1C}">
                 <a14:useLocalDpi xmlns:a14="http://schemas.microsoft.com/office/drawing/2010/main" val="0"/>
@@ -18863,8 +14736,8 @@
         </p:blipFill>
         <p:spPr>
           <a:xfrm>
-            <a:off x="1798532" y="1783080"/>
-            <a:ext cx="5676688" cy="4257516"/>
+            <a:off x="1188720" y="1669625"/>
+            <a:ext cx="6777990" cy="4394521"/>
           </a:xfrm>
         </p:spPr>
       </p:pic>
@@ -18912,7 +14785,7 @@
         </p:nvSpPr>
         <p:spPr>
           <a:xfrm>
-            <a:off x="6874415" y="6274617"/>
+            <a:off x="7365905" y="6217852"/>
             <a:ext cx="600805" cy="276999"/>
           </a:xfrm>
           <a:prstGeom prst="rect">
@@ -18939,7 +14812,7 @@
     </p:spTree>
     <p:extLst>
       <p:ext uri="{BB962C8B-B14F-4D97-AF65-F5344CB8AC3E}">
-        <p14:creationId xmlns:p14="http://schemas.microsoft.com/office/powerpoint/2010/main" val="3717125436"/>
+        <p14:creationId xmlns:p14="http://schemas.microsoft.com/office/powerpoint/2010/main" val="381442320"/>
       </p:ext>
     </p:extLst>
   </p:cSld>
@@ -18990,7 +14863,7 @@
           <a:p>
             <a:r>
               <a:rPr lang="en-US" dirty="0" smtClean="0"/>
-              <a:t>Not like this</a:t>
+              <a:t>And never, ever like this</a:t>
             </a:r>
             <a:endParaRPr lang="en-US" dirty="0"/>
           </a:p>
@@ -19020,8 +14893,8 @@
         </p:blipFill>
         <p:spPr>
           <a:xfrm>
-            <a:off x="1188720" y="1669625"/>
-            <a:ext cx="6777990" cy="4394521"/>
+            <a:off x="1583574" y="1874520"/>
+            <a:ext cx="6325986" cy="4209656"/>
           </a:xfrm>
         </p:spPr>
       </p:pic>
@@ -19063,7 +14936,7 @@
       </p:sp>
       <p:sp>
         <p:nvSpPr>
-          <p:cNvPr id="6" name="TextBox 5"/>
+          <p:cNvPr id="7" name="TextBox 6"/>
           <p:cNvSpPr txBox="1"/>
           <p:nvPr/>
         </p:nvSpPr>
@@ -19096,7 +14969,7 @@
     </p:spTree>
     <p:extLst>
       <p:ext uri="{BB962C8B-B14F-4D97-AF65-F5344CB8AC3E}">
-        <p14:creationId xmlns:p14="http://schemas.microsoft.com/office/powerpoint/2010/main" val="381442320"/>
+        <p14:creationId xmlns:p14="http://schemas.microsoft.com/office/powerpoint/2010/main" val="2728445608"/>
       </p:ext>
     </p:extLst>
   </p:cSld>
@@ -19130,130 +15003,277 @@
           <a:chExt cx="0" cy="0"/>
         </a:xfrm>
       </p:grpSpPr>
-      <p:sp>
-        <p:nvSpPr>
-          <p:cNvPr id="2" name="Title 1"/>
-          <p:cNvSpPr>
-            <a:spLocks noGrp="1"/>
-          </p:cNvSpPr>
-          <p:nvPr>
-            <p:ph type="title"/>
-          </p:nvPr>
-        </p:nvSpPr>
-        <p:spPr/>
-        <p:txBody>
-          <a:bodyPr/>
-          <a:lstStyle/>
-          <a:p>
-            <a:r>
-              <a:rPr lang="en-US" dirty="0" smtClean="0"/>
-              <a:t>And never, ever like this</a:t>
-            </a:r>
-            <a:endParaRPr lang="en-US" dirty="0"/>
-          </a:p>
-        </p:txBody>
-      </p:sp>
-      <p:pic>
-        <p:nvPicPr>
-          <p:cNvPr id="5" name="Content Placeholder 4"/>
-          <p:cNvPicPr>
-            <a:picLocks noGrp="1" noChangeAspect="1"/>
-          </p:cNvPicPr>
+      <p:graphicFrame>
+        <p:nvGraphicFramePr>
+          <p:cNvPr id="4" name="Content Placeholder 3"/>
+          <p:cNvGraphicFramePr>
+            <a:graphicFrameLocks noGrp="1"/>
+          </p:cNvGraphicFramePr>
           <p:nvPr>
             <p:ph idx="1"/>
-          </p:nvPr>
-        </p:nvPicPr>
-        <p:blipFill>
-          <a:blip r:embed="rId3">
-            <a:extLst>
-              <a:ext uri="{28A0092B-C50C-407E-A947-70E740481C1C}">
-                <a14:useLocalDpi xmlns:a14="http://schemas.microsoft.com/office/drawing/2010/main" val="0"/>
-              </a:ext>
-            </a:extLst>
-          </a:blip>
-          <a:stretch>
-            <a:fillRect/>
-          </a:stretch>
-        </p:blipFill>
+            <p:extLst>
+              <p:ext uri="{D42A27DB-BD31-4B8C-83A1-F6EECF244321}">
+                <p14:modId xmlns:p14="http://schemas.microsoft.com/office/powerpoint/2010/main" val="3156360529"/>
+              </p:ext>
+            </p:extLst>
+          </p:nvPr>
+        </p:nvGraphicFramePr>
+        <p:xfrm>
+          <a:off x="457200" y="426720"/>
+          <a:ext cx="8229600" cy="6004560"/>
+        </p:xfrm>
+        <a:graphic>
+          <a:graphicData uri="http://schemas.openxmlformats.org/drawingml/2006/table">
+            <a:tbl>
+              <a:tblPr firstRow="1" bandRow="1">
+                <a:tableStyleId>{5C22544A-7EE6-4342-B048-85BDC9FD1C3A}</a:tableStyleId>
+              </a:tblPr>
+              <a:tblGrid>
+                <a:gridCol w="8229600"/>
+              </a:tblGrid>
+              <a:tr h="370840">
+                <a:tc>
+                  <a:txBody>
+                    <a:bodyPr/>
+                    <a:lstStyle/>
+                    <a:p>
+                      <a:pPr algn="ctr"/>
+                      <a:r>
+                        <a:rPr lang="en-US" sz="3200" dirty="0" smtClean="0"/>
+                        <a:t>Principles for writing beautiful programs</a:t>
+                      </a:r>
+                      <a:endParaRPr lang="en-US" sz="3200" dirty="0"/>
+                    </a:p>
+                  </a:txBody>
+                  <a:tcPr/>
+                </a:tc>
+              </a:tr>
+              <a:tr h="370840">
+                <a:tc>
+                  <a:txBody>
+                    <a:bodyPr/>
+                    <a:lstStyle/>
+                    <a:p>
+                      <a:r>
+                        <a:rPr lang="en-US" sz="3200" dirty="0" smtClean="0"/>
+                        <a:t>1. Always</a:t>
+                      </a:r>
+                      <a:r>
+                        <a:rPr lang="en-US" sz="3200" baseline="0" dirty="0" smtClean="0"/>
+                        <a:t> remember: </a:t>
+                      </a:r>
+                      <a:r>
+                        <a:rPr lang="en-US" sz="3200" dirty="0" smtClean="0"/>
+                        <a:t>Programming is a People Discipline</a:t>
+                      </a:r>
+                      <a:endParaRPr lang="en-US" sz="3200" dirty="0"/>
+                    </a:p>
+                  </a:txBody>
+                  <a:tcPr/>
+                </a:tc>
+              </a:tr>
+              <a:tr h="370840">
+                <a:tc>
+                  <a:txBody>
+                    <a:bodyPr/>
+                    <a:lstStyle/>
+                    <a:p>
+                      <a:r>
+                        <a:rPr lang="en-US" sz="3200" dirty="0" smtClean="0"/>
+                        <a:t>2. Represent Information as Data; Interpret Data as Information</a:t>
+                      </a:r>
+                      <a:endParaRPr lang="en-US" sz="3200" dirty="0"/>
+                    </a:p>
+                  </a:txBody>
+                  <a:tcPr/>
+                </a:tc>
+              </a:tr>
+              <a:tr h="370840">
+                <a:tc>
+                  <a:txBody>
+                    <a:bodyPr/>
+                    <a:lstStyle/>
+                    <a:p>
+                      <a:pPr marL="0" marR="0" indent="0" algn="l" defTabSz="914400" rtl="0" eaLnBrk="1" fontAlgn="auto" latinLnBrk="0" hangingPunct="1">
+                        <a:lnSpc>
+                          <a:spcPct val="100000"/>
+                        </a:lnSpc>
+                        <a:spcBef>
+                          <a:spcPts val="0"/>
+                        </a:spcBef>
+                        <a:spcAft>
+                          <a:spcPts val="0"/>
+                        </a:spcAft>
+                        <a:buClrTx/>
+                        <a:buSzTx/>
+                        <a:buFontTx/>
+                        <a:buNone/>
+                        <a:tabLst/>
+                        <a:defRPr/>
+                      </a:pPr>
+                      <a:r>
+                        <a:rPr lang="en-US" sz="3200" dirty="0" smtClean="0"/>
+                        <a:t>3.</a:t>
+                      </a:r>
+                      <a:r>
+                        <a:rPr lang="en-US" sz="3200" baseline="0" dirty="0" smtClean="0"/>
+                        <a:t> Programs should consist of functions and methods that consume and produce values</a:t>
+                      </a:r>
+                      <a:endParaRPr lang="en-US" sz="3200" dirty="0"/>
+                    </a:p>
+                  </a:txBody>
+                  <a:tcPr/>
+                </a:tc>
+              </a:tr>
+              <a:tr h="370840">
+                <a:tc>
+                  <a:txBody>
+                    <a:bodyPr/>
+                    <a:lstStyle/>
+                    <a:p>
+                      <a:r>
+                        <a:rPr lang="en-US" sz="3200" dirty="0" smtClean="0"/>
+                        <a:t>4. Design Functions</a:t>
+                      </a:r>
+                      <a:r>
+                        <a:rPr lang="en-US" sz="3200" baseline="0" dirty="0" smtClean="0"/>
+                        <a:t> Systematically</a:t>
+                      </a:r>
+                      <a:endParaRPr lang="en-US" sz="3200" dirty="0" smtClean="0"/>
+                    </a:p>
+                  </a:txBody>
+                  <a:tcPr/>
+                </a:tc>
+              </a:tr>
+              <a:tr h="370840">
+                <a:tc>
+                  <a:txBody>
+                    <a:bodyPr/>
+                    <a:lstStyle/>
+                    <a:p>
+                      <a:r>
+                        <a:rPr lang="en-US" sz="3200" dirty="0" smtClean="0"/>
+                        <a:t>5. Design Systems Iteratively</a:t>
+                      </a:r>
+                      <a:endParaRPr lang="en-US" sz="3200" dirty="0"/>
+                    </a:p>
+                  </a:txBody>
+                  <a:tcPr/>
+                </a:tc>
+              </a:tr>
+              <a:tr h="370840">
+                <a:tc>
+                  <a:txBody>
+                    <a:bodyPr/>
+                    <a:lstStyle/>
+                    <a:p>
+                      <a:r>
+                        <a:rPr lang="en-US" sz="3200" dirty="0" smtClean="0"/>
+                        <a:t>6. Pass values when you can, share</a:t>
+                      </a:r>
+                    </a:p>
+                    <a:p>
+                      <a:r>
+                        <a:rPr lang="en-US" sz="3200" dirty="0" smtClean="0"/>
+                        <a:t>state only when you must.</a:t>
+                      </a:r>
+                      <a:endParaRPr lang="en-US" sz="3200" dirty="0"/>
+                    </a:p>
+                  </a:txBody>
+                  <a:tcPr/>
+                </a:tc>
+              </a:tr>
+            </a:tbl>
+          </a:graphicData>
+        </a:graphic>
+      </p:graphicFrame>
+      <p:sp>
+        <p:nvSpPr>
+          <p:cNvPr id="2" name="Slide Number Placeholder 1"/>
+          <p:cNvSpPr>
+            <a:spLocks noGrp="1"/>
+          </p:cNvSpPr>
+          <p:nvPr>
+            <p:ph type="sldNum" sz="quarter" idx="12"/>
+          </p:nvPr>
+        </p:nvSpPr>
+        <p:spPr/>
+        <p:txBody>
+          <a:bodyPr/>
+          <a:lstStyle/>
+          <a:p>
+            <a:fld id="{2AF3B5EA-18B6-4040-9F78-6052AF49C681}" type="slidenum">
+              <a:rPr lang="en-US" smtClean="0"/>
+              <a:t>9</a:t>
+            </a:fld>
+            <a:endParaRPr lang="en-US"/>
+          </a:p>
+        </p:txBody>
+      </p:sp>
+      <p:sp>
+        <p:nvSpPr>
+          <p:cNvPr id="5" name="Rectangle 4"/>
+          <p:cNvSpPr/>
+          <p:nvPr/>
+        </p:nvSpPr>
         <p:spPr>
           <a:xfrm>
-            <a:off x="1583574" y="1874520"/>
-            <a:ext cx="6325986" cy="4209656"/>
-          </a:xfrm>
-        </p:spPr>
-      </p:pic>
-      <p:sp>
-        <p:nvSpPr>
-          <p:cNvPr id="4" name="Slide Number Placeholder 3"/>
-          <p:cNvSpPr>
-            <a:spLocks noGrp="1"/>
-          </p:cNvSpPr>
-          <p:nvPr>
-            <p:ph type="sldNum" sz="quarter" idx="12"/>
-          </p:nvPr>
-        </p:nvSpPr>
-        <p:spPr/>
-        <p:txBody>
-          <a:bodyPr/>
-          <a:lstStyle/>
-          <a:p>
-            <a:fld id="{B6F15528-21DE-4FAA-801E-634DDDAF4B2B}" type="slidenum">
-              <a:rPr lang="en-US" smtClean="0">
-                <a:solidFill>
-                  <a:prstClr val="black">
-                    <a:tint val="75000"/>
-                  </a:prstClr>
-                </a:solidFill>
-              </a:rPr>
-              <a:pPr/>
-              <a:t>9</a:t>
-            </a:fld>
-            <a:endParaRPr lang="en-US" dirty="0">
-              <a:solidFill>
-                <a:prstClr val="black">
-                  <a:tint val="75000"/>
-                </a:prstClr>
-              </a:solidFill>
-            </a:endParaRPr>
-          </a:p>
-        </p:txBody>
-      </p:sp>
-      <p:sp>
-        <p:nvSpPr>
-          <p:cNvPr id="7" name="TextBox 6"/>
-          <p:cNvSpPr txBox="1"/>
-          <p:nvPr/>
-        </p:nvSpPr>
-        <p:spPr>
-          <a:xfrm>
-            <a:off x="7365905" y="6217852"/>
-            <a:ext cx="600805" cy="276999"/>
+            <a:off x="6781800" y="4574865"/>
+            <a:ext cx="2171700" cy="2133600"/>
           </a:xfrm>
           <a:prstGeom prst="rect">
             <a:avLst/>
           </a:prstGeom>
-          <a:noFill/>
+          <a:solidFill>
+            <a:schemeClr val="accent3">
+              <a:lumMod val="40000"/>
+              <a:lumOff val="60000"/>
+            </a:schemeClr>
+          </a:solidFill>
+          <a:ln/>
         </p:spPr>
-        <p:txBody>
-          <a:bodyPr wrap="none" rtlCol="0">
-            <a:spAutoFit/>
+        <p:style>
+          <a:lnRef idx="2">
+            <a:schemeClr val="accent1"/>
+          </a:lnRef>
+          <a:fillRef idx="1">
+            <a:schemeClr val="lt1"/>
+          </a:fillRef>
+          <a:effectRef idx="0">
+            <a:schemeClr val="accent1"/>
+          </a:effectRef>
+          <a:fontRef idx="minor">
+            <a:schemeClr val="dk1"/>
+          </a:fontRef>
+        </p:style>
+        <p:txBody>
+          <a:bodyPr rot="0" spcFirstLastPara="0" vertOverflow="overflow" horzOverflow="overflow" vert="horz" wrap="square" lIns="91440" tIns="45720" rIns="91440" bIns="45720" numCol="1" spcCol="0" rtlCol="0" fromWordArt="0" anchor="ctr" anchorCtr="0" forceAA="0" compatLnSpc="1">
+            <a:prstTxWarp prst="textNoShape">
+              <a:avLst/>
+            </a:prstTxWarp>
+            <a:noAutofit/>
           </a:bodyPr>
           <a:lstStyle/>
           <a:p>
             <a:r>
-              <a:rPr lang="en-US" sz="1200" dirty="0" smtClean="0">
-                <a:hlinkClick r:id="rId4"/>
-              </a:rPr>
-              <a:t>source</a:t>
-            </a:r>
-            <a:endParaRPr lang="en-US" sz="1200" dirty="0"/>
+              <a:rPr lang="en-US" dirty="0"/>
+              <a:t>Here are </a:t>
+            </a:r>
+            <a:r>
+              <a:rPr lang="en-US" dirty="0" smtClean="0"/>
+              <a:t>the six principles from Lesson 0.1.  They </a:t>
+            </a:r>
+            <a:r>
+              <a:rPr lang="en-US" dirty="0"/>
+              <a:t>summarize what we hope you have learned from this course.</a:t>
+            </a:r>
           </a:p>
         </p:txBody>
       </p:sp>
     </p:spTree>
     <p:extLst>
       <p:ext uri="{BB962C8B-B14F-4D97-AF65-F5344CB8AC3E}">
-        <p14:creationId xmlns:p14="http://schemas.microsoft.com/office/powerpoint/2010/main" val="2728445608"/>
+        <p14:creationId xmlns:p14="http://schemas.microsoft.com/office/powerpoint/2010/main" val="109477886"/>
       </p:ext>
     </p:extLst>
   </p:cSld>

--- a/Slides/Lesson 12.1 The Last Lecture.pptx
+++ b/Slides/Lesson 12.1 The Last Lecture.pptx
@@ -253,7 +253,7 @@
             <a:fld id="{3AEE8EC1-C4AE-4A57-9A8B-A8BF77FA5568}" type="datetimeFigureOut">
               <a:rPr lang="en-US" smtClean="0"/>
               <a:pPr/>
-              <a:t>11/21/2016</a:t>
+              <a:t>12/6/2016</a:t>
             </a:fld>
             <a:endParaRPr lang="en-US"/>
           </a:p>
@@ -2498,7 +2498,7 @@
           <a:p>
             <a:fld id="{2F1F79F5-7BEC-496A-AFC7-876E38F64D71}" type="datetime1">
               <a:rPr lang="en-US" smtClean="0"/>
-              <a:t>11/21/2016</a:t>
+              <a:t>12/6/2016</a:t>
             </a:fld>
             <a:endParaRPr lang="en-US"/>
           </a:p>
@@ -2615,7 +2615,7 @@
           <a:p>
             <a:fld id="{2F7B77F5-1464-4F6B-92A8-64FC8A508293}" type="datetime1">
               <a:rPr lang="en-US" smtClean="0"/>
-              <a:t>11/21/2016</a:t>
+              <a:t>12/6/2016</a:t>
             </a:fld>
             <a:endParaRPr lang="en-US"/>
           </a:p>
@@ -2710,7 +2710,7 @@
           <a:p>
             <a:fld id="{0A05703A-7669-4FEA-9056-25299B4D29D4}" type="datetime1">
               <a:rPr lang="en-US" smtClean="0"/>
-              <a:t>11/21/2016</a:t>
+              <a:t>12/6/2016</a:t>
             </a:fld>
             <a:endParaRPr lang="en-US"/>
           </a:p>
@@ -2985,7 +2985,7 @@
           <a:p>
             <a:fld id="{6E5077B5-BB57-49DB-88CA-226A139E5C01}" type="datetime1">
               <a:rPr lang="en-US" smtClean="0"/>
-              <a:t>11/21/2016</a:t>
+              <a:t>12/6/2016</a:t>
             </a:fld>
             <a:endParaRPr lang="en-US"/>
           </a:p>
@@ -3237,7 +3237,7 @@
           <a:p>
             <a:fld id="{C48D9447-CBD6-49A1-89FD-8512A8CF8999}" type="datetime1">
               <a:rPr lang="en-US" smtClean="0"/>
-              <a:t>11/21/2016</a:t>
+              <a:t>12/6/2016</a:t>
             </a:fld>
             <a:endParaRPr lang="en-US"/>
           </a:p>
@@ -3405,7 +3405,7 @@
           <a:p>
             <a:fld id="{A3639A2A-823D-48B7-9ACE-7FAF42870BA9}" type="datetime1">
               <a:rPr lang="en-US" smtClean="0"/>
-              <a:t>11/21/2016</a:t>
+              <a:t>12/6/2016</a:t>
             </a:fld>
             <a:endParaRPr lang="en-US"/>
           </a:p>
@@ -3583,7 +3583,7 @@
           <a:p>
             <a:fld id="{ED1B6996-82E9-463C-972C-7B56056E426C}" type="datetime1">
               <a:rPr lang="en-US" smtClean="0"/>
-              <a:t>11/21/2016</a:t>
+              <a:t>12/6/2016</a:t>
             </a:fld>
             <a:endParaRPr lang="en-US"/>
           </a:p>
@@ -3757,7 +3757,7 @@
           <a:p>
             <a:fld id="{E22ED4DA-448D-4BB1-B935-CC112220207B}" type="datetime1">
               <a:rPr lang="en-US" smtClean="0"/>
-              <a:t>11/21/2016</a:t>
+              <a:t>12/6/2016</a:t>
             </a:fld>
             <a:endParaRPr lang="en-US"/>
           </a:p>
@@ -3930,7 +3930,7 @@
           <a:p>
             <a:fld id="{E22ED4DA-448D-4BB1-B935-CC112220207B}" type="datetime1">
               <a:rPr lang="en-US" smtClean="0"/>
-              <a:t>11/21/2016</a:t>
+              <a:t>12/6/2016</a:t>
             </a:fld>
             <a:endParaRPr lang="en-US"/>
           </a:p>
@@ -4193,7 +4193,7 @@
           <a:p>
             <a:fld id="{FF5D65A6-AB94-4435-B0B7-3743215FA46C}" type="datetime1">
               <a:rPr lang="en-US" smtClean="0"/>
-              <a:t>11/21/2016</a:t>
+              <a:t>12/6/2016</a:t>
             </a:fld>
             <a:endParaRPr lang="en-US"/>
           </a:p>
@@ -4369,7 +4369,7 @@
           <a:p>
             <a:fld id="{FF5D65A6-AB94-4435-B0B7-3743215FA46C}" type="datetime1">
               <a:rPr lang="en-US" smtClean="0"/>
-              <a:t>11/21/2016</a:t>
+              <a:t>12/6/2016</a:t>
             </a:fld>
             <a:endParaRPr lang="en-US"/>
           </a:p>
@@ -4663,7 +4663,7 @@
           <a:p>
             <a:fld id="{7C193DC4-6EF0-48C9-B29C-616106A645E1}" type="datetime1">
               <a:rPr lang="en-US" smtClean="0"/>
-              <a:t>11/21/2016</a:t>
+              <a:t>12/6/2016</a:t>
             </a:fld>
             <a:endParaRPr lang="en-US"/>
           </a:p>
@@ -4948,7 +4948,7 @@
           <a:p>
             <a:fld id="{5D1846AD-9252-4647-9435-4C2AC365653A}" type="datetime1">
               <a:rPr lang="en-US" smtClean="0"/>
-              <a:t>11/21/2016</a:t>
+              <a:t>12/6/2016</a:t>
             </a:fld>
             <a:endParaRPr lang="en-US"/>
           </a:p>
@@ -5247,7 +5247,7 @@
           <a:p>
             <a:fld id="{5D1846AD-9252-4647-9435-4C2AC365653A}" type="datetime1">
               <a:rPr lang="en-US" smtClean="0"/>
-              <a:t>11/21/2016</a:t>
+              <a:t>12/6/2016</a:t>
             </a:fld>
             <a:endParaRPr lang="en-US"/>
           </a:p>
@@ -5666,7 +5666,7 @@
           <a:p>
             <a:fld id="{CE56DC10-3561-4063-A6AF-C1CC7A41040A}" type="datetime1">
               <a:rPr lang="en-US" smtClean="0"/>
-              <a:t>11/21/2016</a:t>
+              <a:t>12/6/2016</a:t>
             </a:fld>
             <a:endParaRPr lang="en-US"/>
           </a:p>
@@ -5889,7 +5889,7 @@
           <a:p>
             <a:fld id="{02B3F677-983B-48DB-ADFD-63FE6CBC7FB2}" type="datetime1">
               <a:rPr lang="en-US" smtClean="0"/>
-              <a:t>11/21/2016</a:t>
+              <a:t>12/6/2016</a:t>
             </a:fld>
             <a:endParaRPr lang="en-US"/>
           </a:p>
@@ -6921,12 +6921,14 @@
             <a:avLst/>
           </a:prstGeom>
           <a:solidFill>
-            <a:schemeClr val="accent3">
-              <a:lumMod val="40000"/>
-              <a:lumOff val="60000"/>
+            <a:schemeClr val="accent1">
+              <a:lumMod val="20000"/>
+              <a:lumOff val="80000"/>
             </a:schemeClr>
           </a:solidFill>
-          <a:ln/>
+          <a:ln>
+            <a:noFill/>
+          </a:ln>
         </p:spPr>
         <p:style>
           <a:lnRef idx="2">
@@ -14669,14 +14671,14 @@
             <p:ph idx="4294967295"/>
             <p:extLst>
               <p:ext uri="{D42A27DB-BD31-4B8C-83A1-F6EECF244321}">
-                <p14:modId xmlns:p14="http://schemas.microsoft.com/office/powerpoint/2010/main" val="1643938419"/>
+                <p14:modId xmlns:p14="http://schemas.microsoft.com/office/powerpoint/2010/main" val="2573500650"/>
               </p:ext>
             </p:extLst>
           </p:nvPr>
         </p:nvGraphicFramePr>
         <p:xfrm>
           <a:off x="990600" y="625793"/>
-          <a:ext cx="7086600" cy="5585460"/>
+          <a:ext cx="7086600" cy="5768340"/>
         </p:xfrm>
         <a:graphic>
           <a:graphicData uri="http://schemas.openxmlformats.org/drawingml/2006/table">
@@ -14721,7 +14723,7 @@
                     <a:lstStyle/>
                     <a:p>
                       <a:r>
-                        <a:rPr lang="en-US" dirty="0"/>
+                        <a:rPr lang="en-US" sz="2000" dirty="0"/>
                         <a:t>1.  Write programs that people can read, understand, and modify.</a:t>
                       </a:r>
                     </a:p>
@@ -14741,14 +14743,14 @@
                     <a:lstStyle/>
                     <a:p>
                       <a:r>
-                        <a:rPr lang="en-US" dirty="0"/>
+                        <a:rPr lang="en-US" sz="2000" dirty="0"/>
                         <a:t>2. </a:t>
                       </a:r>
                       <a:r>
-                        <a:rPr lang="en-US" baseline="0" dirty="0"/>
-                        <a:t> Represent information as data; interpret data as information</a:t>
+                        <a:rPr lang="en-US" sz="2000" baseline="0" dirty="0"/>
+                        <a:t> Represent information as data; interpret data as information.</a:t>
                       </a:r>
-                      <a:endParaRPr lang="en-US" dirty="0"/>
+                      <a:endParaRPr lang="en-US" sz="2000" dirty="0"/>
                     </a:p>
                   </a:txBody>
                   <a:tcPr/>
@@ -14766,14 +14768,14 @@
                     <a:lstStyle/>
                     <a:p>
                       <a:r>
-                        <a:rPr lang="en-US" dirty="0"/>
+                        <a:rPr lang="en-US" sz="2000" dirty="0"/>
                         <a:t>3. Use contracts and purpose statements to specify the intended</a:t>
                       </a:r>
                       <a:r>
-                        <a:rPr lang="en-US" baseline="0" dirty="0"/>
-                        <a:t> behavior of your functions and methods</a:t>
+                        <a:rPr lang="en-US" sz="2000" baseline="0" dirty="0"/>
+                        <a:t> behavior of your functions and methods.</a:t>
                       </a:r>
-                      <a:endParaRPr lang="en-US" dirty="0"/>
+                      <a:endParaRPr lang="en-US" sz="2000" dirty="0"/>
                     </a:p>
                   </a:txBody>
                   <a:tcPr/>
@@ -14791,8 +14793,8 @@
                     <a:lstStyle/>
                     <a:p>
                       <a:r>
-                        <a:rPr lang="en-US" dirty="0"/>
-                        <a:t>4. Use invariants to limit your functions’ responsibility</a:t>
+                        <a:rPr lang="en-US" sz="2000" dirty="0"/>
+                        <a:t>4. Use invariants to limit your functions’ responsibility.</a:t>
                       </a:r>
                     </a:p>
                   </a:txBody>
@@ -14811,14 +14813,14 @@
                     <a:lstStyle/>
                     <a:p>
                       <a:r>
-                        <a:rPr lang="en-US" dirty="0"/>
+                        <a:rPr lang="en-US" sz="2000" dirty="0"/>
                         <a:t>5. Use functions</a:t>
                       </a:r>
                       <a:r>
-                        <a:rPr lang="en-US" baseline="0" dirty="0"/>
+                        <a:rPr lang="en-US" sz="2000" baseline="0" dirty="0"/>
                         <a:t> and methods that produce and consume values.</a:t>
                       </a:r>
-                      <a:endParaRPr lang="en-US" dirty="0"/>
+                      <a:endParaRPr lang="en-US" sz="2000" dirty="0"/>
                     </a:p>
                   </a:txBody>
                   <a:tcPr/>
@@ -14836,14 +14838,14 @@
                     <a:lstStyle/>
                     <a:p>
                       <a:r>
-                        <a:rPr lang="en-US" dirty="0"/>
+                        <a:rPr lang="en-US" sz="2000" dirty="0"/>
                         <a:t>6. Use state only to share information</a:t>
                       </a:r>
                       <a:r>
-                        <a:rPr lang="en-US" baseline="0" dirty="0"/>
+                        <a:rPr lang="en-US" sz="2000" baseline="0" dirty="0"/>
                         <a:t> between distant parts of the program.</a:t>
                       </a:r>
-                      <a:endParaRPr lang="en-US" dirty="0"/>
+                      <a:endParaRPr lang="en-US" sz="2000" dirty="0"/>
                     </a:p>
                   </a:txBody>
                   <a:tcPr/>
@@ -14861,14 +14863,14 @@
                     <a:lstStyle/>
                     <a:p>
                       <a:r>
-                        <a:rPr lang="en-US" dirty="0"/>
+                        <a:rPr lang="en-US" sz="2000" dirty="0"/>
                         <a:t>7. Use interfaces</a:t>
                       </a:r>
                       <a:r>
-                        <a:rPr lang="en-US" baseline="0" dirty="0"/>
+                        <a:rPr lang="en-US" sz="2000" baseline="0" dirty="0"/>
                         <a:t> to limit dependencies between different parts of your program.</a:t>
                       </a:r>
-                      <a:endParaRPr lang="en-US" dirty="0"/>
+                      <a:endParaRPr lang="en-US" sz="2000" dirty="0"/>
                     </a:p>
                   </a:txBody>
                   <a:tcPr/>
